--- a/01_MLIntroduction/01_MLIntroduction.pptx
+++ b/01_MLIntroduction/01_MLIntroduction.pptx
@@ -5,10 +5,10 @@
     <p:sldMasterId id="2147483664" r:id="rId1"/>
   </p:sldMasterIdLst>
   <p:notesMasterIdLst>
-    <p:notesMasterId r:id="rId21"/>
+    <p:notesMasterId r:id="rId24"/>
   </p:notesMasterIdLst>
   <p:handoutMasterIdLst>
-    <p:handoutMasterId r:id="rId22"/>
+    <p:handoutMasterId r:id="rId25"/>
   </p:handoutMasterIdLst>
   <p:sldIdLst>
     <p:sldId id="264" r:id="rId2"/>
@@ -22,14 +22,17 @@
     <p:sldId id="305" r:id="rId10"/>
     <p:sldId id="298" r:id="rId11"/>
     <p:sldId id="299" r:id="rId12"/>
-    <p:sldId id="300" r:id="rId13"/>
-    <p:sldId id="301" r:id="rId14"/>
-    <p:sldId id="303" r:id="rId15"/>
-    <p:sldId id="302" r:id="rId16"/>
-    <p:sldId id="306" r:id="rId17"/>
-    <p:sldId id="307" r:id="rId18"/>
-    <p:sldId id="308" r:id="rId19"/>
-    <p:sldId id="260" r:id="rId20"/>
+    <p:sldId id="309" r:id="rId13"/>
+    <p:sldId id="310" r:id="rId14"/>
+    <p:sldId id="300" r:id="rId15"/>
+    <p:sldId id="301" r:id="rId16"/>
+    <p:sldId id="303" r:id="rId17"/>
+    <p:sldId id="302" r:id="rId18"/>
+    <p:sldId id="306" r:id="rId19"/>
+    <p:sldId id="307" r:id="rId20"/>
+    <p:sldId id="311" r:id="rId21"/>
+    <p:sldId id="308" r:id="rId22"/>
+    <p:sldId id="260" r:id="rId23"/>
   </p:sldIdLst>
   <p:sldSz cx="9906000" cy="6858000" type="A4"/>
   <p:notesSz cx="6807200" cy="9939338"/>
@@ -229,7 +232,7 @@
           <a:p>
             <a:fld id="{05BF5AB9-3463-4E65-AFD3-5431B79ADFDC}" type="datetimeFigureOut">
               <a:rPr lang="zh-TW" altLang="en-US" smtClean="0"/>
-              <a:t>2020/5/2</a:t>
+              <a:t>2020/5/31</a:t>
             </a:fld>
             <a:endParaRPr lang="zh-TW" altLang="en-US"/>
           </a:p>
@@ -394,7 +397,7 @@
           <a:p>
             <a:fld id="{838FF680-7B6B-4655-B6A1-33A8AD0AE8B4}" type="datetimeFigureOut">
               <a:rPr lang="zh-TW" altLang="en-US" smtClean="0"/>
-              <a:t>2020/5/2</a:t>
+              <a:t>2020/5/31</a:t>
             </a:fld>
             <a:endParaRPr lang="zh-TW" altLang="en-US"/>
           </a:p>
@@ -3029,7 +3032,7 @@
   <p:clrMapOvr>
     <a:masterClrMapping/>
   </p:clrMapOvr>
-  <p:extLst mod="1">
+  <p:extLst>
     <p:ext uri="{DCECCB84-F9BA-43D5-87BE-67443E8EF086}">
       <p15:sldGuideLst xmlns:p15="http://schemas.microsoft.com/office/powerpoint/2012/main">
         <p15:guide id="1" orient="horz" pos="2160">
@@ -6259,6 +6262,1468 @@
           <p:cNvPr id="3" name="投影片編號版面配置區 2">
             <a:extLst>
               <a:ext uri="{FF2B5EF4-FFF2-40B4-BE49-F238E27FC236}">
+                <a16:creationId xmlns:a16="http://schemas.microsoft.com/office/drawing/2014/main" id="{4A3CC275-B456-456A-AD7E-7660FFAA2691}"/>
+              </a:ext>
+            </a:extLst>
+          </p:cNvPr>
+          <p:cNvSpPr>
+            <a:spLocks noGrp="1"/>
+          </p:cNvSpPr>
+          <p:nvPr>
+            <p:ph type="sldNum" sz="quarter" idx="12"/>
+          </p:nvPr>
+        </p:nvSpPr>
+        <p:spPr/>
+        <p:txBody>
+          <a:bodyPr/>
+          <a:lstStyle/>
+          <a:p>
+            <a:fld id="{8F4EACC7-37E3-43A5-A5FB-BEB9CE95D266}" type="slidenum">
+              <a:rPr lang="zh-TW" altLang="en-US" smtClean="0"/>
+              <a:pPr/>
+              <a:t>11</a:t>
+            </a:fld>
+            <a:endParaRPr lang="zh-TW" altLang="en-US"/>
+          </a:p>
+        </p:txBody>
+      </p:sp>
+      <p:sp>
+        <p:nvSpPr>
+          <p:cNvPr id="4" name="標題 3">
+            <a:extLst>
+              <a:ext uri="{FF2B5EF4-FFF2-40B4-BE49-F238E27FC236}">
+                <a16:creationId xmlns:a16="http://schemas.microsoft.com/office/drawing/2014/main" id="{69C28037-B303-4700-AFB1-E4CE617346DA}"/>
+              </a:ext>
+            </a:extLst>
+          </p:cNvPr>
+          <p:cNvSpPr>
+            <a:spLocks noGrp="1"/>
+          </p:cNvSpPr>
+          <p:nvPr>
+            <p:ph type="title"/>
+          </p:nvPr>
+        </p:nvSpPr>
+        <p:spPr/>
+        <p:txBody>
+          <a:bodyPr/>
+          <a:lstStyle/>
+          <a:p>
+            <a:r>
+              <a:rPr lang="en-US" altLang="zh-TW" dirty="0"/>
+              <a:t>Evaluation - </a:t>
+            </a:r>
+            <a:r>
+              <a:rPr lang="en-US" altLang="zh-TW" dirty="0">
+                <a:latin typeface="Microsoft JhengHei"/>
+                <a:ea typeface="Microsoft JhengHei"/>
+                <a:cs typeface="Microsoft JhengHei"/>
+                <a:sym typeface="Microsoft JhengHei"/>
+              </a:rPr>
+              <a:t>Category Data</a:t>
+            </a:r>
+            <a:endParaRPr lang="zh-TW" altLang="en-US" dirty="0"/>
+          </a:p>
+        </p:txBody>
+      </p:sp>
+      <p:grpSp>
+        <p:nvGrpSpPr>
+          <p:cNvPr id="5" name="Google Shape;101;p14">
+            <a:extLst>
+              <a:ext uri="{FF2B5EF4-FFF2-40B4-BE49-F238E27FC236}">
+                <a16:creationId xmlns:a16="http://schemas.microsoft.com/office/drawing/2014/main" id="{3001ED66-359D-4D76-B389-FFAA87852486}"/>
+              </a:ext>
+            </a:extLst>
+          </p:cNvPr>
+          <p:cNvGrpSpPr>
+            <a:grpSpLocks noChangeAspect="1"/>
+          </p:cNvGrpSpPr>
+          <p:nvPr/>
+        </p:nvGrpSpPr>
+        <p:grpSpPr>
+          <a:xfrm>
+            <a:off x="6605893" y="1371600"/>
+            <a:ext cx="3020460" cy="4267200"/>
+            <a:chOff x="5085725" y="1647750"/>
+            <a:chExt cx="2465775" cy="3322375"/>
+          </a:xfrm>
+        </p:grpSpPr>
+        <p:pic>
+          <p:nvPicPr>
+            <p:cNvPr id="6" name="Google Shape;102;p14">
+              <a:extLst>
+                <a:ext uri="{FF2B5EF4-FFF2-40B4-BE49-F238E27FC236}">
+                  <a16:creationId xmlns:a16="http://schemas.microsoft.com/office/drawing/2014/main" id="{C16B064E-47C1-4A17-A68C-9710329D274A}"/>
+                </a:ext>
+              </a:extLst>
+            </p:cNvPr>
+            <p:cNvPicPr preferRelativeResize="0"/>
+            <p:nvPr/>
+          </p:nvPicPr>
+          <p:blipFill rotWithShape="1">
+            <a:blip r:embed="rId2">
+              <a:alphaModFix/>
+            </a:blip>
+            <a:srcRect l="21064" r="23354"/>
+            <a:stretch/>
+          </p:blipFill>
+          <p:spPr>
+            <a:xfrm>
+              <a:off x="5085725" y="1647750"/>
+              <a:ext cx="2465775" cy="3322375"/>
+            </a:xfrm>
+            <a:prstGeom prst="rect">
+              <a:avLst/>
+            </a:prstGeom>
+            <a:noFill/>
+            <a:ln>
+              <a:noFill/>
+            </a:ln>
+          </p:spPr>
+        </p:pic>
+        <p:sp>
+          <p:nvSpPr>
+            <p:cNvPr id="7" name="Google Shape;103;p14">
+              <a:extLst>
+                <a:ext uri="{FF2B5EF4-FFF2-40B4-BE49-F238E27FC236}">
+                  <a16:creationId xmlns:a16="http://schemas.microsoft.com/office/drawing/2014/main" id="{810651BD-0709-4D21-8B8D-9C93CE9617C5}"/>
+                </a:ext>
+              </a:extLst>
+            </p:cNvPr>
+            <p:cNvSpPr/>
+            <p:nvPr/>
+          </p:nvSpPr>
+          <p:spPr>
+            <a:xfrm>
+              <a:off x="5085725" y="1647750"/>
+              <a:ext cx="1647000" cy="514200"/>
+            </a:xfrm>
+            <a:prstGeom prst="rect">
+              <a:avLst/>
+            </a:prstGeom>
+            <a:solidFill>
+              <a:srgbClr val="FFFFFF"/>
+            </a:solidFill>
+            <a:ln>
+              <a:noFill/>
+            </a:ln>
+          </p:spPr>
+          <p:txBody>
+            <a:bodyPr spcFirstLastPara="1" wrap="square" lIns="91425" tIns="91425" rIns="91425" bIns="91425" anchor="ctr" anchorCtr="0">
+              <a:noAutofit/>
+            </a:bodyPr>
+            <a:lstStyle/>
+            <a:p>
+              <a:pPr marL="0" lvl="0" indent="0" algn="l" rtl="0">
+                <a:spcBef>
+                  <a:spcPts val="0"/>
+                </a:spcBef>
+                <a:spcAft>
+                  <a:spcPts val="0"/>
+                </a:spcAft>
+                <a:buNone/>
+              </a:pPr>
+              <a:endParaRPr/>
+            </a:p>
+          </p:txBody>
+        </p:sp>
+      </p:grpSp>
+      <p:pic>
+        <p:nvPicPr>
+          <p:cNvPr id="8" name="Google Shape;104;p14">
+            <a:extLst>
+              <a:ext uri="{FF2B5EF4-FFF2-40B4-BE49-F238E27FC236}">
+                <a16:creationId xmlns:a16="http://schemas.microsoft.com/office/drawing/2014/main" id="{03D294ED-61B5-4007-9221-514E71FED6AE}"/>
+              </a:ext>
+            </a:extLst>
+          </p:cNvPr>
+          <p:cNvPicPr preferRelativeResize="0">
+            <a:picLocks noChangeAspect="1"/>
+          </p:cNvPicPr>
+          <p:nvPr/>
+        </p:nvPicPr>
+        <p:blipFill>
+          <a:blip r:embed="rId3">
+            <a:alphaModFix/>
+          </a:blip>
+          <a:stretch>
+            <a:fillRect/>
+          </a:stretch>
+        </p:blipFill>
+        <p:spPr>
+          <a:xfrm>
+            <a:off x="304800" y="1233350"/>
+            <a:ext cx="6196366" cy="4800600"/>
+          </a:xfrm>
+          <a:prstGeom prst="rect">
+            <a:avLst/>
+          </a:prstGeom>
+          <a:noFill/>
+          <a:ln>
+            <a:noFill/>
+          </a:ln>
+        </p:spPr>
+      </p:pic>
+    </p:spTree>
+    <p:extLst>
+      <p:ext uri="{BB962C8B-B14F-4D97-AF65-F5344CB8AC3E}">
+        <p14:creationId xmlns:p14="http://schemas.microsoft.com/office/powerpoint/2010/main" val="193977871"/>
+      </p:ext>
+    </p:extLst>
+  </p:cSld>
+  <p:clrMapOvr>
+    <a:masterClrMapping/>
+  </p:clrMapOvr>
+</p:sld>
+</file>
+
+<file path=ppt/slides/slide13.xml><?xml version="1.0" encoding="utf-8"?>
+<p:sld xmlns:a="http://schemas.openxmlformats.org/drawingml/2006/main" xmlns:r="http://schemas.openxmlformats.org/officeDocument/2006/relationships" xmlns:p="http://schemas.openxmlformats.org/presentationml/2006/main">
+  <p:cSld>
+    <p:spTree>
+      <p:nvGrpSpPr>
+        <p:cNvPr id="1" name=""/>
+        <p:cNvGrpSpPr/>
+        <p:nvPr/>
+      </p:nvGrpSpPr>
+      <p:grpSpPr>
+        <a:xfrm>
+          <a:off x="0" y="0"/>
+          <a:ext cx="0" cy="0"/>
+          <a:chOff x="0" y="0"/>
+          <a:chExt cx="0" cy="0"/>
+        </a:xfrm>
+      </p:grpSpPr>
+      <p:sp>
+        <p:nvSpPr>
+          <p:cNvPr id="3" name="投影片編號版面配置區 2">
+            <a:extLst>
+              <a:ext uri="{FF2B5EF4-FFF2-40B4-BE49-F238E27FC236}">
+                <a16:creationId xmlns:a16="http://schemas.microsoft.com/office/drawing/2014/main" id="{7417B8A6-D48B-48EB-8FA6-B7713A64A6D4}"/>
+              </a:ext>
+            </a:extLst>
+          </p:cNvPr>
+          <p:cNvSpPr>
+            <a:spLocks noGrp="1"/>
+          </p:cNvSpPr>
+          <p:nvPr>
+            <p:ph type="sldNum" sz="quarter" idx="12"/>
+          </p:nvPr>
+        </p:nvSpPr>
+        <p:spPr/>
+        <p:txBody>
+          <a:bodyPr/>
+          <a:lstStyle/>
+          <a:p>
+            <a:fld id="{8F4EACC7-37E3-43A5-A5FB-BEB9CE95D266}" type="slidenum">
+              <a:rPr lang="zh-TW" altLang="en-US" smtClean="0"/>
+              <a:pPr/>
+              <a:t>12</a:t>
+            </a:fld>
+            <a:endParaRPr lang="zh-TW" altLang="en-US"/>
+          </a:p>
+        </p:txBody>
+      </p:sp>
+      <p:sp>
+        <p:nvSpPr>
+          <p:cNvPr id="4" name="標題 3">
+            <a:extLst>
+              <a:ext uri="{FF2B5EF4-FFF2-40B4-BE49-F238E27FC236}">
+                <a16:creationId xmlns:a16="http://schemas.microsoft.com/office/drawing/2014/main" id="{DCEA1AF2-A972-4A95-990B-C1BEBFE1295D}"/>
+              </a:ext>
+            </a:extLst>
+          </p:cNvPr>
+          <p:cNvSpPr>
+            <a:spLocks noGrp="1"/>
+          </p:cNvSpPr>
+          <p:nvPr>
+            <p:ph type="title"/>
+          </p:nvPr>
+        </p:nvSpPr>
+        <p:spPr/>
+        <p:txBody>
+          <a:bodyPr/>
+          <a:lstStyle/>
+          <a:p>
+            <a:r>
+              <a:rPr lang="en-US" altLang="zh-TW" dirty="0"/>
+              <a:t>Evaluation - </a:t>
+            </a:r>
+            <a:r>
+              <a:rPr lang="en-US" altLang="zh-TW" dirty="0">
+                <a:latin typeface="Microsoft JhengHei"/>
+                <a:ea typeface="Microsoft JhengHei"/>
+                <a:cs typeface="Microsoft JhengHei"/>
+                <a:sym typeface="Microsoft JhengHei"/>
+              </a:rPr>
+              <a:t>Category Data</a:t>
+            </a:r>
+            <a:endParaRPr lang="zh-TW" altLang="en-US" dirty="0"/>
+          </a:p>
+        </p:txBody>
+      </p:sp>
+      <p:sp>
+        <p:nvSpPr>
+          <p:cNvPr id="5" name="Google Shape;462;p39">
+            <a:extLst>
+              <a:ext uri="{FF2B5EF4-FFF2-40B4-BE49-F238E27FC236}">
+                <a16:creationId xmlns:a16="http://schemas.microsoft.com/office/drawing/2014/main" id="{6F9177BA-D420-4395-9E61-5E1DBF1501B1}"/>
+              </a:ext>
+            </a:extLst>
+          </p:cNvPr>
+          <p:cNvSpPr txBox="1">
+            <a:spLocks/>
+          </p:cNvSpPr>
+          <p:nvPr/>
+        </p:nvSpPr>
+        <p:spPr bwMode="ltGray">
+          <a:xfrm>
+            <a:off x="1446600" y="461338"/>
+            <a:ext cx="2290500" cy="342900"/>
+          </a:xfrm>
+          <a:prstGeom prst="rect">
+            <a:avLst/>
+          </a:prstGeom>
+        </p:spPr>
+        <p:txBody>
+          <a:bodyPr spcFirstLastPara="1" vert="horz" wrap="square" lIns="91425" tIns="45700" rIns="91425" bIns="45700" rtlCol="0" anchor="ctr" anchorCtr="0">
+            <a:noAutofit/>
+          </a:bodyPr>
+          <a:lstStyle>
+            <a:lvl1pPr marL="342900" indent="-342900" algn="l" defTabSz="914400" rtl="0" eaLnBrk="1" latinLnBrk="0" hangingPunct="1">
+              <a:lnSpc>
+                <a:spcPct val="100000"/>
+              </a:lnSpc>
+              <a:spcBef>
+                <a:spcPts val="600"/>
+              </a:spcBef>
+              <a:spcAft>
+                <a:spcPts val="600"/>
+              </a:spcAft>
+              <a:buClr>
+                <a:schemeClr val="accent1"/>
+              </a:buClr>
+              <a:buFont typeface="Arial" pitchFamily="34" charset="0"/>
+              <a:buChar char="•"/>
+              <a:defRPr sz="2800" b="1" kern="1200">
+                <a:solidFill>
+                  <a:srgbClr val="393939"/>
+                </a:solidFill>
+                <a:latin typeface="微軟正黑體" pitchFamily="34" charset="-120"/>
+                <a:ea typeface="微軟正黑體" pitchFamily="34" charset="-120"/>
+                <a:cs typeface="+mn-cs"/>
+              </a:defRPr>
+            </a:lvl1pPr>
+            <a:lvl2pPr marL="714375" indent="-352425" algn="l" defTabSz="914400" rtl="0" eaLnBrk="1" latinLnBrk="0" hangingPunct="1">
+              <a:lnSpc>
+                <a:spcPct val="100000"/>
+              </a:lnSpc>
+              <a:spcBef>
+                <a:spcPts val="600"/>
+              </a:spcBef>
+              <a:spcAft>
+                <a:spcPts val="600"/>
+              </a:spcAft>
+              <a:buClr>
+                <a:schemeClr val="accent2"/>
+              </a:buClr>
+              <a:buFont typeface="Arial" pitchFamily="34" charset="0"/>
+              <a:buChar char="–"/>
+              <a:defRPr sz="2400" b="1" kern="1200">
+                <a:solidFill>
+                  <a:srgbClr val="393939"/>
+                </a:solidFill>
+                <a:latin typeface="微軟正黑體" pitchFamily="34" charset="-120"/>
+                <a:ea typeface="微軟正黑體" pitchFamily="34" charset="-120"/>
+                <a:cs typeface="+mn-cs"/>
+              </a:defRPr>
+            </a:lvl2pPr>
+            <a:lvl3pPr marL="1076325" indent="-266700" algn="l" defTabSz="914400" rtl="0" eaLnBrk="1" latinLnBrk="0" hangingPunct="1">
+              <a:lnSpc>
+                <a:spcPct val="100000"/>
+              </a:lnSpc>
+              <a:spcBef>
+                <a:spcPts val="600"/>
+              </a:spcBef>
+              <a:spcAft>
+                <a:spcPts val="600"/>
+              </a:spcAft>
+              <a:buClr>
+                <a:schemeClr val="accent3"/>
+              </a:buClr>
+              <a:buFont typeface="Arial" pitchFamily="34" charset="0"/>
+              <a:buChar char="•"/>
+              <a:defRPr sz="2000" kern="1200">
+                <a:solidFill>
+                  <a:srgbClr val="393939"/>
+                </a:solidFill>
+                <a:latin typeface="微軟正黑體" pitchFamily="34" charset="-120"/>
+                <a:ea typeface="微軟正黑體" pitchFamily="34" charset="-120"/>
+                <a:cs typeface="+mn-cs"/>
+              </a:defRPr>
+            </a:lvl3pPr>
+            <a:lvl4pPr marL="1343025" indent="-180975" algn="l" defTabSz="914400" rtl="0" eaLnBrk="1" latinLnBrk="0" hangingPunct="1">
+              <a:lnSpc>
+                <a:spcPct val="100000"/>
+              </a:lnSpc>
+              <a:spcBef>
+                <a:spcPts val="600"/>
+              </a:spcBef>
+              <a:spcAft>
+                <a:spcPts val="600"/>
+              </a:spcAft>
+              <a:buClr>
+                <a:schemeClr val="accent4"/>
+              </a:buClr>
+              <a:buFont typeface="Arial" pitchFamily="34" charset="0"/>
+              <a:buChar char="–"/>
+              <a:defRPr sz="1800" kern="1200">
+                <a:solidFill>
+                  <a:srgbClr val="393939"/>
+                </a:solidFill>
+                <a:latin typeface="微軟正黑體" pitchFamily="34" charset="-120"/>
+                <a:ea typeface="微軟正黑體" pitchFamily="34" charset="-120"/>
+                <a:cs typeface="+mn-cs"/>
+              </a:defRPr>
+            </a:lvl4pPr>
+            <a:lvl5pPr marL="1619250" indent="-276225" algn="l" defTabSz="914400" rtl="0" eaLnBrk="1" latinLnBrk="0" hangingPunct="1">
+              <a:lnSpc>
+                <a:spcPct val="100000"/>
+              </a:lnSpc>
+              <a:spcBef>
+                <a:spcPts val="600"/>
+              </a:spcBef>
+              <a:spcAft>
+                <a:spcPts val="600"/>
+              </a:spcAft>
+              <a:buClr>
+                <a:schemeClr val="accent5"/>
+              </a:buClr>
+              <a:buFont typeface="Arial" pitchFamily="34" charset="0"/>
+              <a:buChar char="»"/>
+              <a:tabLst>
+                <a:tab pos="7981950" algn="l"/>
+              </a:tabLst>
+              <a:defRPr sz="1800" kern="1200">
+                <a:solidFill>
+                  <a:srgbClr val="393939"/>
+                </a:solidFill>
+                <a:latin typeface="微軟正黑體" pitchFamily="34" charset="-120"/>
+                <a:ea typeface="微軟正黑體" pitchFamily="34" charset="-120"/>
+                <a:cs typeface="+mn-cs"/>
+              </a:defRPr>
+            </a:lvl5pPr>
+            <a:lvl6pPr marL="2514600" indent="-228600" algn="l" defTabSz="914400" rtl="0" eaLnBrk="1" latinLnBrk="0" hangingPunct="1">
+              <a:spcBef>
+                <a:spcPct val="20000"/>
+              </a:spcBef>
+              <a:buFont typeface="Arial" pitchFamily="34" charset="0"/>
+              <a:buChar char="•"/>
+              <a:defRPr sz="2000" kern="1200">
+                <a:solidFill>
+                  <a:schemeClr val="tx1"/>
+                </a:solidFill>
+                <a:latin typeface="+mn-lt"/>
+                <a:ea typeface="+mn-ea"/>
+                <a:cs typeface="+mn-cs"/>
+              </a:defRPr>
+            </a:lvl6pPr>
+            <a:lvl7pPr marL="2971800" indent="-228600" algn="l" defTabSz="914400" rtl="0" eaLnBrk="1" latinLnBrk="0" hangingPunct="1">
+              <a:spcBef>
+                <a:spcPct val="20000"/>
+              </a:spcBef>
+              <a:buFont typeface="Arial" pitchFamily="34" charset="0"/>
+              <a:buChar char="•"/>
+              <a:defRPr sz="2000" kern="1200">
+                <a:solidFill>
+                  <a:schemeClr val="tx1"/>
+                </a:solidFill>
+                <a:latin typeface="+mn-lt"/>
+                <a:ea typeface="+mn-ea"/>
+                <a:cs typeface="+mn-cs"/>
+              </a:defRPr>
+            </a:lvl7pPr>
+            <a:lvl8pPr marL="3429000" indent="-228600" algn="l" defTabSz="914400" rtl="0" eaLnBrk="1" latinLnBrk="0" hangingPunct="1">
+              <a:spcBef>
+                <a:spcPct val="20000"/>
+              </a:spcBef>
+              <a:buFont typeface="Arial" pitchFamily="34" charset="0"/>
+              <a:buChar char="•"/>
+              <a:defRPr sz="2000" kern="1200">
+                <a:solidFill>
+                  <a:schemeClr val="tx1"/>
+                </a:solidFill>
+                <a:latin typeface="+mn-lt"/>
+                <a:ea typeface="+mn-ea"/>
+                <a:cs typeface="+mn-cs"/>
+              </a:defRPr>
+            </a:lvl8pPr>
+            <a:lvl9pPr marL="3886200" indent="-228600" algn="l" defTabSz="914400" rtl="0" eaLnBrk="1" latinLnBrk="0" hangingPunct="1">
+              <a:spcBef>
+                <a:spcPct val="20000"/>
+              </a:spcBef>
+              <a:buFont typeface="Arial" pitchFamily="34" charset="0"/>
+              <a:buChar char="•"/>
+              <a:defRPr sz="2000" kern="1200">
+                <a:solidFill>
+                  <a:schemeClr val="tx1"/>
+                </a:solidFill>
+                <a:latin typeface="+mn-lt"/>
+                <a:ea typeface="+mn-ea"/>
+                <a:cs typeface="+mn-cs"/>
+              </a:defRPr>
+            </a:lvl9pPr>
+          </a:lstStyle>
+          <a:p>
+            <a:pPr marL="0" indent="0">
+              <a:spcBef>
+                <a:spcPts val="360"/>
+              </a:spcBef>
+              <a:spcAft>
+                <a:spcPts val="0"/>
+              </a:spcAft>
+              <a:buFont typeface="Arial" pitchFamily="34" charset="0"/>
+              <a:buNone/>
+            </a:pPr>
+            <a:r>
+              <a:rPr lang="zh-TW" altLang="en-US" sz="1800"/>
+              <a:t>預測結果</a:t>
+            </a:r>
+            <a:r>
+              <a:rPr lang="en-US" altLang="zh-TW" sz="1800"/>
+              <a:t>(</a:t>
+            </a:r>
+            <a:r>
+              <a:rPr lang="zh-TW" altLang="en-US" sz="1800"/>
+              <a:t>機率</a:t>
+            </a:r>
+            <a:r>
+              <a:rPr lang="en-US" altLang="zh-TW" sz="1800"/>
+              <a:t>)</a:t>
+            </a:r>
+            <a:endParaRPr lang="zh-TW" altLang="en-US" sz="1800"/>
+          </a:p>
+        </p:txBody>
+      </p:sp>
+      <p:sp>
+        <p:nvSpPr>
+          <p:cNvPr id="6" name="Google Shape;464;p39">
+            <a:extLst>
+              <a:ext uri="{FF2B5EF4-FFF2-40B4-BE49-F238E27FC236}">
+                <a16:creationId xmlns:a16="http://schemas.microsoft.com/office/drawing/2014/main" id="{B1A1F6E1-E848-4087-9383-808F6218AF7C}"/>
+              </a:ext>
+            </a:extLst>
+          </p:cNvPr>
+          <p:cNvSpPr/>
+          <p:nvPr/>
+        </p:nvSpPr>
+        <p:spPr>
+          <a:xfrm>
+            <a:off x="572625" y="572488"/>
+            <a:ext cx="683100" cy="120600"/>
+          </a:xfrm>
+          <a:prstGeom prst="rect">
+            <a:avLst/>
+          </a:prstGeom>
+          <a:solidFill>
+            <a:srgbClr val="4A86E8"/>
+          </a:solidFill>
+          <a:ln>
+            <a:noFill/>
+          </a:ln>
+        </p:spPr>
+        <p:txBody>
+          <a:bodyPr spcFirstLastPara="1" wrap="square" lIns="91425" tIns="91425" rIns="91425" bIns="91425" anchor="ctr" anchorCtr="0">
+            <a:noAutofit/>
+          </a:bodyPr>
+          <a:lstStyle/>
+          <a:p>
+            <a:pPr marL="0" lvl="0" indent="0" algn="l" rtl="0">
+              <a:spcBef>
+                <a:spcPts val="0"/>
+              </a:spcBef>
+              <a:spcAft>
+                <a:spcPts val="0"/>
+              </a:spcAft>
+              <a:buNone/>
+            </a:pPr>
+            <a:endParaRPr/>
+          </a:p>
+        </p:txBody>
+      </p:sp>
+      <p:sp>
+        <p:nvSpPr>
+          <p:cNvPr id="7" name="Google Shape;465;p39">
+            <a:extLst>
+              <a:ext uri="{FF2B5EF4-FFF2-40B4-BE49-F238E27FC236}">
+                <a16:creationId xmlns:a16="http://schemas.microsoft.com/office/drawing/2014/main" id="{A5937669-A01F-4789-9164-9FB573B65A56}"/>
+              </a:ext>
+            </a:extLst>
+          </p:cNvPr>
+          <p:cNvSpPr/>
+          <p:nvPr/>
+        </p:nvSpPr>
+        <p:spPr>
+          <a:xfrm>
+            <a:off x="572625" y="976038"/>
+            <a:ext cx="683100" cy="120600"/>
+          </a:xfrm>
+          <a:prstGeom prst="rect">
+            <a:avLst/>
+          </a:prstGeom>
+          <a:solidFill>
+            <a:srgbClr val="FF9900"/>
+          </a:solidFill>
+          <a:ln>
+            <a:noFill/>
+          </a:ln>
+        </p:spPr>
+        <p:txBody>
+          <a:bodyPr spcFirstLastPara="1" wrap="square" lIns="91425" tIns="91425" rIns="91425" bIns="91425" anchor="ctr" anchorCtr="0">
+            <a:noAutofit/>
+          </a:bodyPr>
+          <a:lstStyle/>
+          <a:p>
+            <a:pPr marL="0" lvl="0" indent="0" algn="l" rtl="0">
+              <a:spcBef>
+                <a:spcPts val="0"/>
+              </a:spcBef>
+              <a:spcAft>
+                <a:spcPts val="0"/>
+              </a:spcAft>
+              <a:buNone/>
+            </a:pPr>
+            <a:endParaRPr/>
+          </a:p>
+        </p:txBody>
+      </p:sp>
+      <p:sp>
+        <p:nvSpPr>
+          <p:cNvPr id="8" name="Google Shape;466;p39">
+            <a:extLst>
+              <a:ext uri="{FF2B5EF4-FFF2-40B4-BE49-F238E27FC236}">
+                <a16:creationId xmlns:a16="http://schemas.microsoft.com/office/drawing/2014/main" id="{6936DB68-2A34-4AFD-B4FC-375A7064100D}"/>
+              </a:ext>
+            </a:extLst>
+          </p:cNvPr>
+          <p:cNvSpPr/>
+          <p:nvPr/>
+        </p:nvSpPr>
+        <p:spPr>
+          <a:xfrm>
+            <a:off x="572625" y="1379588"/>
+            <a:ext cx="683100" cy="120600"/>
+          </a:xfrm>
+          <a:prstGeom prst="rect">
+            <a:avLst/>
+          </a:prstGeom>
+          <a:solidFill>
+            <a:srgbClr val="6AA84F"/>
+          </a:solidFill>
+          <a:ln>
+            <a:noFill/>
+          </a:ln>
+        </p:spPr>
+        <p:txBody>
+          <a:bodyPr spcFirstLastPara="1" wrap="square" lIns="91425" tIns="91425" rIns="91425" bIns="91425" anchor="ctr" anchorCtr="0">
+            <a:noAutofit/>
+          </a:bodyPr>
+          <a:lstStyle/>
+          <a:p>
+            <a:pPr marL="0" lvl="0" indent="0" algn="l" rtl="0">
+              <a:spcBef>
+                <a:spcPts val="0"/>
+              </a:spcBef>
+              <a:spcAft>
+                <a:spcPts val="0"/>
+              </a:spcAft>
+              <a:buNone/>
+            </a:pPr>
+            <a:endParaRPr/>
+          </a:p>
+        </p:txBody>
+      </p:sp>
+      <p:sp>
+        <p:nvSpPr>
+          <p:cNvPr id="9" name="Google Shape;467;p39">
+            <a:extLst>
+              <a:ext uri="{FF2B5EF4-FFF2-40B4-BE49-F238E27FC236}">
+                <a16:creationId xmlns:a16="http://schemas.microsoft.com/office/drawing/2014/main" id="{E354B2B8-5153-4D89-995F-939BEB8D7361}"/>
+              </a:ext>
+            </a:extLst>
+          </p:cNvPr>
+          <p:cNvSpPr txBox="1">
+            <a:spLocks/>
+          </p:cNvSpPr>
+          <p:nvPr/>
+        </p:nvSpPr>
+        <p:spPr bwMode="ltGray">
+          <a:xfrm>
+            <a:off x="1446600" y="864888"/>
+            <a:ext cx="2290500" cy="342900"/>
+          </a:xfrm>
+          <a:prstGeom prst="rect">
+            <a:avLst/>
+          </a:prstGeom>
+        </p:spPr>
+        <p:txBody>
+          <a:bodyPr spcFirstLastPara="1" vert="horz" wrap="square" lIns="91425" tIns="45700" rIns="91425" bIns="45700" rtlCol="0" anchor="ctr" anchorCtr="0">
+            <a:noAutofit/>
+          </a:bodyPr>
+          <a:lstStyle>
+            <a:lvl1pPr marL="342900" indent="-342900" algn="l" defTabSz="914400" rtl="0" eaLnBrk="1" latinLnBrk="0" hangingPunct="1">
+              <a:lnSpc>
+                <a:spcPct val="100000"/>
+              </a:lnSpc>
+              <a:spcBef>
+                <a:spcPts val="600"/>
+              </a:spcBef>
+              <a:spcAft>
+                <a:spcPts val="600"/>
+              </a:spcAft>
+              <a:buClr>
+                <a:schemeClr val="accent1"/>
+              </a:buClr>
+              <a:buFont typeface="Arial" pitchFamily="34" charset="0"/>
+              <a:buChar char="•"/>
+              <a:defRPr sz="2800" b="1" kern="1200">
+                <a:solidFill>
+                  <a:srgbClr val="393939"/>
+                </a:solidFill>
+                <a:latin typeface="微軟正黑體" pitchFamily="34" charset="-120"/>
+                <a:ea typeface="微軟正黑體" pitchFamily="34" charset="-120"/>
+                <a:cs typeface="+mn-cs"/>
+              </a:defRPr>
+            </a:lvl1pPr>
+            <a:lvl2pPr marL="714375" indent="-352425" algn="l" defTabSz="914400" rtl="0" eaLnBrk="1" latinLnBrk="0" hangingPunct="1">
+              <a:lnSpc>
+                <a:spcPct val="100000"/>
+              </a:lnSpc>
+              <a:spcBef>
+                <a:spcPts val="600"/>
+              </a:spcBef>
+              <a:spcAft>
+                <a:spcPts val="600"/>
+              </a:spcAft>
+              <a:buClr>
+                <a:schemeClr val="accent2"/>
+              </a:buClr>
+              <a:buFont typeface="Arial" pitchFamily="34" charset="0"/>
+              <a:buChar char="–"/>
+              <a:defRPr sz="2400" b="1" kern="1200">
+                <a:solidFill>
+                  <a:srgbClr val="393939"/>
+                </a:solidFill>
+                <a:latin typeface="微軟正黑體" pitchFamily="34" charset="-120"/>
+                <a:ea typeface="微軟正黑體" pitchFamily="34" charset="-120"/>
+                <a:cs typeface="+mn-cs"/>
+              </a:defRPr>
+            </a:lvl2pPr>
+            <a:lvl3pPr marL="1076325" indent="-266700" algn="l" defTabSz="914400" rtl="0" eaLnBrk="1" latinLnBrk="0" hangingPunct="1">
+              <a:lnSpc>
+                <a:spcPct val="100000"/>
+              </a:lnSpc>
+              <a:spcBef>
+                <a:spcPts val="600"/>
+              </a:spcBef>
+              <a:spcAft>
+                <a:spcPts val="600"/>
+              </a:spcAft>
+              <a:buClr>
+                <a:schemeClr val="accent3"/>
+              </a:buClr>
+              <a:buFont typeface="Arial" pitchFamily="34" charset="0"/>
+              <a:buChar char="•"/>
+              <a:defRPr sz="2000" kern="1200">
+                <a:solidFill>
+                  <a:srgbClr val="393939"/>
+                </a:solidFill>
+                <a:latin typeface="微軟正黑體" pitchFamily="34" charset="-120"/>
+                <a:ea typeface="微軟正黑體" pitchFamily="34" charset="-120"/>
+                <a:cs typeface="+mn-cs"/>
+              </a:defRPr>
+            </a:lvl3pPr>
+            <a:lvl4pPr marL="1343025" indent="-180975" algn="l" defTabSz="914400" rtl="0" eaLnBrk="1" latinLnBrk="0" hangingPunct="1">
+              <a:lnSpc>
+                <a:spcPct val="100000"/>
+              </a:lnSpc>
+              <a:spcBef>
+                <a:spcPts val="600"/>
+              </a:spcBef>
+              <a:spcAft>
+                <a:spcPts val="600"/>
+              </a:spcAft>
+              <a:buClr>
+                <a:schemeClr val="accent4"/>
+              </a:buClr>
+              <a:buFont typeface="Arial" pitchFamily="34" charset="0"/>
+              <a:buChar char="–"/>
+              <a:defRPr sz="1800" kern="1200">
+                <a:solidFill>
+                  <a:srgbClr val="393939"/>
+                </a:solidFill>
+                <a:latin typeface="微軟正黑體" pitchFamily="34" charset="-120"/>
+                <a:ea typeface="微軟正黑體" pitchFamily="34" charset="-120"/>
+                <a:cs typeface="+mn-cs"/>
+              </a:defRPr>
+            </a:lvl4pPr>
+            <a:lvl5pPr marL="1619250" indent="-276225" algn="l" defTabSz="914400" rtl="0" eaLnBrk="1" latinLnBrk="0" hangingPunct="1">
+              <a:lnSpc>
+                <a:spcPct val="100000"/>
+              </a:lnSpc>
+              <a:spcBef>
+                <a:spcPts val="600"/>
+              </a:spcBef>
+              <a:spcAft>
+                <a:spcPts val="600"/>
+              </a:spcAft>
+              <a:buClr>
+                <a:schemeClr val="accent5"/>
+              </a:buClr>
+              <a:buFont typeface="Arial" pitchFamily="34" charset="0"/>
+              <a:buChar char="»"/>
+              <a:tabLst>
+                <a:tab pos="7981950" algn="l"/>
+              </a:tabLst>
+              <a:defRPr sz="1800" kern="1200">
+                <a:solidFill>
+                  <a:srgbClr val="393939"/>
+                </a:solidFill>
+                <a:latin typeface="微軟正黑體" pitchFamily="34" charset="-120"/>
+                <a:ea typeface="微軟正黑體" pitchFamily="34" charset="-120"/>
+                <a:cs typeface="+mn-cs"/>
+              </a:defRPr>
+            </a:lvl5pPr>
+            <a:lvl6pPr marL="2514600" indent="-228600" algn="l" defTabSz="914400" rtl="0" eaLnBrk="1" latinLnBrk="0" hangingPunct="1">
+              <a:spcBef>
+                <a:spcPct val="20000"/>
+              </a:spcBef>
+              <a:buFont typeface="Arial" pitchFamily="34" charset="0"/>
+              <a:buChar char="•"/>
+              <a:defRPr sz="2000" kern="1200">
+                <a:solidFill>
+                  <a:schemeClr val="tx1"/>
+                </a:solidFill>
+                <a:latin typeface="+mn-lt"/>
+                <a:ea typeface="+mn-ea"/>
+                <a:cs typeface="+mn-cs"/>
+              </a:defRPr>
+            </a:lvl6pPr>
+            <a:lvl7pPr marL="2971800" indent="-228600" algn="l" defTabSz="914400" rtl="0" eaLnBrk="1" latinLnBrk="0" hangingPunct="1">
+              <a:spcBef>
+                <a:spcPct val="20000"/>
+              </a:spcBef>
+              <a:buFont typeface="Arial" pitchFamily="34" charset="0"/>
+              <a:buChar char="•"/>
+              <a:defRPr sz="2000" kern="1200">
+                <a:solidFill>
+                  <a:schemeClr val="tx1"/>
+                </a:solidFill>
+                <a:latin typeface="+mn-lt"/>
+                <a:ea typeface="+mn-ea"/>
+                <a:cs typeface="+mn-cs"/>
+              </a:defRPr>
+            </a:lvl7pPr>
+            <a:lvl8pPr marL="3429000" indent="-228600" algn="l" defTabSz="914400" rtl="0" eaLnBrk="1" latinLnBrk="0" hangingPunct="1">
+              <a:spcBef>
+                <a:spcPct val="20000"/>
+              </a:spcBef>
+              <a:buFont typeface="Arial" pitchFamily="34" charset="0"/>
+              <a:buChar char="•"/>
+              <a:defRPr sz="2000" kern="1200">
+                <a:solidFill>
+                  <a:schemeClr val="tx1"/>
+                </a:solidFill>
+                <a:latin typeface="+mn-lt"/>
+                <a:ea typeface="+mn-ea"/>
+                <a:cs typeface="+mn-cs"/>
+              </a:defRPr>
+            </a:lvl8pPr>
+            <a:lvl9pPr marL="3886200" indent="-228600" algn="l" defTabSz="914400" rtl="0" eaLnBrk="1" latinLnBrk="0" hangingPunct="1">
+              <a:spcBef>
+                <a:spcPct val="20000"/>
+              </a:spcBef>
+              <a:buFont typeface="Arial" pitchFamily="34" charset="0"/>
+              <a:buChar char="•"/>
+              <a:defRPr sz="2000" kern="1200">
+                <a:solidFill>
+                  <a:schemeClr val="tx1"/>
+                </a:solidFill>
+                <a:latin typeface="+mn-lt"/>
+                <a:ea typeface="+mn-ea"/>
+                <a:cs typeface="+mn-cs"/>
+              </a:defRPr>
+            </a:lvl9pPr>
+          </a:lstStyle>
+          <a:p>
+            <a:pPr marL="0" indent="0">
+              <a:spcBef>
+                <a:spcPts val="360"/>
+              </a:spcBef>
+              <a:spcAft>
+                <a:spcPts val="0"/>
+              </a:spcAft>
+              <a:buFont typeface="Arial" pitchFamily="34" charset="0"/>
+              <a:buNone/>
+            </a:pPr>
+            <a:r>
+              <a:rPr lang="zh-TW" altLang="en-US" sz="1800"/>
+              <a:t>油層位置</a:t>
+            </a:r>
+            <a:endParaRPr lang="zh-TW" altLang="en-US" sz="1800" dirty="0"/>
+          </a:p>
+        </p:txBody>
+      </p:sp>
+      <p:sp>
+        <p:nvSpPr>
+          <p:cNvPr id="10" name="Google Shape;468;p39">
+            <a:extLst>
+              <a:ext uri="{FF2B5EF4-FFF2-40B4-BE49-F238E27FC236}">
+                <a16:creationId xmlns:a16="http://schemas.microsoft.com/office/drawing/2014/main" id="{23669E01-0918-4D2E-990C-2D662B422A4E}"/>
+              </a:ext>
+            </a:extLst>
+          </p:cNvPr>
+          <p:cNvSpPr txBox="1">
+            <a:spLocks/>
+          </p:cNvSpPr>
+          <p:nvPr/>
+        </p:nvSpPr>
+        <p:spPr bwMode="ltGray">
+          <a:xfrm>
+            <a:off x="1446588" y="1268438"/>
+            <a:ext cx="2290500" cy="342900"/>
+          </a:xfrm>
+          <a:prstGeom prst="rect">
+            <a:avLst/>
+          </a:prstGeom>
+        </p:spPr>
+        <p:txBody>
+          <a:bodyPr spcFirstLastPara="1" vert="horz" wrap="square" lIns="91425" tIns="45700" rIns="91425" bIns="45700" rtlCol="0" anchor="ctr" anchorCtr="0">
+            <a:noAutofit/>
+          </a:bodyPr>
+          <a:lstStyle>
+            <a:lvl1pPr marL="342900" indent="-342900" algn="l" defTabSz="914400" rtl="0" eaLnBrk="1" latinLnBrk="0" hangingPunct="1">
+              <a:lnSpc>
+                <a:spcPct val="100000"/>
+              </a:lnSpc>
+              <a:spcBef>
+                <a:spcPts val="600"/>
+              </a:spcBef>
+              <a:spcAft>
+                <a:spcPts val="600"/>
+              </a:spcAft>
+              <a:buClr>
+                <a:schemeClr val="accent1"/>
+              </a:buClr>
+              <a:buFont typeface="Arial" pitchFamily="34" charset="0"/>
+              <a:buChar char="•"/>
+              <a:defRPr sz="2800" b="1" kern="1200">
+                <a:solidFill>
+                  <a:srgbClr val="393939"/>
+                </a:solidFill>
+                <a:latin typeface="微軟正黑體" pitchFamily="34" charset="-120"/>
+                <a:ea typeface="微軟正黑體" pitchFamily="34" charset="-120"/>
+                <a:cs typeface="+mn-cs"/>
+              </a:defRPr>
+            </a:lvl1pPr>
+            <a:lvl2pPr marL="714375" indent="-352425" algn="l" defTabSz="914400" rtl="0" eaLnBrk="1" latinLnBrk="0" hangingPunct="1">
+              <a:lnSpc>
+                <a:spcPct val="100000"/>
+              </a:lnSpc>
+              <a:spcBef>
+                <a:spcPts val="600"/>
+              </a:spcBef>
+              <a:spcAft>
+                <a:spcPts val="600"/>
+              </a:spcAft>
+              <a:buClr>
+                <a:schemeClr val="accent2"/>
+              </a:buClr>
+              <a:buFont typeface="Arial" pitchFamily="34" charset="0"/>
+              <a:buChar char="–"/>
+              <a:defRPr sz="2400" b="1" kern="1200">
+                <a:solidFill>
+                  <a:srgbClr val="393939"/>
+                </a:solidFill>
+                <a:latin typeface="微軟正黑體" pitchFamily="34" charset="-120"/>
+                <a:ea typeface="微軟正黑體" pitchFamily="34" charset="-120"/>
+                <a:cs typeface="+mn-cs"/>
+              </a:defRPr>
+            </a:lvl2pPr>
+            <a:lvl3pPr marL="1076325" indent="-266700" algn="l" defTabSz="914400" rtl="0" eaLnBrk="1" latinLnBrk="0" hangingPunct="1">
+              <a:lnSpc>
+                <a:spcPct val="100000"/>
+              </a:lnSpc>
+              <a:spcBef>
+                <a:spcPts val="600"/>
+              </a:spcBef>
+              <a:spcAft>
+                <a:spcPts val="600"/>
+              </a:spcAft>
+              <a:buClr>
+                <a:schemeClr val="accent3"/>
+              </a:buClr>
+              <a:buFont typeface="Arial" pitchFamily="34" charset="0"/>
+              <a:buChar char="•"/>
+              <a:defRPr sz="2000" kern="1200">
+                <a:solidFill>
+                  <a:srgbClr val="393939"/>
+                </a:solidFill>
+                <a:latin typeface="微軟正黑體" pitchFamily="34" charset="-120"/>
+                <a:ea typeface="微軟正黑體" pitchFamily="34" charset="-120"/>
+                <a:cs typeface="+mn-cs"/>
+              </a:defRPr>
+            </a:lvl3pPr>
+            <a:lvl4pPr marL="1343025" indent="-180975" algn="l" defTabSz="914400" rtl="0" eaLnBrk="1" latinLnBrk="0" hangingPunct="1">
+              <a:lnSpc>
+                <a:spcPct val="100000"/>
+              </a:lnSpc>
+              <a:spcBef>
+                <a:spcPts val="600"/>
+              </a:spcBef>
+              <a:spcAft>
+                <a:spcPts val="600"/>
+              </a:spcAft>
+              <a:buClr>
+                <a:schemeClr val="accent4"/>
+              </a:buClr>
+              <a:buFont typeface="Arial" pitchFamily="34" charset="0"/>
+              <a:buChar char="–"/>
+              <a:defRPr sz="1800" kern="1200">
+                <a:solidFill>
+                  <a:srgbClr val="393939"/>
+                </a:solidFill>
+                <a:latin typeface="微軟正黑體" pitchFamily="34" charset="-120"/>
+                <a:ea typeface="微軟正黑體" pitchFamily="34" charset="-120"/>
+                <a:cs typeface="+mn-cs"/>
+              </a:defRPr>
+            </a:lvl4pPr>
+            <a:lvl5pPr marL="1619250" indent="-276225" algn="l" defTabSz="914400" rtl="0" eaLnBrk="1" latinLnBrk="0" hangingPunct="1">
+              <a:lnSpc>
+                <a:spcPct val="100000"/>
+              </a:lnSpc>
+              <a:spcBef>
+                <a:spcPts val="600"/>
+              </a:spcBef>
+              <a:spcAft>
+                <a:spcPts val="600"/>
+              </a:spcAft>
+              <a:buClr>
+                <a:schemeClr val="accent5"/>
+              </a:buClr>
+              <a:buFont typeface="Arial" pitchFamily="34" charset="0"/>
+              <a:buChar char="»"/>
+              <a:tabLst>
+                <a:tab pos="7981950" algn="l"/>
+              </a:tabLst>
+              <a:defRPr sz="1800" kern="1200">
+                <a:solidFill>
+                  <a:srgbClr val="393939"/>
+                </a:solidFill>
+                <a:latin typeface="微軟正黑體" pitchFamily="34" charset="-120"/>
+                <a:ea typeface="微軟正黑體" pitchFamily="34" charset="-120"/>
+                <a:cs typeface="+mn-cs"/>
+              </a:defRPr>
+            </a:lvl5pPr>
+            <a:lvl6pPr marL="2514600" indent="-228600" algn="l" defTabSz="914400" rtl="0" eaLnBrk="1" latinLnBrk="0" hangingPunct="1">
+              <a:spcBef>
+                <a:spcPct val="20000"/>
+              </a:spcBef>
+              <a:buFont typeface="Arial" pitchFamily="34" charset="0"/>
+              <a:buChar char="•"/>
+              <a:defRPr sz="2000" kern="1200">
+                <a:solidFill>
+                  <a:schemeClr val="tx1"/>
+                </a:solidFill>
+                <a:latin typeface="+mn-lt"/>
+                <a:ea typeface="+mn-ea"/>
+                <a:cs typeface="+mn-cs"/>
+              </a:defRPr>
+            </a:lvl6pPr>
+            <a:lvl7pPr marL="2971800" indent="-228600" algn="l" defTabSz="914400" rtl="0" eaLnBrk="1" latinLnBrk="0" hangingPunct="1">
+              <a:spcBef>
+                <a:spcPct val="20000"/>
+              </a:spcBef>
+              <a:buFont typeface="Arial" pitchFamily="34" charset="0"/>
+              <a:buChar char="•"/>
+              <a:defRPr sz="2000" kern="1200">
+                <a:solidFill>
+                  <a:schemeClr val="tx1"/>
+                </a:solidFill>
+                <a:latin typeface="+mn-lt"/>
+                <a:ea typeface="+mn-ea"/>
+                <a:cs typeface="+mn-cs"/>
+              </a:defRPr>
+            </a:lvl7pPr>
+            <a:lvl8pPr marL="3429000" indent="-228600" algn="l" defTabSz="914400" rtl="0" eaLnBrk="1" latinLnBrk="0" hangingPunct="1">
+              <a:spcBef>
+                <a:spcPct val="20000"/>
+              </a:spcBef>
+              <a:buFont typeface="Arial" pitchFamily="34" charset="0"/>
+              <a:buChar char="•"/>
+              <a:defRPr sz="2000" kern="1200">
+                <a:solidFill>
+                  <a:schemeClr val="tx1"/>
+                </a:solidFill>
+                <a:latin typeface="+mn-lt"/>
+                <a:ea typeface="+mn-ea"/>
+                <a:cs typeface="+mn-cs"/>
+              </a:defRPr>
+            </a:lvl8pPr>
+            <a:lvl9pPr marL="3886200" indent="-228600" algn="l" defTabSz="914400" rtl="0" eaLnBrk="1" latinLnBrk="0" hangingPunct="1">
+              <a:spcBef>
+                <a:spcPct val="20000"/>
+              </a:spcBef>
+              <a:buFont typeface="Arial" pitchFamily="34" charset="0"/>
+              <a:buChar char="•"/>
+              <a:defRPr sz="2000" kern="1200">
+                <a:solidFill>
+                  <a:schemeClr val="tx1"/>
+                </a:solidFill>
+                <a:latin typeface="+mn-lt"/>
+                <a:ea typeface="+mn-ea"/>
+                <a:cs typeface="+mn-cs"/>
+              </a:defRPr>
+            </a:lvl9pPr>
+          </a:lstStyle>
+          <a:p>
+            <a:pPr marL="0" indent="0">
+              <a:spcBef>
+                <a:spcPts val="360"/>
+              </a:spcBef>
+              <a:spcAft>
+                <a:spcPts val="0"/>
+              </a:spcAft>
+              <a:buFont typeface="Arial" pitchFamily="34" charset="0"/>
+              <a:buNone/>
+            </a:pPr>
+            <a:r>
+              <a:rPr lang="zh-TW" altLang="en-US" sz="1800"/>
+              <a:t>預測結果</a:t>
+            </a:r>
+            <a:r>
+              <a:rPr lang="en-US" altLang="zh-TW" sz="1800"/>
+              <a:t>(</a:t>
+            </a:r>
+            <a:r>
+              <a:rPr lang="zh-TW" altLang="en-US" sz="1800"/>
+              <a:t>布林</a:t>
+            </a:r>
+            <a:r>
+              <a:rPr lang="en-US" altLang="zh-TW" sz="1800"/>
+              <a:t>)</a:t>
+            </a:r>
+            <a:endParaRPr lang="zh-TW" altLang="en-US" sz="1800"/>
+          </a:p>
+        </p:txBody>
+      </p:sp>
+      <p:pic>
+        <p:nvPicPr>
+          <p:cNvPr id="11" name="Google Shape;469;p39">
+            <a:extLst>
+              <a:ext uri="{FF2B5EF4-FFF2-40B4-BE49-F238E27FC236}">
+                <a16:creationId xmlns:a16="http://schemas.microsoft.com/office/drawing/2014/main" id="{E75E704B-1B39-45E2-8C58-3506A8CA14B6}"/>
+              </a:ext>
+            </a:extLst>
+          </p:cNvPr>
+          <p:cNvPicPr preferRelativeResize="0"/>
+          <p:nvPr/>
+        </p:nvPicPr>
+        <p:blipFill>
+          <a:blip r:embed="rId2">
+            <a:alphaModFix/>
+          </a:blip>
+          <a:stretch>
+            <a:fillRect/>
+          </a:stretch>
+        </p:blipFill>
+        <p:spPr>
+          <a:xfrm>
+            <a:off x="448409" y="1603200"/>
+            <a:ext cx="8590726" cy="1673400"/>
+          </a:xfrm>
+          <a:prstGeom prst="rect">
+            <a:avLst/>
+          </a:prstGeom>
+          <a:noFill/>
+          <a:ln>
+            <a:noFill/>
+          </a:ln>
+        </p:spPr>
+      </p:pic>
+      <p:pic>
+        <p:nvPicPr>
+          <p:cNvPr id="12" name="Google Shape;476;p40">
+            <a:extLst>
+              <a:ext uri="{FF2B5EF4-FFF2-40B4-BE49-F238E27FC236}">
+                <a16:creationId xmlns:a16="http://schemas.microsoft.com/office/drawing/2014/main" id="{25326D58-11E3-45C6-A39D-1FE197BE148D}"/>
+              </a:ext>
+            </a:extLst>
+          </p:cNvPr>
+          <p:cNvPicPr preferRelativeResize="0"/>
+          <p:nvPr/>
+        </p:nvPicPr>
+        <p:blipFill>
+          <a:blip r:embed="rId3">
+            <a:alphaModFix/>
+          </a:blip>
+          <a:stretch>
+            <a:fillRect/>
+          </a:stretch>
+        </p:blipFill>
+        <p:spPr>
+          <a:xfrm>
+            <a:off x="5105400" y="3529816"/>
+            <a:ext cx="3803936" cy="2725500"/>
+          </a:xfrm>
+          <a:prstGeom prst="rect">
+            <a:avLst/>
+          </a:prstGeom>
+          <a:noFill/>
+          <a:ln>
+            <a:noFill/>
+          </a:ln>
+        </p:spPr>
+      </p:pic>
+      <p:grpSp>
+        <p:nvGrpSpPr>
+          <p:cNvPr id="13" name="Google Shape;479;p40">
+            <a:extLst>
+              <a:ext uri="{FF2B5EF4-FFF2-40B4-BE49-F238E27FC236}">
+                <a16:creationId xmlns:a16="http://schemas.microsoft.com/office/drawing/2014/main" id="{DC1BF5DE-B7D6-4D94-BA77-795005A4809B}"/>
+              </a:ext>
+            </a:extLst>
+          </p:cNvPr>
+          <p:cNvGrpSpPr/>
+          <p:nvPr/>
+        </p:nvGrpSpPr>
+        <p:grpSpPr>
+          <a:xfrm>
+            <a:off x="304188" y="3529809"/>
+            <a:ext cx="4575299" cy="2898621"/>
+            <a:chOff x="36576" y="1643075"/>
+            <a:chExt cx="4575299" cy="2898621"/>
+          </a:xfrm>
+        </p:grpSpPr>
+        <p:pic>
+          <p:nvPicPr>
+            <p:cNvPr id="14" name="Google Shape;480;p40">
+              <a:extLst>
+                <a:ext uri="{FF2B5EF4-FFF2-40B4-BE49-F238E27FC236}">
+                  <a16:creationId xmlns:a16="http://schemas.microsoft.com/office/drawing/2014/main" id="{48E88B19-464F-4716-A11A-252C1FB9F1B0}"/>
+                </a:ext>
+              </a:extLst>
+            </p:cNvPr>
+            <p:cNvPicPr preferRelativeResize="0"/>
+            <p:nvPr/>
+          </p:nvPicPr>
+          <p:blipFill>
+            <a:blip r:embed="rId4">
+              <a:alphaModFix/>
+            </a:blip>
+            <a:stretch>
+              <a:fillRect/>
+            </a:stretch>
+          </p:blipFill>
+          <p:spPr>
+            <a:xfrm>
+              <a:off x="608025" y="1643075"/>
+              <a:ext cx="4003850" cy="2898621"/>
+            </a:xfrm>
+            <a:prstGeom prst="rect">
+              <a:avLst/>
+            </a:prstGeom>
+            <a:noFill/>
+            <a:ln>
+              <a:noFill/>
+            </a:ln>
+          </p:spPr>
+        </p:pic>
+        <p:sp>
+          <p:nvSpPr>
+            <p:cNvPr id="15" name="Google Shape;481;p40">
+              <a:extLst>
+                <a:ext uri="{FF2B5EF4-FFF2-40B4-BE49-F238E27FC236}">
+                  <a16:creationId xmlns:a16="http://schemas.microsoft.com/office/drawing/2014/main" id="{4B4C7E7C-F3CC-49CD-907B-8F74BDA78B05}"/>
+                </a:ext>
+              </a:extLst>
+            </p:cNvPr>
+            <p:cNvSpPr/>
+            <p:nvPr/>
+          </p:nvSpPr>
+          <p:spPr>
+            <a:xfrm>
+              <a:off x="1865376" y="1925982"/>
+              <a:ext cx="17400" cy="2442600"/>
+            </a:xfrm>
+            <a:prstGeom prst="rect">
+              <a:avLst/>
+            </a:prstGeom>
+            <a:solidFill>
+              <a:srgbClr val="FF0000"/>
+            </a:solidFill>
+            <a:ln>
+              <a:noFill/>
+            </a:ln>
+          </p:spPr>
+          <p:txBody>
+            <a:bodyPr spcFirstLastPara="1" wrap="square" lIns="91425" tIns="91425" rIns="91425" bIns="91425" anchor="ctr" anchorCtr="0">
+              <a:noAutofit/>
+            </a:bodyPr>
+            <a:lstStyle/>
+            <a:p>
+              <a:pPr marL="0" lvl="0" indent="0" algn="l" rtl="0">
+                <a:spcBef>
+                  <a:spcPts val="0"/>
+                </a:spcBef>
+                <a:spcAft>
+                  <a:spcPts val="0"/>
+                </a:spcAft>
+                <a:buNone/>
+              </a:pPr>
+              <a:endParaRPr/>
+            </a:p>
+          </p:txBody>
+        </p:sp>
+        <p:sp>
+          <p:nvSpPr>
+            <p:cNvPr id="16" name="Google Shape;482;p40">
+              <a:extLst>
+                <a:ext uri="{FF2B5EF4-FFF2-40B4-BE49-F238E27FC236}">
+                  <a16:creationId xmlns:a16="http://schemas.microsoft.com/office/drawing/2014/main" id="{7DC51492-8750-4149-A0D8-6310F2D72A7D}"/>
+                </a:ext>
+              </a:extLst>
+            </p:cNvPr>
+            <p:cNvSpPr/>
+            <p:nvPr/>
+          </p:nvSpPr>
+          <p:spPr>
+            <a:xfrm rot="-5400000">
+              <a:off x="1240714" y="1587606"/>
+              <a:ext cx="17700" cy="1435500"/>
+            </a:xfrm>
+            <a:prstGeom prst="rect">
+              <a:avLst/>
+            </a:prstGeom>
+            <a:solidFill>
+              <a:srgbClr val="FF0000"/>
+            </a:solidFill>
+            <a:ln>
+              <a:noFill/>
+            </a:ln>
+          </p:spPr>
+          <p:txBody>
+            <a:bodyPr spcFirstLastPara="1" wrap="square" lIns="91425" tIns="91425" rIns="91425" bIns="91425" anchor="ctr" anchorCtr="0">
+              <a:noAutofit/>
+            </a:bodyPr>
+            <a:lstStyle/>
+            <a:p>
+              <a:pPr marL="0" lvl="0" indent="0" algn="l" rtl="0">
+                <a:spcBef>
+                  <a:spcPts val="0"/>
+                </a:spcBef>
+                <a:spcAft>
+                  <a:spcPts val="0"/>
+                </a:spcAft>
+                <a:buNone/>
+              </a:pPr>
+              <a:endParaRPr/>
+            </a:p>
+          </p:txBody>
+        </p:sp>
+        <p:sp>
+          <p:nvSpPr>
+            <p:cNvPr id="17" name="Google Shape;483;p40">
+              <a:extLst>
+                <a:ext uri="{FF2B5EF4-FFF2-40B4-BE49-F238E27FC236}">
+                  <a16:creationId xmlns:a16="http://schemas.microsoft.com/office/drawing/2014/main" id="{539DDBF6-2421-4595-8A45-F745A4B4B419}"/>
+                </a:ext>
+              </a:extLst>
+            </p:cNvPr>
+            <p:cNvSpPr txBox="1"/>
+            <p:nvPr/>
+          </p:nvSpPr>
+          <p:spPr>
+            <a:xfrm>
+              <a:off x="36576" y="2127504"/>
+              <a:ext cx="582600" cy="342900"/>
+            </a:xfrm>
+            <a:prstGeom prst="rect">
+              <a:avLst/>
+            </a:prstGeom>
+            <a:noFill/>
+            <a:ln>
+              <a:noFill/>
+            </a:ln>
+          </p:spPr>
+          <p:txBody>
+            <a:bodyPr spcFirstLastPara="1" wrap="square" lIns="91425" tIns="91425" rIns="91425" bIns="91425" anchor="ctr" anchorCtr="0">
+              <a:noAutofit/>
+            </a:bodyPr>
+            <a:lstStyle/>
+            <a:p>
+              <a:pPr marL="0" lvl="0" indent="0" algn="ctr" rtl="0">
+                <a:spcBef>
+                  <a:spcPts val="0"/>
+                </a:spcBef>
+                <a:spcAft>
+                  <a:spcPts val="0"/>
+                </a:spcAft>
+                <a:buNone/>
+              </a:pPr>
+              <a:r>
+                <a:rPr lang="en-US" sz="1200">
+                  <a:latin typeface="Microsoft JhengHei"/>
+                  <a:ea typeface="Microsoft JhengHei"/>
+                  <a:cs typeface="Microsoft JhengHei"/>
+                  <a:sym typeface="Microsoft JhengHei"/>
+                </a:rPr>
+                <a:t>0.84</a:t>
+              </a:r>
+              <a:endParaRPr sz="1200">
+                <a:latin typeface="Microsoft JhengHei"/>
+                <a:ea typeface="Microsoft JhengHei"/>
+                <a:cs typeface="Microsoft JhengHei"/>
+                <a:sym typeface="Microsoft JhengHei"/>
+              </a:endParaRPr>
+            </a:p>
+          </p:txBody>
+        </p:sp>
+      </p:grpSp>
+    </p:spTree>
+    <p:extLst>
+      <p:ext uri="{BB962C8B-B14F-4D97-AF65-F5344CB8AC3E}">
+        <p14:creationId xmlns:p14="http://schemas.microsoft.com/office/powerpoint/2010/main" val="3542498266"/>
+      </p:ext>
+    </p:extLst>
+  </p:cSld>
+  <p:clrMapOvr>
+    <a:masterClrMapping/>
+  </p:clrMapOvr>
+</p:sld>
+</file>
+
+<file path=ppt/slides/slide14.xml><?xml version="1.0" encoding="utf-8"?>
+<p:sld xmlns:a="http://schemas.openxmlformats.org/drawingml/2006/main" xmlns:r="http://schemas.openxmlformats.org/officeDocument/2006/relationships" xmlns:p="http://schemas.openxmlformats.org/presentationml/2006/main">
+  <p:cSld>
+    <p:spTree>
+      <p:nvGrpSpPr>
+        <p:cNvPr id="1" name=""/>
+        <p:cNvGrpSpPr/>
+        <p:nvPr/>
+      </p:nvGrpSpPr>
+      <p:grpSpPr>
+        <a:xfrm>
+          <a:off x="0" y="0"/>
+          <a:ext cx="0" cy="0"/>
+          <a:chOff x="0" y="0"/>
+          <a:chExt cx="0" cy="0"/>
+        </a:xfrm>
+      </p:grpSpPr>
+      <p:sp>
+        <p:nvSpPr>
+          <p:cNvPr id="3" name="投影片編號版面配置區 2">
+            <a:extLst>
+              <a:ext uri="{FF2B5EF4-FFF2-40B4-BE49-F238E27FC236}">
                 <a16:creationId xmlns:a16="http://schemas.microsoft.com/office/drawing/2014/main" id="{3CF3FBB4-BC4C-4101-B774-2BF44860C0B0}"/>
               </a:ext>
             </a:extLst>
@@ -6278,7 +7743,7 @@
             <a:fld id="{8F4EACC7-37E3-43A5-A5FB-BEB9CE95D266}" type="slidenum">
               <a:rPr lang="zh-TW" altLang="en-US" smtClean="0"/>
               <a:pPr/>
-              <a:t>11</a:t>
+              <a:t>13</a:t>
             </a:fld>
             <a:endParaRPr lang="zh-TW" altLang="en-US"/>
           </a:p>
@@ -6459,7 +7924,7 @@
 </p:sld>
 </file>
 
-<file path=ppt/slides/slide13.xml><?xml version="1.0" encoding="utf-8"?>
+<file path=ppt/slides/slide15.xml><?xml version="1.0" encoding="utf-8"?>
 <p:sld xmlns:a="http://schemas.openxmlformats.org/drawingml/2006/main" xmlns:r="http://schemas.openxmlformats.org/officeDocument/2006/relationships" xmlns:p="http://schemas.openxmlformats.org/presentationml/2006/main">
   <p:cSld>
     <p:spTree>
@@ -6500,7 +7965,7 @@
             <a:fld id="{8F4EACC7-37E3-43A5-A5FB-BEB9CE95D266}" type="slidenum">
               <a:rPr lang="zh-TW" altLang="en-US" smtClean="0"/>
               <a:pPr/>
-              <a:t>12</a:t>
+              <a:t>14</a:t>
             </a:fld>
             <a:endParaRPr lang="zh-TW" altLang="en-US"/>
           </a:p>
@@ -6912,7 +8377,7 @@
 </p:sld>
 </file>
 
-<file path=ppt/slides/slide14.xml><?xml version="1.0" encoding="utf-8"?>
+<file path=ppt/slides/slide16.xml><?xml version="1.0" encoding="utf-8"?>
 <p:sld xmlns:a="http://schemas.openxmlformats.org/drawingml/2006/main" xmlns:r="http://schemas.openxmlformats.org/officeDocument/2006/relationships" xmlns:p="http://schemas.openxmlformats.org/presentationml/2006/main">
   <p:cSld>
     <p:spTree>
@@ -6953,7 +8418,7 @@
             <a:fld id="{8F4EACC7-37E3-43A5-A5FB-BEB9CE95D266}" type="slidenum">
               <a:rPr lang="zh-TW" altLang="en-US" smtClean="0"/>
               <a:pPr/>
-              <a:t>13</a:t>
+              <a:t>15</a:t>
             </a:fld>
             <a:endParaRPr lang="zh-TW" altLang="en-US"/>
           </a:p>
@@ -7820,491 +9285,6 @@
 </p:sld>
 </file>
 
-<file path=ppt/slides/slide15.xml><?xml version="1.0" encoding="utf-8"?>
-<p:sld xmlns:a="http://schemas.openxmlformats.org/drawingml/2006/main" xmlns:r="http://schemas.openxmlformats.org/officeDocument/2006/relationships" xmlns:p="http://schemas.openxmlformats.org/presentationml/2006/main">
-  <p:cSld>
-    <p:spTree>
-      <p:nvGrpSpPr>
-        <p:cNvPr id="1" name=""/>
-        <p:cNvGrpSpPr/>
-        <p:nvPr/>
-      </p:nvGrpSpPr>
-      <p:grpSpPr>
-        <a:xfrm>
-          <a:off x="0" y="0"/>
-          <a:ext cx="0" cy="0"/>
-          <a:chOff x="0" y="0"/>
-          <a:chExt cx="0" cy="0"/>
-        </a:xfrm>
-      </p:grpSpPr>
-      <p:sp>
-        <p:nvSpPr>
-          <p:cNvPr id="2" name="內容版面配置區 1">
-            <a:extLst>
-              <a:ext uri="{FF2B5EF4-FFF2-40B4-BE49-F238E27FC236}">
-                <a16:creationId xmlns:a16="http://schemas.microsoft.com/office/drawing/2014/main" id="{FB6F9911-A672-4342-84A4-EC6B03013538}"/>
-              </a:ext>
-            </a:extLst>
-          </p:cNvPr>
-          <p:cNvSpPr>
-            <a:spLocks noGrp="1"/>
-          </p:cNvSpPr>
-          <p:nvPr>
-            <p:ph idx="1"/>
-          </p:nvPr>
-        </p:nvSpPr>
-        <p:spPr/>
-        <p:txBody>
-          <a:bodyPr>
-            <a:normAutofit fontScale="85000" lnSpcReduction="20000"/>
-          </a:bodyPr>
-          <a:lstStyle/>
-          <a:p>
-            <a:r>
-              <a:rPr lang="en-US" dirty="0"/>
-              <a:t>Data Cleaning(</a:t>
-            </a:r>
-            <a:r>
-              <a:rPr lang="zh-TW" altLang="en-US" dirty="0"/>
-              <a:t>資料清理</a:t>
-            </a:r>
-            <a:r>
-              <a:rPr lang="en-US" altLang="zh-TW" dirty="0"/>
-              <a:t>)</a:t>
-            </a:r>
-          </a:p>
-          <a:p>
-            <a:pPr lvl="1"/>
-            <a:r>
-              <a:rPr lang="en-US" dirty="0"/>
-              <a:t>Fill in missing values(</a:t>
-            </a:r>
-            <a:r>
-              <a:rPr lang="zh-TW" altLang="en-US" dirty="0"/>
-              <a:t>填入遺漏值</a:t>
-            </a:r>
-            <a:r>
-              <a:rPr lang="en-US" altLang="zh-TW" dirty="0"/>
-              <a:t>)</a:t>
-            </a:r>
-          </a:p>
-          <a:p>
-            <a:pPr lvl="1"/>
-            <a:r>
-              <a:rPr lang="en-US" dirty="0"/>
-              <a:t>Identify or remove outliers(</a:t>
-            </a:r>
-            <a:r>
-              <a:rPr lang="zh-TW" altLang="en-US" dirty="0"/>
-              <a:t>辨識並移除離群值</a:t>
-            </a:r>
-            <a:r>
-              <a:rPr lang="en-US" altLang="zh-TW" dirty="0"/>
-              <a:t>)</a:t>
-            </a:r>
-          </a:p>
-          <a:p>
-            <a:pPr lvl="1"/>
-            <a:r>
-              <a:rPr lang="en-US" dirty="0"/>
-              <a:t>Resolve inconsistencies(</a:t>
-            </a:r>
-            <a:r>
-              <a:rPr lang="zh-TW" altLang="en-US" dirty="0"/>
-              <a:t>資料不一致</a:t>
-            </a:r>
-            <a:r>
-              <a:rPr lang="en-US" altLang="zh-TW" dirty="0"/>
-              <a:t>)</a:t>
-            </a:r>
-          </a:p>
-          <a:p>
-            <a:r>
-              <a:rPr lang="en-US" dirty="0"/>
-              <a:t>Integration(</a:t>
-            </a:r>
-            <a:r>
-              <a:rPr lang="zh-TW" altLang="en-US" dirty="0"/>
-              <a:t>資料整合</a:t>
-            </a:r>
-            <a:r>
-              <a:rPr lang="en-US" altLang="zh-TW" dirty="0"/>
-              <a:t>)</a:t>
-            </a:r>
-          </a:p>
-          <a:p>
-            <a:pPr lvl="1"/>
-            <a:r>
-              <a:rPr lang="en-US" dirty="0"/>
-              <a:t>Join tables</a:t>
-            </a:r>
-          </a:p>
-          <a:p>
-            <a:pPr lvl="1"/>
-            <a:r>
-              <a:rPr lang="en-US" dirty="0"/>
-              <a:t>Different data sources: csv, json, xml, html, </a:t>
-            </a:r>
-            <a:r>
-              <a:rPr lang="en-US" dirty="0" err="1"/>
-              <a:t>api</a:t>
-            </a:r>
-            <a:r>
-              <a:rPr lang="en-US" dirty="0"/>
-              <a:t>, </a:t>
-            </a:r>
-            <a:r>
-              <a:rPr lang="en-US" dirty="0" err="1"/>
-              <a:t>datebases</a:t>
-            </a:r>
-            <a:endParaRPr lang="en-US" dirty="0"/>
-          </a:p>
-          <a:p>
-            <a:r>
-              <a:rPr lang="en-US" dirty="0"/>
-              <a:t>Transformation(</a:t>
-            </a:r>
-            <a:r>
-              <a:rPr lang="zh-TW" altLang="en-US" dirty="0"/>
-              <a:t>資料轉換</a:t>
-            </a:r>
-            <a:r>
-              <a:rPr lang="en-US" altLang="zh-TW" dirty="0"/>
-              <a:t>)</a:t>
-            </a:r>
-          </a:p>
-          <a:p>
-            <a:pPr lvl="1"/>
-            <a:r>
-              <a:rPr lang="en-US" dirty="0"/>
-              <a:t>Normalization(</a:t>
-            </a:r>
-            <a:r>
-              <a:rPr lang="zh-TW" altLang="en-US" dirty="0"/>
-              <a:t>正規化</a:t>
-            </a:r>
-            <a:r>
-              <a:rPr lang="en-US" altLang="zh-TW" dirty="0"/>
-              <a:t>)</a:t>
-            </a:r>
-          </a:p>
-          <a:p>
-            <a:pPr lvl="1"/>
-            <a:r>
-              <a:rPr lang="en-US" dirty="0"/>
-              <a:t>Aggregation(</a:t>
-            </a:r>
-            <a:r>
-              <a:rPr lang="zh-TW" altLang="en-US" dirty="0"/>
-              <a:t>加總</a:t>
-            </a:r>
-            <a:r>
-              <a:rPr lang="en-US" altLang="zh-TW" dirty="0"/>
-              <a:t>)</a:t>
-            </a:r>
-          </a:p>
-          <a:p>
-            <a:pPr lvl="1"/>
-            <a:r>
-              <a:rPr lang="en-US" dirty="0"/>
-              <a:t>Feature Engineering(</a:t>
-            </a:r>
-            <a:r>
-              <a:rPr lang="zh-TW" altLang="en-US" dirty="0"/>
-              <a:t>特徵值篩選</a:t>
-            </a:r>
-            <a:r>
-              <a:rPr lang="en-US" altLang="zh-TW" dirty="0"/>
-              <a:t>)</a:t>
-            </a:r>
-          </a:p>
-          <a:p>
-            <a:r>
-              <a:rPr lang="en-US" dirty="0"/>
-              <a:t>Data discretization(</a:t>
-            </a:r>
-            <a:r>
-              <a:rPr lang="zh-TW" altLang="en-US" dirty="0"/>
-              <a:t>資料切片</a:t>
-            </a:r>
-            <a:r>
-              <a:rPr lang="en-US" altLang="zh-TW" dirty="0"/>
-              <a:t>)</a:t>
-            </a:r>
-          </a:p>
-          <a:p>
-            <a:pPr lvl="1"/>
-            <a:r>
-              <a:rPr lang="en-US" dirty="0"/>
-              <a:t>data reduction(</a:t>
-            </a:r>
-            <a:r>
-              <a:rPr lang="zh-TW" altLang="en-US" dirty="0"/>
-              <a:t>降維</a:t>
-            </a:r>
-            <a:r>
-              <a:rPr lang="en-US" altLang="zh-TW" dirty="0"/>
-              <a:t>)</a:t>
-            </a:r>
-            <a:endParaRPr lang="en-US" dirty="0"/>
-          </a:p>
-        </p:txBody>
-      </p:sp>
-      <p:sp>
-        <p:nvSpPr>
-          <p:cNvPr id="3" name="投影片編號版面配置區 2">
-            <a:extLst>
-              <a:ext uri="{FF2B5EF4-FFF2-40B4-BE49-F238E27FC236}">
-                <a16:creationId xmlns:a16="http://schemas.microsoft.com/office/drawing/2014/main" id="{C98A4689-5811-47DE-9CC8-72B66DE44212}"/>
-              </a:ext>
-            </a:extLst>
-          </p:cNvPr>
-          <p:cNvSpPr>
-            <a:spLocks noGrp="1"/>
-          </p:cNvSpPr>
-          <p:nvPr>
-            <p:ph type="sldNum" sz="quarter" idx="12"/>
-          </p:nvPr>
-        </p:nvSpPr>
-        <p:spPr/>
-        <p:txBody>
-          <a:bodyPr/>
-          <a:lstStyle/>
-          <a:p>
-            <a:fld id="{8F4EACC7-37E3-43A5-A5FB-BEB9CE95D266}" type="slidenum">
-              <a:rPr lang="zh-TW" altLang="en-US" smtClean="0"/>
-              <a:pPr/>
-              <a:t>14</a:t>
-            </a:fld>
-            <a:endParaRPr lang="zh-TW" altLang="en-US"/>
-          </a:p>
-        </p:txBody>
-      </p:sp>
-      <p:sp>
-        <p:nvSpPr>
-          <p:cNvPr id="4" name="標題 3">
-            <a:extLst>
-              <a:ext uri="{FF2B5EF4-FFF2-40B4-BE49-F238E27FC236}">
-                <a16:creationId xmlns:a16="http://schemas.microsoft.com/office/drawing/2014/main" id="{1DABDE42-3038-4569-B558-703CE076CC94}"/>
-              </a:ext>
-            </a:extLst>
-          </p:cNvPr>
-          <p:cNvSpPr>
-            <a:spLocks noGrp="1"/>
-          </p:cNvSpPr>
-          <p:nvPr>
-            <p:ph type="title"/>
-          </p:nvPr>
-        </p:nvSpPr>
-        <p:spPr/>
-        <p:txBody>
-          <a:bodyPr/>
-          <a:lstStyle/>
-          <a:p>
-            <a:r>
-              <a:rPr lang="en-US" dirty="0"/>
-              <a:t>Pre-Processing</a:t>
-            </a:r>
-          </a:p>
-        </p:txBody>
-      </p:sp>
-    </p:spTree>
-    <p:extLst>
-      <p:ext uri="{BB962C8B-B14F-4D97-AF65-F5344CB8AC3E}">
-        <p14:creationId xmlns:p14="http://schemas.microsoft.com/office/powerpoint/2010/main" val="2015132224"/>
-      </p:ext>
-    </p:extLst>
-  </p:cSld>
-  <p:clrMapOvr>
-    <a:masterClrMapping/>
-  </p:clrMapOvr>
-</p:sld>
-</file>
-
-<file path=ppt/slides/slide16.xml><?xml version="1.0" encoding="utf-8"?>
-<p:sld xmlns:a="http://schemas.openxmlformats.org/drawingml/2006/main" xmlns:r="http://schemas.openxmlformats.org/officeDocument/2006/relationships" xmlns:p="http://schemas.openxmlformats.org/presentationml/2006/main">
-  <p:cSld>
-    <p:spTree>
-      <p:nvGrpSpPr>
-        <p:cNvPr id="1" name=""/>
-        <p:cNvGrpSpPr/>
-        <p:nvPr/>
-      </p:nvGrpSpPr>
-      <p:grpSpPr>
-        <a:xfrm>
-          <a:off x="0" y="0"/>
-          <a:ext cx="0" cy="0"/>
-          <a:chOff x="0" y="0"/>
-          <a:chExt cx="0" cy="0"/>
-        </a:xfrm>
-      </p:grpSpPr>
-      <p:sp>
-        <p:nvSpPr>
-          <p:cNvPr id="2" name="內容版面配置區 1">
-            <a:extLst>
-              <a:ext uri="{FF2B5EF4-FFF2-40B4-BE49-F238E27FC236}">
-                <a16:creationId xmlns:a16="http://schemas.microsoft.com/office/drawing/2014/main" id="{D7776256-E407-4CB9-8746-467118CF0D41}"/>
-              </a:ext>
-            </a:extLst>
-          </p:cNvPr>
-          <p:cNvSpPr>
-            <a:spLocks noGrp="1"/>
-          </p:cNvSpPr>
-          <p:nvPr>
-            <p:ph idx="1"/>
-          </p:nvPr>
-        </p:nvSpPr>
-        <p:spPr/>
-        <p:txBody>
-          <a:bodyPr>
-            <a:normAutofit/>
-          </a:bodyPr>
-          <a:lstStyle/>
-          <a:p>
-            <a:r>
-              <a:rPr lang="en-US" dirty="0"/>
-              <a:t>AI Framework</a:t>
-            </a:r>
-          </a:p>
-          <a:p>
-            <a:pPr lvl="1"/>
-            <a:r>
-              <a:rPr lang="en-US" dirty="0"/>
-              <a:t>ML: </a:t>
-            </a:r>
-            <a:r>
-              <a:rPr lang="en-US" dirty="0" err="1"/>
-              <a:t>scikit</a:t>
-            </a:r>
-            <a:r>
-              <a:rPr lang="en-US" dirty="0"/>
-              <a:t>-learn</a:t>
-            </a:r>
-          </a:p>
-          <a:p>
-            <a:pPr lvl="1"/>
-            <a:r>
-              <a:rPr lang="en-US" dirty="0"/>
-              <a:t>DL: </a:t>
-            </a:r>
-            <a:r>
-              <a:rPr lang="en-US" dirty="0" err="1"/>
-              <a:t>Tensorflow</a:t>
-            </a:r>
-            <a:r>
-              <a:rPr lang="en-US" dirty="0"/>
-              <a:t>, </a:t>
-            </a:r>
-            <a:r>
-              <a:rPr lang="en-US" dirty="0" err="1"/>
-              <a:t>Keras</a:t>
-            </a:r>
-            <a:r>
-              <a:rPr lang="en-US" dirty="0"/>
-              <a:t>, </a:t>
-            </a:r>
-            <a:r>
-              <a:rPr lang="en-US" dirty="0" err="1"/>
-              <a:t>PyTorch</a:t>
-            </a:r>
-            <a:r>
-              <a:rPr lang="en-US" dirty="0"/>
-              <a:t>, Caffe</a:t>
-            </a:r>
-          </a:p>
-          <a:p>
-            <a:r>
-              <a:rPr lang="en-US" dirty="0"/>
-              <a:t>Hyper Parameters</a:t>
-            </a:r>
-          </a:p>
-          <a:p>
-            <a:pPr lvl="1"/>
-            <a:r>
-              <a:rPr lang="en-US" dirty="0"/>
-              <a:t>Input Variables </a:t>
-            </a:r>
-          </a:p>
-          <a:p>
-            <a:pPr lvl="1"/>
-            <a:r>
-              <a:rPr lang="en-US" dirty="0"/>
-              <a:t>Number of Layers</a:t>
-            </a:r>
-          </a:p>
-        </p:txBody>
-      </p:sp>
-      <p:sp>
-        <p:nvSpPr>
-          <p:cNvPr id="3" name="投影片編號版面配置區 2">
-            <a:extLst>
-              <a:ext uri="{FF2B5EF4-FFF2-40B4-BE49-F238E27FC236}">
-                <a16:creationId xmlns:a16="http://schemas.microsoft.com/office/drawing/2014/main" id="{928E6B69-8259-4276-ACC3-1F1CEFA4606A}"/>
-              </a:ext>
-            </a:extLst>
-          </p:cNvPr>
-          <p:cNvSpPr>
-            <a:spLocks noGrp="1"/>
-          </p:cNvSpPr>
-          <p:nvPr>
-            <p:ph type="sldNum" sz="quarter" idx="12"/>
-          </p:nvPr>
-        </p:nvSpPr>
-        <p:spPr/>
-        <p:txBody>
-          <a:bodyPr/>
-          <a:lstStyle/>
-          <a:p>
-            <a:fld id="{8F4EACC7-37E3-43A5-A5FB-BEB9CE95D266}" type="slidenum">
-              <a:rPr lang="zh-TW" altLang="en-US" smtClean="0"/>
-              <a:pPr/>
-              <a:t>15</a:t>
-            </a:fld>
-            <a:endParaRPr lang="zh-TW" altLang="en-US"/>
-          </a:p>
-        </p:txBody>
-      </p:sp>
-      <p:sp>
-        <p:nvSpPr>
-          <p:cNvPr id="4" name="標題 3">
-            <a:extLst>
-              <a:ext uri="{FF2B5EF4-FFF2-40B4-BE49-F238E27FC236}">
-                <a16:creationId xmlns:a16="http://schemas.microsoft.com/office/drawing/2014/main" id="{AB7013AE-5B56-4D15-88A6-1B71BA79B180}"/>
-              </a:ext>
-            </a:extLst>
-          </p:cNvPr>
-          <p:cNvSpPr>
-            <a:spLocks noGrp="1"/>
-          </p:cNvSpPr>
-          <p:nvPr>
-            <p:ph type="title"/>
-          </p:nvPr>
-        </p:nvSpPr>
-        <p:spPr/>
-        <p:txBody>
-          <a:bodyPr/>
-          <a:lstStyle/>
-          <a:p>
-            <a:r>
-              <a:rPr lang="en-US" dirty="0"/>
-              <a:t>Model Building</a:t>
-            </a:r>
-          </a:p>
-        </p:txBody>
-      </p:sp>
-    </p:spTree>
-    <p:extLst>
-      <p:ext uri="{BB962C8B-B14F-4D97-AF65-F5344CB8AC3E}">
-        <p14:creationId xmlns:p14="http://schemas.microsoft.com/office/powerpoint/2010/main" val="1869225185"/>
-      </p:ext>
-    </p:extLst>
-  </p:cSld>
-  <p:clrMapOvr>
-    <a:masterClrMapping/>
-  </p:clrMapOvr>
-</p:sld>
-</file>
-
 <file path=ppt/slides/slide17.xml><?xml version="1.0" encoding="utf-8"?>
 <p:sld xmlns:a="http://schemas.openxmlformats.org/drawingml/2006/main" xmlns:r="http://schemas.openxmlformats.org/officeDocument/2006/relationships" xmlns:p="http://schemas.openxmlformats.org/presentationml/2006/main">
   <p:cSld>
@@ -8327,7 +9307,7 @@
           <p:cNvPr id="2" name="內容版面配置區 1">
             <a:extLst>
               <a:ext uri="{FF2B5EF4-FFF2-40B4-BE49-F238E27FC236}">
-                <a16:creationId xmlns:a16="http://schemas.microsoft.com/office/drawing/2014/main" id="{D7776256-E407-4CB9-8746-467118CF0D41}"/>
+                <a16:creationId xmlns:a16="http://schemas.microsoft.com/office/drawing/2014/main" id="{FB6F9911-A672-4342-84A4-EC6B03013538}"/>
               </a:ext>
             </a:extLst>
           </p:cNvPr>
@@ -8341,92 +9321,197 @@
         <p:spPr/>
         <p:txBody>
           <a:bodyPr>
-            <a:normAutofit lnSpcReduction="10000"/>
+            <a:normAutofit fontScale="85000" lnSpcReduction="20000"/>
           </a:bodyPr>
           <a:lstStyle/>
           <a:p>
             <a:r>
               <a:rPr lang="en-US" dirty="0"/>
-              <a:t>Random Forest:</a:t>
+              <a:t>Data Cleaning(</a:t>
+            </a:r>
+            <a:r>
+              <a:rPr lang="zh-TW" altLang="en-US" dirty="0"/>
+              <a:t>資料清理</a:t>
+            </a:r>
+            <a:r>
+              <a:rPr lang="en-US" altLang="zh-TW" dirty="0"/>
+              <a:t>)</a:t>
             </a:r>
           </a:p>
           <a:p>
             <a:pPr lvl="1"/>
             <a:r>
               <a:rPr lang="en-US" dirty="0"/>
-              <a:t>Learning Rate</a:t>
+              <a:t>Fill in missing values(</a:t>
+            </a:r>
+            <a:r>
+              <a:rPr lang="zh-TW" altLang="en-US" dirty="0"/>
+              <a:t>填入遺漏值</a:t>
+            </a:r>
+            <a:r>
+              <a:rPr lang="en-US" altLang="zh-TW" dirty="0"/>
+              <a:t>)</a:t>
             </a:r>
           </a:p>
           <a:p>
             <a:pPr lvl="1"/>
             <a:r>
               <a:rPr lang="en-US" dirty="0"/>
-              <a:t>Objective Function</a:t>
+              <a:t>Identify or remove outliers(</a:t>
+            </a:r>
+            <a:r>
+              <a:rPr lang="zh-TW" altLang="en-US" dirty="0"/>
+              <a:t>辨識並移除離群值</a:t>
+            </a:r>
+            <a:r>
+              <a:rPr lang="en-US" altLang="zh-TW" dirty="0"/>
+              <a:t>)</a:t>
             </a:r>
           </a:p>
           <a:p>
             <a:pPr lvl="1"/>
             <a:r>
               <a:rPr lang="en-US" dirty="0"/>
-              <a:t>Max </a:t>
+              <a:t>Resolve inconsistencies(</a:t>
+            </a:r>
+            <a:r>
+              <a:rPr lang="zh-TW" altLang="en-US" dirty="0"/>
+              <a:t>資料不一致</a:t>
             </a:r>
             <a:r>
               <a:rPr lang="en-US" altLang="zh-TW" dirty="0"/>
-              <a:t>D</a:t>
-            </a:r>
+              <a:t>)</a:t>
+            </a:r>
+          </a:p>
+          <a:p>
             <a:r>
               <a:rPr lang="en-US" dirty="0"/>
-              <a:t>epth</a:t>
+              <a:t>Integration(</a:t>
+            </a:r>
+            <a:r>
+              <a:rPr lang="zh-TW" altLang="en-US" dirty="0"/>
+              <a:t>資料整合</a:t>
+            </a:r>
+            <a:r>
+              <a:rPr lang="en-US" altLang="zh-TW" dirty="0"/>
+              <a:t>)</a:t>
             </a:r>
           </a:p>
           <a:p>
             <a:pPr lvl="1"/>
             <a:r>
               <a:rPr lang="en-US" dirty="0"/>
-              <a:t>…</a:t>
-            </a:r>
-          </a:p>
-          <a:p>
+              <a:t>Join tables</a:t>
+            </a:r>
+          </a:p>
+          <a:p>
+            <a:pPr lvl="1"/>
             <a:r>
               <a:rPr lang="en-US" dirty="0"/>
-              <a:t>Deep Learning:</a:t>
+              <a:t>Different data sources: csv, json, xml, html, </a:t>
+            </a:r>
+            <a:r>
+              <a:rPr lang="en-US" dirty="0" err="1"/>
+              <a:t>api</a:t>
+            </a:r>
+            <a:r>
+              <a:rPr lang="en-US" dirty="0"/>
+              <a:t>, </a:t>
+            </a:r>
+            <a:r>
+              <a:rPr lang="en-US" dirty="0" err="1"/>
+              <a:t>datebases</a:t>
+            </a:r>
+            <a:endParaRPr lang="en-US" dirty="0"/>
+          </a:p>
+          <a:p>
+            <a:r>
+              <a:rPr lang="en-US" dirty="0"/>
+              <a:t>Transformation(</a:t>
+            </a:r>
+            <a:r>
+              <a:rPr lang="zh-TW" altLang="en-US" dirty="0"/>
+              <a:t>資料轉換</a:t>
+            </a:r>
+            <a:r>
+              <a:rPr lang="en-US" altLang="zh-TW" dirty="0"/>
+              <a:t>)</a:t>
             </a:r>
           </a:p>
           <a:p>
             <a:pPr lvl="1"/>
             <a:r>
               <a:rPr lang="en-US" dirty="0"/>
-              <a:t>Learning Rate</a:t>
+              <a:t>Normalization(</a:t>
+            </a:r>
+            <a:r>
+              <a:rPr lang="zh-TW" altLang="en-US" dirty="0"/>
+              <a:t>正規化</a:t>
+            </a:r>
+            <a:r>
+              <a:rPr lang="en-US" altLang="zh-TW" dirty="0"/>
+              <a:t>)</a:t>
             </a:r>
           </a:p>
           <a:p>
             <a:pPr lvl="1"/>
             <a:r>
               <a:rPr lang="en-US" dirty="0"/>
-              <a:t>Loss Function</a:t>
+              <a:t>Aggregation(</a:t>
+            </a:r>
+            <a:r>
+              <a:rPr lang="zh-TW" altLang="en-US" dirty="0"/>
+              <a:t>加總</a:t>
+            </a:r>
+            <a:r>
+              <a:rPr lang="en-US" altLang="zh-TW" dirty="0"/>
+              <a:t>)</a:t>
             </a:r>
           </a:p>
           <a:p>
             <a:pPr lvl="1"/>
             <a:r>
               <a:rPr lang="en-US" dirty="0"/>
-              <a:t>Optimizer</a:t>
+              <a:t>Feature Engineering(</a:t>
+            </a:r>
+            <a:r>
+              <a:rPr lang="zh-TW" altLang="en-US" dirty="0"/>
+              <a:t>特徵值篩選</a:t>
+            </a:r>
+            <a:r>
+              <a:rPr lang="en-US" altLang="zh-TW" dirty="0"/>
+              <a:t>)</a:t>
+            </a:r>
+          </a:p>
+          <a:p>
+            <a:r>
+              <a:rPr lang="en-US" dirty="0"/>
+              <a:t>Data discretization(</a:t>
+            </a:r>
+            <a:r>
+              <a:rPr lang="zh-TW" altLang="en-US" dirty="0"/>
+              <a:t>資料切片</a:t>
+            </a:r>
+            <a:r>
+              <a:rPr lang="en-US" altLang="zh-TW" dirty="0"/>
+              <a:t>)</a:t>
             </a:r>
           </a:p>
           <a:p>
             <a:pPr lvl="1"/>
             <a:r>
-              <a:rPr lang="en-US" dirty="0" err="1"/>
-              <a:t>Iterrations</a:t>
+              <a:rPr lang="en-US" dirty="0"/>
+              <a:t>data reduction(</a:t>
+            </a:r>
+            <a:r>
+              <a:rPr lang="zh-TW" altLang="en-US" dirty="0"/>
+              <a:t>降維</a:t>
+            </a:r>
+            <a:r>
+              <a:rPr lang="en-US" altLang="zh-TW" dirty="0"/>
+              <a:t>)</a:t>
             </a:r>
             <a:endParaRPr lang="en-US" dirty="0"/>
-          </a:p>
-          <a:p>
-            <a:pPr lvl="1"/>
-            <a:r>
-              <a:rPr lang="en-US" dirty="0"/>
-              <a:t>…</a:t>
-            </a:r>
           </a:p>
         </p:txBody>
       </p:sp>
@@ -8435,7 +9520,7 @@
           <p:cNvPr id="3" name="投影片編號版面配置區 2">
             <a:extLst>
               <a:ext uri="{FF2B5EF4-FFF2-40B4-BE49-F238E27FC236}">
-                <a16:creationId xmlns:a16="http://schemas.microsoft.com/office/drawing/2014/main" id="{928E6B69-8259-4276-ACC3-1F1CEFA4606A}"/>
+                <a16:creationId xmlns:a16="http://schemas.microsoft.com/office/drawing/2014/main" id="{C98A4689-5811-47DE-9CC8-72B66DE44212}"/>
               </a:ext>
             </a:extLst>
           </p:cNvPr>
@@ -8465,7 +9550,7 @@
           <p:cNvPr id="4" name="標題 3">
             <a:extLst>
               <a:ext uri="{FF2B5EF4-FFF2-40B4-BE49-F238E27FC236}">
-                <a16:creationId xmlns:a16="http://schemas.microsoft.com/office/drawing/2014/main" id="{AB7013AE-5B56-4D15-88A6-1B71BA79B180}"/>
+                <a16:creationId xmlns:a16="http://schemas.microsoft.com/office/drawing/2014/main" id="{1DABDE42-3038-4569-B558-703CE076CC94}"/>
               </a:ext>
             </a:extLst>
           </p:cNvPr>
@@ -8482,21 +9567,16 @@
           <a:lstStyle/>
           <a:p>
             <a:r>
-              <a:rPr lang="en-US" altLang="zh-TW" dirty="0">
-                <a:solidFill>
-                  <a:schemeClr val="bg1"/>
-                </a:solidFill>
-              </a:rPr>
-              <a:t>Parameter Tuning</a:t>
-            </a:r>
-            <a:endParaRPr lang="en-US" dirty="0"/>
+              <a:rPr lang="en-US" dirty="0"/>
+              <a:t>Pre-Processing</a:t>
+            </a:r>
           </a:p>
         </p:txBody>
       </p:sp>
     </p:spTree>
     <p:extLst>
       <p:ext uri="{BB962C8B-B14F-4D97-AF65-F5344CB8AC3E}">
-        <p14:creationId xmlns:p14="http://schemas.microsoft.com/office/powerpoint/2010/main" val="3601684888"/>
+        <p14:creationId xmlns:p14="http://schemas.microsoft.com/office/powerpoint/2010/main" val="2015132224"/>
       </p:ext>
     </p:extLst>
   </p:cSld>
@@ -8528,7 +9608,7 @@
           <p:cNvPr id="2" name="內容版面配置區 1">
             <a:extLst>
               <a:ext uri="{FF2B5EF4-FFF2-40B4-BE49-F238E27FC236}">
-                <a16:creationId xmlns:a16="http://schemas.microsoft.com/office/drawing/2014/main" id="{4D308327-A129-48EE-94EF-6B74666B2744}"/>
+                <a16:creationId xmlns:a16="http://schemas.microsoft.com/office/drawing/2014/main" id="{D7776256-E407-4CB9-8746-467118CF0D41}"/>
               </a:ext>
             </a:extLst>
           </p:cNvPr>
@@ -8539,12 +9619,7 @@
             <p:ph idx="1"/>
           </p:nvPr>
         </p:nvSpPr>
-        <p:spPr>
-          <a:xfrm>
-            <a:off x="272480" y="764704"/>
-            <a:ext cx="4680520" cy="5616624"/>
-          </a:xfrm>
-        </p:spPr>
+        <p:spPr/>
         <p:txBody>
           <a:bodyPr>
             <a:normAutofit/>
@@ -8552,72 +9627,74 @@
           <a:lstStyle/>
           <a:p>
             <a:r>
-              <a:rPr lang="en-US" altLang="zh-TW" dirty="0"/>
-              <a:t>Specification: </a:t>
+              <a:rPr lang="en-US" dirty="0"/>
+              <a:t>AI Framework</a:t>
             </a:r>
           </a:p>
           <a:p>
             <a:pPr lvl="1"/>
             <a:r>
-              <a:rPr lang="en-US" altLang="zh-TW" b="0" dirty="0"/>
-              <a:t>CPU</a:t>
+              <a:rPr lang="en-US" dirty="0"/>
+              <a:t>ML: </a:t>
+            </a:r>
+            <a:r>
+              <a:rPr lang="en-US" dirty="0" err="1"/>
+              <a:t>scikit</a:t>
+            </a:r>
+            <a:r>
+              <a:rPr lang="en-US" dirty="0"/>
+              <a:t>-learn</a:t>
             </a:r>
           </a:p>
           <a:p>
             <a:pPr lvl="1"/>
             <a:r>
-              <a:rPr lang="en-US" altLang="zh-TW" b="0" dirty="0"/>
-              <a:t>GPU</a:t>
+              <a:rPr lang="en-US" dirty="0"/>
+              <a:t>DL: </a:t>
+            </a:r>
+            <a:r>
+              <a:rPr lang="en-US" dirty="0" err="1"/>
+              <a:t>Tensorflow</a:t>
+            </a:r>
+            <a:r>
+              <a:rPr lang="en-US" dirty="0"/>
+              <a:t>, </a:t>
+            </a:r>
+            <a:r>
+              <a:rPr lang="en-US" dirty="0" err="1"/>
+              <a:t>Keras</a:t>
+            </a:r>
+            <a:r>
+              <a:rPr lang="en-US" dirty="0"/>
+              <a:t>, </a:t>
+            </a:r>
+            <a:r>
+              <a:rPr lang="en-US" dirty="0" err="1"/>
+              <a:t>PyTorch</a:t>
+            </a:r>
+            <a:r>
+              <a:rPr lang="en-US" dirty="0"/>
+              <a:t>, Caffe</a:t>
+            </a:r>
+          </a:p>
+          <a:p>
+            <a:r>
+              <a:rPr lang="en-US" dirty="0"/>
+              <a:t>Hyper Parameters</a:t>
             </a:r>
           </a:p>
           <a:p>
             <a:pPr lvl="1"/>
             <a:r>
-              <a:rPr lang="en-US" altLang="zh-TW" b="0" dirty="0"/>
-              <a:t>Memory</a:t>
-            </a:r>
-          </a:p>
-          <a:p>
-            <a:r>
-              <a:rPr lang="en-US" altLang="zh-TW" dirty="0"/>
-              <a:t>Device: </a:t>
+              <a:rPr lang="en-US" dirty="0"/>
+              <a:t>Input Variables </a:t>
             </a:r>
           </a:p>
           <a:p>
             <a:pPr lvl="1"/>
             <a:r>
-              <a:rPr lang="en-US" altLang="zh-TW" b="0" dirty="0"/>
-              <a:t>Computer</a:t>
-            </a:r>
-          </a:p>
-          <a:p>
-            <a:pPr lvl="1"/>
-            <a:r>
-              <a:rPr lang="en-US" altLang="zh-TW" b="0" dirty="0"/>
-              <a:t>Smart Phone</a:t>
-            </a:r>
-          </a:p>
-          <a:p>
-            <a:pPr lvl="1"/>
-            <a:r>
-              <a:rPr lang="en-US" b="0" dirty="0"/>
-              <a:t>Development Board (</a:t>
-            </a:r>
-            <a:r>
-              <a:rPr lang="en-US" b="0" dirty="0" err="1"/>
-              <a:t>RaspberryPi</a:t>
-            </a:r>
-            <a:r>
-              <a:rPr lang="en-US" b="0" dirty="0"/>
-              <a:t> or </a:t>
-            </a:r>
-            <a:r>
-              <a:rPr lang="en-US" b="0" dirty="0" err="1"/>
-              <a:t>JetsonNano</a:t>
-            </a:r>
-            <a:r>
-              <a:rPr lang="en-US" b="0" dirty="0"/>
-              <a:t>)</a:t>
+              <a:rPr lang="en-US" dirty="0"/>
+              <a:t>Number of Layers</a:t>
             </a:r>
           </a:p>
         </p:txBody>
@@ -8627,7 +9704,7 @@
           <p:cNvPr id="3" name="投影片編號版面配置區 2">
             <a:extLst>
               <a:ext uri="{FF2B5EF4-FFF2-40B4-BE49-F238E27FC236}">
-                <a16:creationId xmlns:a16="http://schemas.microsoft.com/office/drawing/2014/main" id="{82ED3DEA-7008-450C-815A-CD20FE52C48E}"/>
+                <a16:creationId xmlns:a16="http://schemas.microsoft.com/office/drawing/2014/main" id="{928E6B69-8259-4276-ACC3-1F1CEFA4606A}"/>
               </a:ext>
             </a:extLst>
           </p:cNvPr>
@@ -8657,7 +9734,7 @@
           <p:cNvPr id="4" name="標題 3">
             <a:extLst>
               <a:ext uri="{FF2B5EF4-FFF2-40B4-BE49-F238E27FC236}">
-                <a16:creationId xmlns:a16="http://schemas.microsoft.com/office/drawing/2014/main" id="{1C0CCDEF-5627-4478-B61F-8D82400D252C}"/>
+                <a16:creationId xmlns:a16="http://schemas.microsoft.com/office/drawing/2014/main" id="{AB7013AE-5B56-4D15-88A6-1B71BA79B180}"/>
               </a:ext>
             </a:extLst>
           </p:cNvPr>
@@ -8674,288 +9751,8 @@
           <a:lstStyle/>
           <a:p>
             <a:r>
-              <a:rPr lang="en-US" altLang="zh-TW" dirty="0"/>
-              <a:t>D</a:t>
-            </a:r>
-            <a:r>
               <a:rPr lang="en-US" dirty="0"/>
-              <a:t>eployment</a:t>
-            </a:r>
-          </a:p>
-        </p:txBody>
-      </p:sp>
-      <p:sp>
-        <p:nvSpPr>
-          <p:cNvPr id="6" name="內容版面配置區 1">
-            <a:extLst>
-              <a:ext uri="{FF2B5EF4-FFF2-40B4-BE49-F238E27FC236}">
-                <a16:creationId xmlns:a16="http://schemas.microsoft.com/office/drawing/2014/main" id="{A08D7970-9E63-4BD5-B0D6-8AD1FED4BB9C}"/>
-              </a:ext>
-            </a:extLst>
-          </p:cNvPr>
-          <p:cNvSpPr txBox="1">
-            <a:spLocks/>
-          </p:cNvSpPr>
-          <p:nvPr/>
-        </p:nvSpPr>
-        <p:spPr bwMode="ltGray">
-          <a:xfrm>
-            <a:off x="4730417" y="620688"/>
-            <a:ext cx="4680520" cy="5760640"/>
-          </a:xfrm>
-          <a:prstGeom prst="rect">
-            <a:avLst/>
-          </a:prstGeom>
-        </p:spPr>
-        <p:txBody>
-          <a:bodyPr vert="horz" lIns="91440" tIns="45720" rIns="91440" bIns="45720" rtlCol="0">
-            <a:normAutofit/>
-          </a:bodyPr>
-          <a:lstStyle>
-            <a:lvl1pPr marL="342900" indent="-342900" algn="l" defTabSz="914400" rtl="0" eaLnBrk="1" latinLnBrk="0" hangingPunct="1">
-              <a:lnSpc>
-                <a:spcPct val="100000"/>
-              </a:lnSpc>
-              <a:spcBef>
-                <a:spcPts val="600"/>
-              </a:spcBef>
-              <a:spcAft>
-                <a:spcPts val="600"/>
-              </a:spcAft>
-              <a:buClr>
-                <a:schemeClr val="accent1"/>
-              </a:buClr>
-              <a:buFont typeface="Arial" pitchFamily="34" charset="0"/>
-              <a:buChar char="•"/>
-              <a:defRPr sz="2800" b="1" kern="1200">
-                <a:solidFill>
-                  <a:srgbClr val="393939"/>
-                </a:solidFill>
-                <a:latin typeface="微軟正黑體" pitchFamily="34" charset="-120"/>
-                <a:ea typeface="微軟正黑體" pitchFamily="34" charset="-120"/>
-                <a:cs typeface="+mn-cs"/>
-              </a:defRPr>
-            </a:lvl1pPr>
-            <a:lvl2pPr marL="714375" indent="-352425" algn="l" defTabSz="914400" rtl="0" eaLnBrk="1" latinLnBrk="0" hangingPunct="1">
-              <a:lnSpc>
-                <a:spcPct val="100000"/>
-              </a:lnSpc>
-              <a:spcBef>
-                <a:spcPts val="600"/>
-              </a:spcBef>
-              <a:spcAft>
-                <a:spcPts val="600"/>
-              </a:spcAft>
-              <a:buClr>
-                <a:schemeClr val="accent2"/>
-              </a:buClr>
-              <a:buFont typeface="Arial" pitchFamily="34" charset="0"/>
-              <a:buChar char="–"/>
-              <a:defRPr sz="2400" b="1" kern="1200">
-                <a:solidFill>
-                  <a:srgbClr val="393939"/>
-                </a:solidFill>
-                <a:latin typeface="微軟正黑體" pitchFamily="34" charset="-120"/>
-                <a:ea typeface="微軟正黑體" pitchFamily="34" charset="-120"/>
-                <a:cs typeface="+mn-cs"/>
-              </a:defRPr>
-            </a:lvl2pPr>
-            <a:lvl3pPr marL="1076325" indent="-266700" algn="l" defTabSz="914400" rtl="0" eaLnBrk="1" latinLnBrk="0" hangingPunct="1">
-              <a:lnSpc>
-                <a:spcPct val="100000"/>
-              </a:lnSpc>
-              <a:spcBef>
-                <a:spcPts val="600"/>
-              </a:spcBef>
-              <a:spcAft>
-                <a:spcPts val="600"/>
-              </a:spcAft>
-              <a:buClr>
-                <a:schemeClr val="accent3"/>
-              </a:buClr>
-              <a:buFont typeface="Arial" pitchFamily="34" charset="0"/>
-              <a:buChar char="•"/>
-              <a:defRPr sz="2000" kern="1200">
-                <a:solidFill>
-                  <a:srgbClr val="393939"/>
-                </a:solidFill>
-                <a:latin typeface="微軟正黑體" pitchFamily="34" charset="-120"/>
-                <a:ea typeface="微軟正黑體" pitchFamily="34" charset="-120"/>
-                <a:cs typeface="+mn-cs"/>
-              </a:defRPr>
-            </a:lvl3pPr>
-            <a:lvl4pPr marL="1343025" indent="-180975" algn="l" defTabSz="914400" rtl="0" eaLnBrk="1" latinLnBrk="0" hangingPunct="1">
-              <a:lnSpc>
-                <a:spcPct val="100000"/>
-              </a:lnSpc>
-              <a:spcBef>
-                <a:spcPts val="600"/>
-              </a:spcBef>
-              <a:spcAft>
-                <a:spcPts val="600"/>
-              </a:spcAft>
-              <a:buClr>
-                <a:schemeClr val="accent4"/>
-              </a:buClr>
-              <a:buFont typeface="Arial" pitchFamily="34" charset="0"/>
-              <a:buChar char="–"/>
-              <a:defRPr sz="1800" kern="1200">
-                <a:solidFill>
-                  <a:srgbClr val="393939"/>
-                </a:solidFill>
-                <a:latin typeface="微軟正黑體" pitchFamily="34" charset="-120"/>
-                <a:ea typeface="微軟正黑體" pitchFamily="34" charset="-120"/>
-                <a:cs typeface="+mn-cs"/>
-              </a:defRPr>
-            </a:lvl4pPr>
-            <a:lvl5pPr marL="1619250" indent="-276225" algn="l" defTabSz="914400" rtl="0" eaLnBrk="1" latinLnBrk="0" hangingPunct="1">
-              <a:lnSpc>
-                <a:spcPct val="100000"/>
-              </a:lnSpc>
-              <a:spcBef>
-                <a:spcPts val="600"/>
-              </a:spcBef>
-              <a:spcAft>
-                <a:spcPts val="600"/>
-              </a:spcAft>
-              <a:buClr>
-                <a:schemeClr val="accent5"/>
-              </a:buClr>
-              <a:buFont typeface="Arial" pitchFamily="34" charset="0"/>
-              <a:buChar char="»"/>
-              <a:tabLst>
-                <a:tab pos="7981950" algn="l"/>
-              </a:tabLst>
-              <a:defRPr sz="1800" kern="1200">
-                <a:solidFill>
-                  <a:srgbClr val="393939"/>
-                </a:solidFill>
-                <a:latin typeface="微軟正黑體" pitchFamily="34" charset="-120"/>
-                <a:ea typeface="微軟正黑體" pitchFamily="34" charset="-120"/>
-                <a:cs typeface="+mn-cs"/>
-              </a:defRPr>
-            </a:lvl5pPr>
-            <a:lvl6pPr marL="2514600" indent="-228600" algn="l" defTabSz="914400" rtl="0" eaLnBrk="1" latinLnBrk="0" hangingPunct="1">
-              <a:spcBef>
-                <a:spcPct val="20000"/>
-              </a:spcBef>
-              <a:buFont typeface="Arial" pitchFamily="34" charset="0"/>
-              <a:buChar char="•"/>
-              <a:defRPr sz="2000" kern="1200">
-                <a:solidFill>
-                  <a:schemeClr val="tx1"/>
-                </a:solidFill>
-                <a:latin typeface="+mn-lt"/>
-                <a:ea typeface="+mn-ea"/>
-                <a:cs typeface="+mn-cs"/>
-              </a:defRPr>
-            </a:lvl6pPr>
-            <a:lvl7pPr marL="2971800" indent="-228600" algn="l" defTabSz="914400" rtl="0" eaLnBrk="1" latinLnBrk="0" hangingPunct="1">
-              <a:spcBef>
-                <a:spcPct val="20000"/>
-              </a:spcBef>
-              <a:buFont typeface="Arial" pitchFamily="34" charset="0"/>
-              <a:buChar char="•"/>
-              <a:defRPr sz="2000" kern="1200">
-                <a:solidFill>
-                  <a:schemeClr val="tx1"/>
-                </a:solidFill>
-                <a:latin typeface="+mn-lt"/>
-                <a:ea typeface="+mn-ea"/>
-                <a:cs typeface="+mn-cs"/>
-              </a:defRPr>
-            </a:lvl7pPr>
-            <a:lvl8pPr marL="3429000" indent="-228600" algn="l" defTabSz="914400" rtl="0" eaLnBrk="1" latinLnBrk="0" hangingPunct="1">
-              <a:spcBef>
-                <a:spcPct val="20000"/>
-              </a:spcBef>
-              <a:buFont typeface="Arial" pitchFamily="34" charset="0"/>
-              <a:buChar char="•"/>
-              <a:defRPr sz="2000" kern="1200">
-                <a:solidFill>
-                  <a:schemeClr val="tx1"/>
-                </a:solidFill>
-                <a:latin typeface="+mn-lt"/>
-                <a:ea typeface="+mn-ea"/>
-                <a:cs typeface="+mn-cs"/>
-              </a:defRPr>
-            </a:lvl8pPr>
-            <a:lvl9pPr marL="3886200" indent="-228600" algn="l" defTabSz="914400" rtl="0" eaLnBrk="1" latinLnBrk="0" hangingPunct="1">
-              <a:spcBef>
-                <a:spcPct val="20000"/>
-              </a:spcBef>
-              <a:buFont typeface="Arial" pitchFamily="34" charset="0"/>
-              <a:buChar char="•"/>
-              <a:defRPr sz="2000" kern="1200">
-                <a:solidFill>
-                  <a:schemeClr val="tx1"/>
-                </a:solidFill>
-                <a:latin typeface="+mn-lt"/>
-                <a:ea typeface="+mn-ea"/>
-                <a:cs typeface="+mn-cs"/>
-              </a:defRPr>
-            </a:lvl9pPr>
-          </a:lstStyle>
-          <a:p>
-            <a:r>
-              <a:rPr lang="en-US" dirty="0"/>
-              <a:t>Access Software: </a:t>
-            </a:r>
-          </a:p>
-          <a:p>
-            <a:pPr lvl="1"/>
-            <a:r>
-              <a:rPr lang="en-US" b="0" dirty="0"/>
-              <a:t>Desktop App</a:t>
-            </a:r>
-          </a:p>
-          <a:p>
-            <a:pPr lvl="1"/>
-            <a:r>
-              <a:rPr lang="en-US" b="0" dirty="0"/>
-              <a:t>Website</a:t>
-            </a:r>
-          </a:p>
-          <a:p>
-            <a:pPr lvl="1"/>
-            <a:r>
-              <a:rPr lang="en-US" b="0" dirty="0"/>
-              <a:t>Docker Container</a:t>
-            </a:r>
-          </a:p>
-          <a:p>
-            <a:pPr lvl="1"/>
-            <a:r>
-              <a:rPr lang="en-US" b="0" dirty="0"/>
-              <a:t>Smart Phone App</a:t>
-            </a:r>
-            <a:endParaRPr lang="en-US" dirty="0"/>
-          </a:p>
-          <a:p>
-            <a:r>
-              <a:rPr lang="en-US" dirty="0"/>
-              <a:t>System:</a:t>
-            </a:r>
-          </a:p>
-          <a:p>
-            <a:pPr lvl="1"/>
-            <a:r>
-              <a:rPr lang="en-US" b="0" dirty="0"/>
-              <a:t>Windows</a:t>
-            </a:r>
-          </a:p>
-          <a:p>
-            <a:pPr lvl="1"/>
-            <a:r>
-              <a:rPr lang="en-US" b="0" dirty="0"/>
-              <a:t>Ubuntu</a:t>
-            </a:r>
-          </a:p>
-          <a:p>
-            <a:pPr lvl="1"/>
-            <a:r>
-              <a:rPr lang="en-US" b="0" dirty="0"/>
-              <a:t>Centos</a:t>
+              <a:t>Model Building</a:t>
             </a:r>
           </a:p>
         </p:txBody>
@@ -8963,7 +9760,7 @@
     </p:spTree>
     <p:extLst>
       <p:ext uri="{BB962C8B-B14F-4D97-AF65-F5344CB8AC3E}">
-        <p14:creationId xmlns:p14="http://schemas.microsoft.com/office/powerpoint/2010/main" val="4238824339"/>
+        <p14:creationId xmlns:p14="http://schemas.microsoft.com/office/powerpoint/2010/main" val="1869225185"/>
       </p:ext>
     </p:extLst>
   </p:cSld>
@@ -8992,112 +9789,179 @@
       </p:grpSpPr>
       <p:sp>
         <p:nvSpPr>
-          <p:cNvPr id="2" name="文字方塊 1"/>
-          <p:cNvSpPr txBox="1"/>
-          <p:nvPr/>
-        </p:nvSpPr>
-        <p:spPr>
-          <a:xfrm>
-            <a:off x="3512840" y="2996952"/>
-            <a:ext cx="2880320" cy="720080"/>
-          </a:xfrm>
-          <a:prstGeom prst="rect">
-            <a:avLst/>
-          </a:prstGeom>
-          <a:noFill/>
-        </p:spPr>
-        <p:txBody>
-          <a:bodyPr wrap="square" rtlCol="0">
-            <a:spAutoFit/>
+          <p:cNvPr id="2" name="內容版面配置區 1">
+            <a:extLst>
+              <a:ext uri="{FF2B5EF4-FFF2-40B4-BE49-F238E27FC236}">
+                <a16:creationId xmlns:a16="http://schemas.microsoft.com/office/drawing/2014/main" id="{D7776256-E407-4CB9-8746-467118CF0D41}"/>
+              </a:ext>
+            </a:extLst>
+          </p:cNvPr>
+          <p:cNvSpPr>
+            <a:spLocks noGrp="1"/>
+          </p:cNvSpPr>
+          <p:nvPr>
+            <p:ph idx="1"/>
+          </p:nvPr>
+        </p:nvSpPr>
+        <p:spPr/>
+        <p:txBody>
+          <a:bodyPr>
+            <a:normAutofit lnSpcReduction="10000"/>
           </a:bodyPr>
           <a:lstStyle/>
           <a:p>
             <a:r>
-              <a:rPr lang="en-US" altLang="zh-TW" sz="4000" dirty="0">
-                <a:solidFill>
-                  <a:schemeClr val="accent1"/>
+              <a:rPr lang="en-US" dirty="0"/>
+              <a:t>Random Forest:</a:t>
+            </a:r>
+          </a:p>
+          <a:p>
+            <a:pPr lvl="1"/>
+            <a:r>
+              <a:rPr lang="en-US" dirty="0"/>
+              <a:t>Learning Rate</a:t>
+            </a:r>
+          </a:p>
+          <a:p>
+            <a:pPr lvl="1"/>
+            <a:r>
+              <a:rPr lang="en-US" dirty="0"/>
+              <a:t>Objective Function</a:t>
+            </a:r>
+          </a:p>
+          <a:p>
+            <a:pPr lvl="1"/>
+            <a:r>
+              <a:rPr lang="en-US" dirty="0"/>
+              <a:t>Max </a:t>
+            </a:r>
+            <a:r>
+              <a:rPr lang="en-US" altLang="zh-TW" dirty="0"/>
+              <a:t>D</a:t>
+            </a:r>
+            <a:r>
+              <a:rPr lang="en-US" dirty="0"/>
+              <a:t>epth</a:t>
+            </a:r>
+          </a:p>
+          <a:p>
+            <a:pPr lvl="1"/>
+            <a:r>
+              <a:rPr lang="en-US" dirty="0"/>
+              <a:t>…</a:t>
+            </a:r>
+          </a:p>
+          <a:p>
+            <a:r>
+              <a:rPr lang="en-US" dirty="0"/>
+              <a:t>Deep Learning:</a:t>
+            </a:r>
+          </a:p>
+          <a:p>
+            <a:pPr lvl="1"/>
+            <a:r>
+              <a:rPr lang="en-US" dirty="0"/>
+              <a:t>Learning Rate</a:t>
+            </a:r>
+          </a:p>
+          <a:p>
+            <a:pPr lvl="1"/>
+            <a:r>
+              <a:rPr lang="en-US" dirty="0"/>
+              <a:t>Loss Function</a:t>
+            </a:r>
+          </a:p>
+          <a:p>
+            <a:pPr lvl="1"/>
+            <a:r>
+              <a:rPr lang="en-US" dirty="0"/>
+              <a:t>Optimizer</a:t>
+            </a:r>
+          </a:p>
+          <a:p>
+            <a:pPr lvl="1"/>
+            <a:r>
+              <a:rPr lang="en-US" dirty="0" err="1"/>
+              <a:t>Iterrations</a:t>
+            </a:r>
+            <a:endParaRPr lang="en-US" dirty="0"/>
+          </a:p>
+          <a:p>
+            <a:pPr lvl="1"/>
+            <a:r>
+              <a:rPr lang="en-US" dirty="0"/>
+              <a:t>…</a:t>
+            </a:r>
+          </a:p>
+        </p:txBody>
+      </p:sp>
+      <p:sp>
+        <p:nvSpPr>
+          <p:cNvPr id="3" name="投影片編號版面配置區 2">
+            <a:extLst>
+              <a:ext uri="{FF2B5EF4-FFF2-40B4-BE49-F238E27FC236}">
+                <a16:creationId xmlns:a16="http://schemas.microsoft.com/office/drawing/2014/main" id="{928E6B69-8259-4276-ACC3-1F1CEFA4606A}"/>
+              </a:ext>
+            </a:extLst>
+          </p:cNvPr>
+          <p:cNvSpPr>
+            <a:spLocks noGrp="1"/>
+          </p:cNvSpPr>
+          <p:nvPr>
+            <p:ph type="sldNum" sz="quarter" idx="12"/>
+          </p:nvPr>
+        </p:nvSpPr>
+        <p:spPr/>
+        <p:txBody>
+          <a:bodyPr/>
+          <a:lstStyle/>
+          <a:p>
+            <a:fld id="{8F4EACC7-37E3-43A5-A5FB-BEB9CE95D266}" type="slidenum">
+              <a:rPr lang="zh-TW" altLang="en-US" smtClean="0"/>
+              <a:pPr/>
+              <a:t>18</a:t>
+            </a:fld>
+            <a:endParaRPr lang="zh-TW" altLang="en-US"/>
+          </a:p>
+        </p:txBody>
+      </p:sp>
+      <p:sp>
+        <p:nvSpPr>
+          <p:cNvPr id="4" name="標題 3">
+            <a:extLst>
+              <a:ext uri="{FF2B5EF4-FFF2-40B4-BE49-F238E27FC236}">
+                <a16:creationId xmlns:a16="http://schemas.microsoft.com/office/drawing/2014/main" id="{AB7013AE-5B56-4D15-88A6-1B71BA79B180}"/>
+              </a:ext>
+            </a:extLst>
+          </p:cNvPr>
+          <p:cNvSpPr>
+            <a:spLocks noGrp="1"/>
+          </p:cNvSpPr>
+          <p:nvPr>
+            <p:ph type="title"/>
+          </p:nvPr>
+        </p:nvSpPr>
+        <p:spPr/>
+        <p:txBody>
+          <a:bodyPr/>
+          <a:lstStyle/>
+          <a:p>
+            <a:r>
+              <a:rPr lang="en-US" altLang="zh-TW" dirty="0">
+                <a:solidFill>
+                  <a:schemeClr val="bg1"/>
                 </a:solidFill>
               </a:rPr>
-              <a:t>T</a:t>
-            </a:r>
-            <a:r>
-              <a:rPr lang="en-US" altLang="zh-TW" sz="4000" dirty="0">
-                <a:solidFill>
-                  <a:schemeClr val="accent2"/>
-                </a:solidFill>
-              </a:rPr>
-              <a:t>h</a:t>
-            </a:r>
-            <a:r>
-              <a:rPr lang="en-US" altLang="zh-TW" sz="4000" dirty="0">
-                <a:solidFill>
-                  <a:schemeClr val="accent3"/>
-                </a:solidFill>
-              </a:rPr>
-              <a:t>a</a:t>
-            </a:r>
-            <a:r>
-              <a:rPr lang="en-US" altLang="zh-TW" sz="4000" dirty="0">
-                <a:solidFill>
-                  <a:schemeClr val="accent4"/>
-                </a:solidFill>
-              </a:rPr>
-              <a:t>n</a:t>
-            </a:r>
-            <a:r>
-              <a:rPr lang="en-US" altLang="zh-TW" sz="4000" dirty="0">
-                <a:solidFill>
-                  <a:schemeClr val="accent5"/>
-                </a:solidFill>
-              </a:rPr>
-              <a:t>k</a:t>
-            </a:r>
-            <a:r>
-              <a:rPr lang="en-US" altLang="zh-TW" sz="4000" dirty="0">
-                <a:solidFill>
-                  <a:schemeClr val="tx1">
-                    <a:lumMod val="75000"/>
-                  </a:schemeClr>
-                </a:solidFill>
-              </a:rPr>
-              <a:t> </a:t>
-            </a:r>
-            <a:r>
-              <a:rPr lang="en-US" altLang="zh-TW" sz="4000" dirty="0">
-                <a:solidFill>
-                  <a:schemeClr val="accent6"/>
-                </a:solidFill>
-              </a:rPr>
-              <a:t>y</a:t>
-            </a:r>
-            <a:r>
-              <a:rPr lang="en-US" altLang="zh-TW" sz="4000" dirty="0">
-                <a:solidFill>
-                  <a:schemeClr val="accent1"/>
-                </a:solidFill>
-              </a:rPr>
-              <a:t>o</a:t>
-            </a:r>
-            <a:r>
-              <a:rPr lang="en-US" altLang="zh-TW" sz="4000" dirty="0">
-                <a:solidFill>
-                  <a:schemeClr val="accent3"/>
-                </a:solidFill>
-              </a:rPr>
-              <a:t>u</a:t>
-            </a:r>
-            <a:endParaRPr lang="zh-TW" altLang="en-US" sz="4000" dirty="0" err="1">
-              <a:solidFill>
-                <a:schemeClr val="accent3"/>
-              </a:solidFill>
-            </a:endParaRPr>
+              <a:t>Parameter Tuning</a:t>
+            </a:r>
+            <a:endParaRPr lang="en-US" dirty="0"/>
           </a:p>
         </p:txBody>
       </p:sp>
     </p:spTree>
     <p:extLst>
       <p:ext uri="{BB962C8B-B14F-4D97-AF65-F5344CB8AC3E}">
-        <p14:creationId xmlns:p14="http://schemas.microsoft.com/office/powerpoint/2010/main" val="4034723819"/>
+        <p14:creationId xmlns:p14="http://schemas.microsoft.com/office/powerpoint/2010/main" val="3601684888"/>
       </p:ext>
     </p:extLst>
   </p:cSld>
@@ -9518,6 +10382,747 @@
     <p:extLst>
       <p:ext uri="{BB962C8B-B14F-4D97-AF65-F5344CB8AC3E}">
         <p14:creationId xmlns:p14="http://schemas.microsoft.com/office/powerpoint/2010/main" val="1113325208"/>
+      </p:ext>
+    </p:extLst>
+  </p:cSld>
+  <p:clrMapOvr>
+    <a:masterClrMapping/>
+  </p:clrMapOvr>
+</p:sld>
+</file>
+
+<file path=ppt/slides/slide20.xml><?xml version="1.0" encoding="utf-8"?>
+<p:sld xmlns:a="http://schemas.openxmlformats.org/drawingml/2006/main" xmlns:r="http://schemas.openxmlformats.org/officeDocument/2006/relationships" xmlns:p="http://schemas.openxmlformats.org/presentationml/2006/main">
+  <p:cSld>
+    <p:spTree>
+      <p:nvGrpSpPr>
+        <p:cNvPr id="1" name=""/>
+        <p:cNvGrpSpPr/>
+        <p:nvPr/>
+      </p:nvGrpSpPr>
+      <p:grpSpPr>
+        <a:xfrm>
+          <a:off x="0" y="0"/>
+          <a:ext cx="0" cy="0"/>
+          <a:chOff x="0" y="0"/>
+          <a:chExt cx="0" cy="0"/>
+        </a:xfrm>
+      </p:grpSpPr>
+      <p:sp>
+        <p:nvSpPr>
+          <p:cNvPr id="3" name="投影片編號版面配置區 2">
+            <a:extLst>
+              <a:ext uri="{FF2B5EF4-FFF2-40B4-BE49-F238E27FC236}">
+                <a16:creationId xmlns:a16="http://schemas.microsoft.com/office/drawing/2014/main" id="{EEB00B6B-188B-4BDF-B3E3-0671D2CC1B1C}"/>
+              </a:ext>
+            </a:extLst>
+          </p:cNvPr>
+          <p:cNvSpPr>
+            <a:spLocks noGrp="1"/>
+          </p:cNvSpPr>
+          <p:nvPr>
+            <p:ph type="sldNum" sz="quarter" idx="12"/>
+          </p:nvPr>
+        </p:nvSpPr>
+        <p:spPr/>
+        <p:txBody>
+          <a:bodyPr/>
+          <a:lstStyle/>
+          <a:p>
+            <a:fld id="{8F4EACC7-37E3-43A5-A5FB-BEB9CE95D266}" type="slidenum">
+              <a:rPr lang="zh-TW" altLang="en-US" smtClean="0"/>
+              <a:pPr/>
+              <a:t>19</a:t>
+            </a:fld>
+            <a:endParaRPr lang="zh-TW" altLang="en-US"/>
+          </a:p>
+        </p:txBody>
+      </p:sp>
+      <p:sp>
+        <p:nvSpPr>
+          <p:cNvPr id="4" name="標題 3">
+            <a:extLst>
+              <a:ext uri="{FF2B5EF4-FFF2-40B4-BE49-F238E27FC236}">
+                <a16:creationId xmlns:a16="http://schemas.microsoft.com/office/drawing/2014/main" id="{27FD7A23-8A6D-442D-8FFD-D24D5E6CF3D3}"/>
+              </a:ext>
+            </a:extLst>
+          </p:cNvPr>
+          <p:cNvSpPr>
+            <a:spLocks noGrp="1"/>
+          </p:cNvSpPr>
+          <p:nvPr>
+            <p:ph type="title"/>
+          </p:nvPr>
+        </p:nvSpPr>
+        <p:spPr/>
+        <p:txBody>
+          <a:bodyPr/>
+          <a:lstStyle/>
+          <a:p>
+            <a:r>
+              <a:rPr lang="en-US" altLang="zh-TW" dirty="0">
+                <a:solidFill>
+                  <a:schemeClr val="bg1"/>
+                </a:solidFill>
+              </a:rPr>
+              <a:t>Parameter Tuning – Grid Search</a:t>
+            </a:r>
+            <a:endParaRPr lang="zh-TW" altLang="en-US" dirty="0"/>
+          </a:p>
+        </p:txBody>
+      </p:sp>
+      <p:pic>
+        <p:nvPicPr>
+          <p:cNvPr id="1026" name="Picture 2" descr="Using 3D visualizations to tune hyperparameters in ML models">
+            <a:extLst>
+              <a:ext uri="{FF2B5EF4-FFF2-40B4-BE49-F238E27FC236}">
+                <a16:creationId xmlns:a16="http://schemas.microsoft.com/office/drawing/2014/main" id="{DDE0BFE2-DDBC-4E83-9299-A2640FF73FAD}"/>
+              </a:ext>
+            </a:extLst>
+          </p:cNvPr>
+          <p:cNvPicPr>
+            <a:picLocks noChangeAspect="1" noChangeArrowheads="1"/>
+          </p:cNvPicPr>
+          <p:nvPr/>
+        </p:nvPicPr>
+        <p:blipFill>
+          <a:blip r:embed="rId2">
+            <a:extLst>
+              <a:ext uri="{28A0092B-C50C-407E-A947-70E740481C1C}">
+                <a14:useLocalDpi xmlns:a14="http://schemas.microsoft.com/office/drawing/2010/main" val="0"/>
+              </a:ext>
+            </a:extLst>
+          </a:blip>
+          <a:srcRect/>
+          <a:stretch>
+            <a:fillRect/>
+          </a:stretch>
+        </p:blipFill>
+        <p:spPr bwMode="auto">
+          <a:xfrm>
+            <a:off x="1475229" y="914400"/>
+            <a:ext cx="7387590" cy="5276850"/>
+          </a:xfrm>
+          <a:prstGeom prst="rect">
+            <a:avLst/>
+          </a:prstGeom>
+          <a:noFill/>
+          <a:extLst>
+            <a:ext uri="{909E8E84-426E-40DD-AFC4-6F175D3DCCD1}">
+              <a14:hiddenFill xmlns:a14="http://schemas.microsoft.com/office/drawing/2010/main">
+                <a:solidFill>
+                  <a:srgbClr val="FFFFFF"/>
+                </a:solidFill>
+              </a14:hiddenFill>
+            </a:ext>
+          </a:extLst>
+        </p:spPr>
+      </p:pic>
+    </p:spTree>
+    <p:extLst>
+      <p:ext uri="{BB962C8B-B14F-4D97-AF65-F5344CB8AC3E}">
+        <p14:creationId xmlns:p14="http://schemas.microsoft.com/office/powerpoint/2010/main" val="108491267"/>
+      </p:ext>
+    </p:extLst>
+  </p:cSld>
+  <p:clrMapOvr>
+    <a:masterClrMapping/>
+  </p:clrMapOvr>
+</p:sld>
+</file>
+
+<file path=ppt/slides/slide21.xml><?xml version="1.0" encoding="utf-8"?>
+<p:sld xmlns:a="http://schemas.openxmlformats.org/drawingml/2006/main" xmlns:r="http://schemas.openxmlformats.org/officeDocument/2006/relationships" xmlns:p="http://schemas.openxmlformats.org/presentationml/2006/main">
+  <p:cSld>
+    <p:spTree>
+      <p:nvGrpSpPr>
+        <p:cNvPr id="1" name=""/>
+        <p:cNvGrpSpPr/>
+        <p:nvPr/>
+      </p:nvGrpSpPr>
+      <p:grpSpPr>
+        <a:xfrm>
+          <a:off x="0" y="0"/>
+          <a:ext cx="0" cy="0"/>
+          <a:chOff x="0" y="0"/>
+          <a:chExt cx="0" cy="0"/>
+        </a:xfrm>
+      </p:grpSpPr>
+      <p:sp>
+        <p:nvSpPr>
+          <p:cNvPr id="2" name="內容版面配置區 1">
+            <a:extLst>
+              <a:ext uri="{FF2B5EF4-FFF2-40B4-BE49-F238E27FC236}">
+                <a16:creationId xmlns:a16="http://schemas.microsoft.com/office/drawing/2014/main" id="{4D308327-A129-48EE-94EF-6B74666B2744}"/>
+              </a:ext>
+            </a:extLst>
+          </p:cNvPr>
+          <p:cNvSpPr>
+            <a:spLocks noGrp="1"/>
+          </p:cNvSpPr>
+          <p:nvPr>
+            <p:ph idx="1"/>
+          </p:nvPr>
+        </p:nvSpPr>
+        <p:spPr>
+          <a:xfrm>
+            <a:off x="272480" y="764704"/>
+            <a:ext cx="4680520" cy="5616624"/>
+          </a:xfrm>
+        </p:spPr>
+        <p:txBody>
+          <a:bodyPr>
+            <a:normAutofit/>
+          </a:bodyPr>
+          <a:lstStyle/>
+          <a:p>
+            <a:r>
+              <a:rPr lang="en-US" altLang="zh-TW" dirty="0"/>
+              <a:t>Specification: </a:t>
+            </a:r>
+          </a:p>
+          <a:p>
+            <a:pPr lvl="1"/>
+            <a:r>
+              <a:rPr lang="en-US" altLang="zh-TW" b="0" dirty="0"/>
+              <a:t>CPU</a:t>
+            </a:r>
+          </a:p>
+          <a:p>
+            <a:pPr lvl="1"/>
+            <a:r>
+              <a:rPr lang="en-US" altLang="zh-TW" b="0" dirty="0"/>
+              <a:t>GPU</a:t>
+            </a:r>
+          </a:p>
+          <a:p>
+            <a:pPr lvl="1"/>
+            <a:r>
+              <a:rPr lang="en-US" altLang="zh-TW" b="0" dirty="0"/>
+              <a:t>Memory</a:t>
+            </a:r>
+          </a:p>
+          <a:p>
+            <a:r>
+              <a:rPr lang="en-US" altLang="zh-TW" dirty="0"/>
+              <a:t>Device: </a:t>
+            </a:r>
+          </a:p>
+          <a:p>
+            <a:pPr lvl="1"/>
+            <a:r>
+              <a:rPr lang="en-US" altLang="zh-TW" b="0" dirty="0"/>
+              <a:t>Computer</a:t>
+            </a:r>
+          </a:p>
+          <a:p>
+            <a:pPr lvl="1"/>
+            <a:r>
+              <a:rPr lang="en-US" altLang="zh-TW" b="0" dirty="0"/>
+              <a:t>Smart Phone</a:t>
+            </a:r>
+          </a:p>
+          <a:p>
+            <a:pPr lvl="1"/>
+            <a:r>
+              <a:rPr lang="en-US" b="0" dirty="0"/>
+              <a:t>Development Board (</a:t>
+            </a:r>
+            <a:r>
+              <a:rPr lang="en-US" b="0" dirty="0" err="1"/>
+              <a:t>RaspberryPi</a:t>
+            </a:r>
+            <a:r>
+              <a:rPr lang="en-US" b="0" dirty="0"/>
+              <a:t> or </a:t>
+            </a:r>
+            <a:r>
+              <a:rPr lang="en-US" b="0" dirty="0" err="1"/>
+              <a:t>JetsonNano</a:t>
+            </a:r>
+            <a:r>
+              <a:rPr lang="en-US" b="0" dirty="0"/>
+              <a:t>)</a:t>
+            </a:r>
+          </a:p>
+        </p:txBody>
+      </p:sp>
+      <p:sp>
+        <p:nvSpPr>
+          <p:cNvPr id="3" name="投影片編號版面配置區 2">
+            <a:extLst>
+              <a:ext uri="{FF2B5EF4-FFF2-40B4-BE49-F238E27FC236}">
+                <a16:creationId xmlns:a16="http://schemas.microsoft.com/office/drawing/2014/main" id="{82ED3DEA-7008-450C-815A-CD20FE52C48E}"/>
+              </a:ext>
+            </a:extLst>
+          </p:cNvPr>
+          <p:cNvSpPr>
+            <a:spLocks noGrp="1"/>
+          </p:cNvSpPr>
+          <p:nvPr>
+            <p:ph type="sldNum" sz="quarter" idx="12"/>
+          </p:nvPr>
+        </p:nvSpPr>
+        <p:spPr/>
+        <p:txBody>
+          <a:bodyPr/>
+          <a:lstStyle/>
+          <a:p>
+            <a:fld id="{8F4EACC7-37E3-43A5-A5FB-BEB9CE95D266}" type="slidenum">
+              <a:rPr lang="zh-TW" altLang="en-US" smtClean="0"/>
+              <a:pPr/>
+              <a:t>20</a:t>
+            </a:fld>
+            <a:endParaRPr lang="zh-TW" altLang="en-US"/>
+          </a:p>
+        </p:txBody>
+      </p:sp>
+      <p:sp>
+        <p:nvSpPr>
+          <p:cNvPr id="4" name="標題 3">
+            <a:extLst>
+              <a:ext uri="{FF2B5EF4-FFF2-40B4-BE49-F238E27FC236}">
+                <a16:creationId xmlns:a16="http://schemas.microsoft.com/office/drawing/2014/main" id="{1C0CCDEF-5627-4478-B61F-8D82400D252C}"/>
+              </a:ext>
+            </a:extLst>
+          </p:cNvPr>
+          <p:cNvSpPr>
+            <a:spLocks noGrp="1"/>
+          </p:cNvSpPr>
+          <p:nvPr>
+            <p:ph type="title"/>
+          </p:nvPr>
+        </p:nvSpPr>
+        <p:spPr/>
+        <p:txBody>
+          <a:bodyPr/>
+          <a:lstStyle/>
+          <a:p>
+            <a:r>
+              <a:rPr lang="en-US" altLang="zh-TW" dirty="0"/>
+              <a:t>D</a:t>
+            </a:r>
+            <a:r>
+              <a:rPr lang="en-US" dirty="0"/>
+              <a:t>eployment</a:t>
+            </a:r>
+          </a:p>
+        </p:txBody>
+      </p:sp>
+      <p:sp>
+        <p:nvSpPr>
+          <p:cNvPr id="6" name="內容版面配置區 1">
+            <a:extLst>
+              <a:ext uri="{FF2B5EF4-FFF2-40B4-BE49-F238E27FC236}">
+                <a16:creationId xmlns:a16="http://schemas.microsoft.com/office/drawing/2014/main" id="{A08D7970-9E63-4BD5-B0D6-8AD1FED4BB9C}"/>
+              </a:ext>
+            </a:extLst>
+          </p:cNvPr>
+          <p:cNvSpPr txBox="1">
+            <a:spLocks/>
+          </p:cNvSpPr>
+          <p:nvPr/>
+        </p:nvSpPr>
+        <p:spPr bwMode="ltGray">
+          <a:xfrm>
+            <a:off x="4730417" y="620688"/>
+            <a:ext cx="4680520" cy="5760640"/>
+          </a:xfrm>
+          <a:prstGeom prst="rect">
+            <a:avLst/>
+          </a:prstGeom>
+        </p:spPr>
+        <p:txBody>
+          <a:bodyPr vert="horz" lIns="91440" tIns="45720" rIns="91440" bIns="45720" rtlCol="0">
+            <a:normAutofit/>
+          </a:bodyPr>
+          <a:lstStyle>
+            <a:lvl1pPr marL="342900" indent="-342900" algn="l" defTabSz="914400" rtl="0" eaLnBrk="1" latinLnBrk="0" hangingPunct="1">
+              <a:lnSpc>
+                <a:spcPct val="100000"/>
+              </a:lnSpc>
+              <a:spcBef>
+                <a:spcPts val="600"/>
+              </a:spcBef>
+              <a:spcAft>
+                <a:spcPts val="600"/>
+              </a:spcAft>
+              <a:buClr>
+                <a:schemeClr val="accent1"/>
+              </a:buClr>
+              <a:buFont typeface="Arial" pitchFamily="34" charset="0"/>
+              <a:buChar char="•"/>
+              <a:defRPr sz="2800" b="1" kern="1200">
+                <a:solidFill>
+                  <a:srgbClr val="393939"/>
+                </a:solidFill>
+                <a:latin typeface="微軟正黑體" pitchFamily="34" charset="-120"/>
+                <a:ea typeface="微軟正黑體" pitchFamily="34" charset="-120"/>
+                <a:cs typeface="+mn-cs"/>
+              </a:defRPr>
+            </a:lvl1pPr>
+            <a:lvl2pPr marL="714375" indent="-352425" algn="l" defTabSz="914400" rtl="0" eaLnBrk="1" latinLnBrk="0" hangingPunct="1">
+              <a:lnSpc>
+                <a:spcPct val="100000"/>
+              </a:lnSpc>
+              <a:spcBef>
+                <a:spcPts val="600"/>
+              </a:spcBef>
+              <a:spcAft>
+                <a:spcPts val="600"/>
+              </a:spcAft>
+              <a:buClr>
+                <a:schemeClr val="accent2"/>
+              </a:buClr>
+              <a:buFont typeface="Arial" pitchFamily="34" charset="0"/>
+              <a:buChar char="–"/>
+              <a:defRPr sz="2400" b="1" kern="1200">
+                <a:solidFill>
+                  <a:srgbClr val="393939"/>
+                </a:solidFill>
+                <a:latin typeface="微軟正黑體" pitchFamily="34" charset="-120"/>
+                <a:ea typeface="微軟正黑體" pitchFamily="34" charset="-120"/>
+                <a:cs typeface="+mn-cs"/>
+              </a:defRPr>
+            </a:lvl2pPr>
+            <a:lvl3pPr marL="1076325" indent="-266700" algn="l" defTabSz="914400" rtl="0" eaLnBrk="1" latinLnBrk="0" hangingPunct="1">
+              <a:lnSpc>
+                <a:spcPct val="100000"/>
+              </a:lnSpc>
+              <a:spcBef>
+                <a:spcPts val="600"/>
+              </a:spcBef>
+              <a:spcAft>
+                <a:spcPts val="600"/>
+              </a:spcAft>
+              <a:buClr>
+                <a:schemeClr val="accent3"/>
+              </a:buClr>
+              <a:buFont typeface="Arial" pitchFamily="34" charset="0"/>
+              <a:buChar char="•"/>
+              <a:defRPr sz="2000" kern="1200">
+                <a:solidFill>
+                  <a:srgbClr val="393939"/>
+                </a:solidFill>
+                <a:latin typeface="微軟正黑體" pitchFamily="34" charset="-120"/>
+                <a:ea typeface="微軟正黑體" pitchFamily="34" charset="-120"/>
+                <a:cs typeface="+mn-cs"/>
+              </a:defRPr>
+            </a:lvl3pPr>
+            <a:lvl4pPr marL="1343025" indent="-180975" algn="l" defTabSz="914400" rtl="0" eaLnBrk="1" latinLnBrk="0" hangingPunct="1">
+              <a:lnSpc>
+                <a:spcPct val="100000"/>
+              </a:lnSpc>
+              <a:spcBef>
+                <a:spcPts val="600"/>
+              </a:spcBef>
+              <a:spcAft>
+                <a:spcPts val="600"/>
+              </a:spcAft>
+              <a:buClr>
+                <a:schemeClr val="accent4"/>
+              </a:buClr>
+              <a:buFont typeface="Arial" pitchFamily="34" charset="0"/>
+              <a:buChar char="–"/>
+              <a:defRPr sz="1800" kern="1200">
+                <a:solidFill>
+                  <a:srgbClr val="393939"/>
+                </a:solidFill>
+                <a:latin typeface="微軟正黑體" pitchFamily="34" charset="-120"/>
+                <a:ea typeface="微軟正黑體" pitchFamily="34" charset="-120"/>
+                <a:cs typeface="+mn-cs"/>
+              </a:defRPr>
+            </a:lvl4pPr>
+            <a:lvl5pPr marL="1619250" indent="-276225" algn="l" defTabSz="914400" rtl="0" eaLnBrk="1" latinLnBrk="0" hangingPunct="1">
+              <a:lnSpc>
+                <a:spcPct val="100000"/>
+              </a:lnSpc>
+              <a:spcBef>
+                <a:spcPts val="600"/>
+              </a:spcBef>
+              <a:spcAft>
+                <a:spcPts val="600"/>
+              </a:spcAft>
+              <a:buClr>
+                <a:schemeClr val="accent5"/>
+              </a:buClr>
+              <a:buFont typeface="Arial" pitchFamily="34" charset="0"/>
+              <a:buChar char="»"/>
+              <a:tabLst>
+                <a:tab pos="7981950" algn="l"/>
+              </a:tabLst>
+              <a:defRPr sz="1800" kern="1200">
+                <a:solidFill>
+                  <a:srgbClr val="393939"/>
+                </a:solidFill>
+                <a:latin typeface="微軟正黑體" pitchFamily="34" charset="-120"/>
+                <a:ea typeface="微軟正黑體" pitchFamily="34" charset="-120"/>
+                <a:cs typeface="+mn-cs"/>
+              </a:defRPr>
+            </a:lvl5pPr>
+            <a:lvl6pPr marL="2514600" indent="-228600" algn="l" defTabSz="914400" rtl="0" eaLnBrk="1" latinLnBrk="0" hangingPunct="1">
+              <a:spcBef>
+                <a:spcPct val="20000"/>
+              </a:spcBef>
+              <a:buFont typeface="Arial" pitchFamily="34" charset="0"/>
+              <a:buChar char="•"/>
+              <a:defRPr sz="2000" kern="1200">
+                <a:solidFill>
+                  <a:schemeClr val="tx1"/>
+                </a:solidFill>
+                <a:latin typeface="+mn-lt"/>
+                <a:ea typeface="+mn-ea"/>
+                <a:cs typeface="+mn-cs"/>
+              </a:defRPr>
+            </a:lvl6pPr>
+            <a:lvl7pPr marL="2971800" indent="-228600" algn="l" defTabSz="914400" rtl="0" eaLnBrk="1" latinLnBrk="0" hangingPunct="1">
+              <a:spcBef>
+                <a:spcPct val="20000"/>
+              </a:spcBef>
+              <a:buFont typeface="Arial" pitchFamily="34" charset="0"/>
+              <a:buChar char="•"/>
+              <a:defRPr sz="2000" kern="1200">
+                <a:solidFill>
+                  <a:schemeClr val="tx1"/>
+                </a:solidFill>
+                <a:latin typeface="+mn-lt"/>
+                <a:ea typeface="+mn-ea"/>
+                <a:cs typeface="+mn-cs"/>
+              </a:defRPr>
+            </a:lvl7pPr>
+            <a:lvl8pPr marL="3429000" indent="-228600" algn="l" defTabSz="914400" rtl="0" eaLnBrk="1" latinLnBrk="0" hangingPunct="1">
+              <a:spcBef>
+                <a:spcPct val="20000"/>
+              </a:spcBef>
+              <a:buFont typeface="Arial" pitchFamily="34" charset="0"/>
+              <a:buChar char="•"/>
+              <a:defRPr sz="2000" kern="1200">
+                <a:solidFill>
+                  <a:schemeClr val="tx1"/>
+                </a:solidFill>
+                <a:latin typeface="+mn-lt"/>
+                <a:ea typeface="+mn-ea"/>
+                <a:cs typeface="+mn-cs"/>
+              </a:defRPr>
+            </a:lvl8pPr>
+            <a:lvl9pPr marL="3886200" indent="-228600" algn="l" defTabSz="914400" rtl="0" eaLnBrk="1" latinLnBrk="0" hangingPunct="1">
+              <a:spcBef>
+                <a:spcPct val="20000"/>
+              </a:spcBef>
+              <a:buFont typeface="Arial" pitchFamily="34" charset="0"/>
+              <a:buChar char="•"/>
+              <a:defRPr sz="2000" kern="1200">
+                <a:solidFill>
+                  <a:schemeClr val="tx1"/>
+                </a:solidFill>
+                <a:latin typeface="+mn-lt"/>
+                <a:ea typeface="+mn-ea"/>
+                <a:cs typeface="+mn-cs"/>
+              </a:defRPr>
+            </a:lvl9pPr>
+          </a:lstStyle>
+          <a:p>
+            <a:r>
+              <a:rPr lang="en-US" dirty="0"/>
+              <a:t>Access Software: </a:t>
+            </a:r>
+          </a:p>
+          <a:p>
+            <a:pPr lvl="1"/>
+            <a:r>
+              <a:rPr lang="en-US" b="0" dirty="0"/>
+              <a:t>Desktop App</a:t>
+            </a:r>
+          </a:p>
+          <a:p>
+            <a:pPr lvl="1"/>
+            <a:r>
+              <a:rPr lang="en-US" b="0" dirty="0"/>
+              <a:t>Website</a:t>
+            </a:r>
+          </a:p>
+          <a:p>
+            <a:pPr lvl="1"/>
+            <a:r>
+              <a:rPr lang="en-US" b="0" dirty="0"/>
+              <a:t>Docker Container</a:t>
+            </a:r>
+          </a:p>
+          <a:p>
+            <a:pPr lvl="1"/>
+            <a:r>
+              <a:rPr lang="en-US" b="0" dirty="0"/>
+              <a:t>Smart Phone App</a:t>
+            </a:r>
+            <a:endParaRPr lang="en-US" dirty="0"/>
+          </a:p>
+          <a:p>
+            <a:r>
+              <a:rPr lang="en-US" dirty="0"/>
+              <a:t>System:</a:t>
+            </a:r>
+          </a:p>
+          <a:p>
+            <a:pPr lvl="1"/>
+            <a:r>
+              <a:rPr lang="en-US" b="0" dirty="0"/>
+              <a:t>Windows</a:t>
+            </a:r>
+          </a:p>
+          <a:p>
+            <a:pPr lvl="1"/>
+            <a:r>
+              <a:rPr lang="en-US" b="0" dirty="0"/>
+              <a:t>Ubuntu</a:t>
+            </a:r>
+          </a:p>
+          <a:p>
+            <a:pPr lvl="1"/>
+            <a:r>
+              <a:rPr lang="en-US" b="0" dirty="0"/>
+              <a:t>Centos</a:t>
+            </a:r>
+          </a:p>
+        </p:txBody>
+      </p:sp>
+    </p:spTree>
+    <p:extLst>
+      <p:ext uri="{BB962C8B-B14F-4D97-AF65-F5344CB8AC3E}">
+        <p14:creationId xmlns:p14="http://schemas.microsoft.com/office/powerpoint/2010/main" val="4238824339"/>
+      </p:ext>
+    </p:extLst>
+  </p:cSld>
+  <p:clrMapOvr>
+    <a:masterClrMapping/>
+  </p:clrMapOvr>
+</p:sld>
+</file>
+
+<file path=ppt/slides/slide22.xml><?xml version="1.0" encoding="utf-8"?>
+<p:sld xmlns:a="http://schemas.openxmlformats.org/drawingml/2006/main" xmlns:r="http://schemas.openxmlformats.org/officeDocument/2006/relationships" xmlns:p="http://schemas.openxmlformats.org/presentationml/2006/main">
+  <p:cSld>
+    <p:spTree>
+      <p:nvGrpSpPr>
+        <p:cNvPr id="1" name=""/>
+        <p:cNvGrpSpPr/>
+        <p:nvPr/>
+      </p:nvGrpSpPr>
+      <p:grpSpPr>
+        <a:xfrm>
+          <a:off x="0" y="0"/>
+          <a:ext cx="0" cy="0"/>
+          <a:chOff x="0" y="0"/>
+          <a:chExt cx="0" cy="0"/>
+        </a:xfrm>
+      </p:grpSpPr>
+      <p:sp>
+        <p:nvSpPr>
+          <p:cNvPr id="2" name="文字方塊 1"/>
+          <p:cNvSpPr txBox="1"/>
+          <p:nvPr/>
+        </p:nvSpPr>
+        <p:spPr>
+          <a:xfrm>
+            <a:off x="3512840" y="2996952"/>
+            <a:ext cx="2880320" cy="720080"/>
+          </a:xfrm>
+          <a:prstGeom prst="rect">
+            <a:avLst/>
+          </a:prstGeom>
+          <a:noFill/>
+        </p:spPr>
+        <p:txBody>
+          <a:bodyPr wrap="square" rtlCol="0">
+            <a:spAutoFit/>
+          </a:bodyPr>
+          <a:lstStyle/>
+          <a:p>
+            <a:r>
+              <a:rPr lang="en-US" altLang="zh-TW" sz="4000" dirty="0">
+                <a:solidFill>
+                  <a:schemeClr val="accent1"/>
+                </a:solidFill>
+              </a:rPr>
+              <a:t>T</a:t>
+            </a:r>
+            <a:r>
+              <a:rPr lang="en-US" altLang="zh-TW" sz="4000" dirty="0">
+                <a:solidFill>
+                  <a:schemeClr val="accent2"/>
+                </a:solidFill>
+              </a:rPr>
+              <a:t>h</a:t>
+            </a:r>
+            <a:r>
+              <a:rPr lang="en-US" altLang="zh-TW" sz="4000" dirty="0">
+                <a:solidFill>
+                  <a:schemeClr val="accent3"/>
+                </a:solidFill>
+              </a:rPr>
+              <a:t>a</a:t>
+            </a:r>
+            <a:r>
+              <a:rPr lang="en-US" altLang="zh-TW" sz="4000" dirty="0">
+                <a:solidFill>
+                  <a:schemeClr val="accent4"/>
+                </a:solidFill>
+              </a:rPr>
+              <a:t>n</a:t>
+            </a:r>
+            <a:r>
+              <a:rPr lang="en-US" altLang="zh-TW" sz="4000" dirty="0">
+                <a:solidFill>
+                  <a:schemeClr val="accent5"/>
+                </a:solidFill>
+              </a:rPr>
+              <a:t>k</a:t>
+            </a:r>
+            <a:r>
+              <a:rPr lang="en-US" altLang="zh-TW" sz="4000" dirty="0">
+                <a:solidFill>
+                  <a:schemeClr val="tx1">
+                    <a:lumMod val="75000"/>
+                  </a:schemeClr>
+                </a:solidFill>
+              </a:rPr>
+              <a:t> </a:t>
+            </a:r>
+            <a:r>
+              <a:rPr lang="en-US" altLang="zh-TW" sz="4000" dirty="0">
+                <a:solidFill>
+                  <a:schemeClr val="accent6"/>
+                </a:solidFill>
+              </a:rPr>
+              <a:t>y</a:t>
+            </a:r>
+            <a:r>
+              <a:rPr lang="en-US" altLang="zh-TW" sz="4000" dirty="0">
+                <a:solidFill>
+                  <a:schemeClr val="accent1"/>
+                </a:solidFill>
+              </a:rPr>
+              <a:t>o</a:t>
+            </a:r>
+            <a:r>
+              <a:rPr lang="en-US" altLang="zh-TW" sz="4000" dirty="0">
+                <a:solidFill>
+                  <a:schemeClr val="accent3"/>
+                </a:solidFill>
+              </a:rPr>
+              <a:t>u</a:t>
+            </a:r>
+            <a:endParaRPr lang="zh-TW" altLang="en-US" sz="4000" dirty="0" err="1">
+              <a:solidFill>
+                <a:schemeClr val="accent3"/>
+              </a:solidFill>
+            </a:endParaRPr>
+          </a:p>
+        </p:txBody>
+      </p:sp>
+    </p:spTree>
+    <p:extLst>
+      <p:ext uri="{BB962C8B-B14F-4D97-AF65-F5344CB8AC3E}">
+        <p14:creationId xmlns:p14="http://schemas.microsoft.com/office/powerpoint/2010/main" val="4034723819"/>
       </p:ext>
     </p:extLst>
   </p:cSld>

--- a/01_MLIntroduction/01_MLIntroduction.pptx
+++ b/01_MLIntroduction/01_MLIntroduction.pptx
@@ -232,7 +232,7 @@
           <a:p>
             <a:fld id="{05BF5AB9-3463-4E65-AFD3-5431B79ADFDC}" type="datetimeFigureOut">
               <a:rPr lang="zh-TW" altLang="en-US" smtClean="0"/>
-              <a:t>2020/5/31</a:t>
+              <a:t>2020/7/24</a:t>
             </a:fld>
             <a:endParaRPr lang="zh-TW" altLang="en-US"/>
           </a:p>
@@ -397,7 +397,7 @@
           <a:p>
             <a:fld id="{838FF680-7B6B-4655-B6A1-33A8AD0AE8B4}" type="datetimeFigureOut">
               <a:rPr lang="zh-TW" altLang="en-US" smtClean="0"/>
-              <a:t>2020/5/31</a:t>
+              <a:t>2020/7/24</a:t>
             </a:fld>
             <a:endParaRPr lang="zh-TW" altLang="en-US"/>
           </a:p>
@@ -5735,7 +5735,7 @@
           <p:nvPr>
             <p:extLst>
               <p:ext uri="{D42A27DB-BD31-4B8C-83A1-F6EECF244321}">
-                <p14:modId xmlns:p14="http://schemas.microsoft.com/office/powerpoint/2010/main" val="1461819279"/>
+                <p14:modId xmlns:p14="http://schemas.microsoft.com/office/powerpoint/2010/main" val="1850755572"/>
               </p:ext>
             </p:extLst>
           </p:nvPr>
@@ -6050,8 +6050,8 @@
                         <a:buNone/>
                       </a:pPr>
                       <a:r>
-                        <a:rPr lang="en-US" sz="2000"/>
-                        <a:t>TN</a:t>
+                        <a:rPr lang="en-US" sz="2000" dirty="0"/>
+                        <a:t>FN</a:t>
                       </a:r>
                       <a:endParaRPr sz="2000" dirty="0"/>
                     </a:p>
@@ -6137,7 +6137,7 @@
                       </a:pPr>
                       <a:r>
                         <a:rPr lang="en-US" sz="2000" dirty="0"/>
-                        <a:t>FN</a:t>
+                        <a:t>TN</a:t>
                       </a:r>
                       <a:endParaRPr sz="2000" dirty="0"/>
                     </a:p>

--- a/01_MLIntroduction/01_MLIntroduction.pptx
+++ b/01_MLIntroduction/01_MLIntroduction.pptx
@@ -133,7 +133,7 @@
   </p:defaultTextStyle>
   <p:extLst>
     <p:ext uri="{EFAFB233-063F-42B5-8137-9DF3F51BA10A}">
-      <p15:sldGuideLst xmlns:p15="http://schemas.microsoft.com/office/powerpoint/2012/main">
+      <p15:sldGuideLst xmlns:p15="http://schemas.microsoft.com/office/powerpoint/2012/main" xmlns="">
         <p15:guide id="1" orient="horz" pos="2160">
           <p15:clr>
             <a:srgbClr val="A4A3A4"/>
@@ -232,7 +232,7 @@
           <a:p>
             <a:fld id="{05BF5AB9-3463-4E65-AFD3-5431B79ADFDC}" type="datetimeFigureOut">
               <a:rPr lang="zh-TW" altLang="en-US" smtClean="0"/>
-              <a:t>2020/7/24</a:t>
+              <a:t>2021/7/20</a:t>
             </a:fld>
             <a:endParaRPr lang="zh-TW" altLang="en-US"/>
           </a:p>
@@ -397,7 +397,7 @@
           <a:p>
             <a:fld id="{838FF680-7B6B-4655-B6A1-33A8AD0AE8B4}" type="datetimeFigureOut">
               <a:rPr lang="zh-TW" altLang="en-US" smtClean="0"/>
-              <a:t>2020/7/24</a:t>
+              <a:t>2021/7/20</a:t>
             </a:fld>
             <a:endParaRPr lang="zh-TW" altLang="en-US"/>
           </a:p>
@@ -3034,7 +3034,7 @@
   </p:clrMapOvr>
   <p:extLst>
     <p:ext uri="{DCECCB84-F9BA-43D5-87BE-67443E8EF086}">
-      <p15:sldGuideLst xmlns:p15="http://schemas.microsoft.com/office/powerpoint/2012/main">
+      <p15:sldGuideLst xmlns:p15="http://schemas.microsoft.com/office/powerpoint/2012/main" xmlns="">
         <p15:guide id="1" orient="horz" pos="2160">
           <p15:clr>
             <a:srgbClr val="FBAE40"/>
@@ -5289,7 +5289,7 @@
           <p:cNvPr id="2" name="內容版面配置區 1">
             <a:extLst>
               <a:ext uri="{FF2B5EF4-FFF2-40B4-BE49-F238E27FC236}">
-                <a16:creationId xmlns:a16="http://schemas.microsoft.com/office/drawing/2014/main" id="{2DC0A14E-0E52-4B6A-B05D-B73A466F087F}"/>
+                <a16:creationId xmlns:a16="http://schemas.microsoft.com/office/drawing/2014/main" xmlns="" id="{2DC0A14E-0E52-4B6A-B05D-B73A466F087F}"/>
               </a:ext>
             </a:extLst>
           </p:cNvPr>
@@ -5571,7 +5571,7 @@
           <p:cNvPr id="3" name="投影片編號版面配置區 2">
             <a:extLst>
               <a:ext uri="{FF2B5EF4-FFF2-40B4-BE49-F238E27FC236}">
-                <a16:creationId xmlns:a16="http://schemas.microsoft.com/office/drawing/2014/main" id="{20147B24-B86E-4BC9-B570-97514F85E782}"/>
+                <a16:creationId xmlns:a16="http://schemas.microsoft.com/office/drawing/2014/main" xmlns="" id="{20147B24-B86E-4BC9-B570-97514F85E782}"/>
               </a:ext>
             </a:extLst>
           </p:cNvPr>
@@ -5601,7 +5601,7 @@
           <p:cNvPr id="4" name="標題 3">
             <a:extLst>
               <a:ext uri="{FF2B5EF4-FFF2-40B4-BE49-F238E27FC236}">
-                <a16:creationId xmlns:a16="http://schemas.microsoft.com/office/drawing/2014/main" id="{0C60A9C2-2C22-43A0-9344-FF687FDED332}"/>
+                <a16:creationId xmlns:a16="http://schemas.microsoft.com/office/drawing/2014/main" xmlns="" id="{0C60A9C2-2C22-43A0-9344-FF687FDED332}"/>
               </a:ext>
             </a:extLst>
           </p:cNvPr>
@@ -5659,7 +5659,7 @@
           <p:cNvPr id="3" name="投影片編號版面配置區 2">
             <a:extLst>
               <a:ext uri="{FF2B5EF4-FFF2-40B4-BE49-F238E27FC236}">
-                <a16:creationId xmlns:a16="http://schemas.microsoft.com/office/drawing/2014/main" id="{3CF3FBB4-BC4C-4101-B774-2BF44860C0B0}"/>
+                <a16:creationId xmlns:a16="http://schemas.microsoft.com/office/drawing/2014/main" xmlns="" id="{3CF3FBB4-BC4C-4101-B774-2BF44860C0B0}"/>
               </a:ext>
             </a:extLst>
           </p:cNvPr>
@@ -5689,7 +5689,7 @@
           <p:cNvPr id="4" name="標題 3">
             <a:extLst>
               <a:ext uri="{FF2B5EF4-FFF2-40B4-BE49-F238E27FC236}">
-                <a16:creationId xmlns:a16="http://schemas.microsoft.com/office/drawing/2014/main" id="{EBC9B6AA-A60F-4641-86EA-C3C5EBB77E14}"/>
+                <a16:creationId xmlns:a16="http://schemas.microsoft.com/office/drawing/2014/main" xmlns="" id="{EBC9B6AA-A60F-4641-86EA-C3C5EBB77E14}"/>
               </a:ext>
             </a:extLst>
           </p:cNvPr>
@@ -5727,7 +5727,7 @@
           <p:cNvPr id="5" name="Google Shape;206;p26">
             <a:extLst>
               <a:ext uri="{FF2B5EF4-FFF2-40B4-BE49-F238E27FC236}">
-                <a16:creationId xmlns:a16="http://schemas.microsoft.com/office/drawing/2014/main" id="{62BBF9E1-FA66-4ED3-A95A-A2BF73DCA3EC}"/>
+                <a16:creationId xmlns:a16="http://schemas.microsoft.com/office/drawing/2014/main" xmlns="" id="{62BBF9E1-FA66-4ED3-A95A-A2BF73DCA3EC}"/>
               </a:ext>
             </a:extLst>
           </p:cNvPr>
@@ -5754,28 +5754,28 @@
                 <a:gridCol w="338404">
                   <a:extLst>
                     <a:ext uri="{9D8B030D-6E8A-4147-A177-3AD203B41FA5}">
-                      <a16:colId xmlns:a16="http://schemas.microsoft.com/office/drawing/2014/main" val="20000"/>
+                      <a16:colId xmlns:a16="http://schemas.microsoft.com/office/drawing/2014/main" xmlns="" val="20000"/>
                     </a:ext>
                   </a:extLst>
                 </a:gridCol>
                 <a:gridCol w="1237429">
                   <a:extLst>
                     <a:ext uri="{9D8B030D-6E8A-4147-A177-3AD203B41FA5}">
-                      <a16:colId xmlns:a16="http://schemas.microsoft.com/office/drawing/2014/main" val="20001"/>
+                      <a16:colId xmlns:a16="http://schemas.microsoft.com/office/drawing/2014/main" xmlns="" val="20001"/>
                     </a:ext>
                   </a:extLst>
                 </a:gridCol>
                 <a:gridCol w="1237429">
                   <a:extLst>
                     <a:ext uri="{9D8B030D-6E8A-4147-A177-3AD203B41FA5}">
-                      <a16:colId xmlns:a16="http://schemas.microsoft.com/office/drawing/2014/main" val="20002"/>
+                      <a16:colId xmlns:a16="http://schemas.microsoft.com/office/drawing/2014/main" xmlns="" val="20002"/>
                     </a:ext>
                   </a:extLst>
                 </a:gridCol>
                 <a:gridCol w="1237429">
                   <a:extLst>
                     <a:ext uri="{9D8B030D-6E8A-4147-A177-3AD203B41FA5}">
-                      <a16:colId xmlns:a16="http://schemas.microsoft.com/office/drawing/2014/main" val="20003"/>
+                      <a16:colId xmlns:a16="http://schemas.microsoft.com/office/drawing/2014/main" xmlns="" val="20003"/>
                     </a:ext>
                   </a:extLst>
                 </a:gridCol>
@@ -5858,7 +5858,7 @@
                 </a:tc>
                 <a:extLst>
                   <a:ext uri="{0D108BD9-81ED-4DB2-BD59-A6C34878D82A}">
-                    <a16:rowId xmlns:a16="http://schemas.microsoft.com/office/drawing/2014/main" val="10000"/>
+                    <a16:rowId xmlns:a16="http://schemas.microsoft.com/office/drawing/2014/main" xmlns="" val="10000"/>
                   </a:ext>
                 </a:extLst>
               </a:tr>
@@ -5949,7 +5949,7 @@
                 </a:tc>
                 <a:extLst>
                   <a:ext uri="{0D108BD9-81ED-4DB2-BD59-A6C34878D82A}">
-                    <a16:rowId xmlns:a16="http://schemas.microsoft.com/office/drawing/2014/main" val="10001"/>
+                    <a16:rowId xmlns:a16="http://schemas.microsoft.com/office/drawing/2014/main" xmlns="" val="10001"/>
                   </a:ext>
                 </a:extLst>
               </a:tr>
@@ -6060,7 +6060,7 @@
                 </a:tc>
                 <a:extLst>
                   <a:ext uri="{0D108BD9-81ED-4DB2-BD59-A6C34878D82A}">
-                    <a16:rowId xmlns:a16="http://schemas.microsoft.com/office/drawing/2014/main" val="10002"/>
+                    <a16:rowId xmlns:a16="http://schemas.microsoft.com/office/drawing/2014/main" xmlns="" val="10002"/>
                   </a:ext>
                 </a:extLst>
               </a:tr>
@@ -6146,7 +6146,7 @@
                 </a:tc>
                 <a:extLst>
                   <a:ext uri="{0D108BD9-81ED-4DB2-BD59-A6C34878D82A}">
-                    <a16:rowId xmlns:a16="http://schemas.microsoft.com/office/drawing/2014/main" val="10003"/>
+                    <a16:rowId xmlns:a16="http://schemas.microsoft.com/office/drawing/2014/main" xmlns="" val="10003"/>
                   </a:ext>
                 </a:extLst>
               </a:tr>
@@ -6159,7 +6159,7 @@
           <p:cNvPr id="6" name="Google Shape;207;p26">
             <a:extLst>
               <a:ext uri="{FF2B5EF4-FFF2-40B4-BE49-F238E27FC236}">
-                <a16:creationId xmlns:a16="http://schemas.microsoft.com/office/drawing/2014/main" id="{FAEBAF56-713F-4952-AF28-BA0E5F9FB588}"/>
+                <a16:creationId xmlns:a16="http://schemas.microsoft.com/office/drawing/2014/main" xmlns="" id="{FAEBAF56-713F-4952-AF28-BA0E5F9FB588}"/>
               </a:ext>
             </a:extLst>
           </p:cNvPr>
@@ -6192,7 +6192,7 @@
           <p:cNvPr id="7" name="Google Shape;208;p26">
             <a:extLst>
               <a:ext uri="{FF2B5EF4-FFF2-40B4-BE49-F238E27FC236}">
-                <a16:creationId xmlns:a16="http://schemas.microsoft.com/office/drawing/2014/main" id="{BCE6C324-51DE-45FE-8F77-2256B82E4434}"/>
+                <a16:creationId xmlns:a16="http://schemas.microsoft.com/office/drawing/2014/main" xmlns="" id="{BCE6C324-51DE-45FE-8F77-2256B82E4434}"/>
               </a:ext>
             </a:extLst>
           </p:cNvPr>
@@ -6262,7 +6262,7 @@
           <p:cNvPr id="3" name="投影片編號版面配置區 2">
             <a:extLst>
               <a:ext uri="{FF2B5EF4-FFF2-40B4-BE49-F238E27FC236}">
-                <a16:creationId xmlns:a16="http://schemas.microsoft.com/office/drawing/2014/main" id="{4A3CC275-B456-456A-AD7E-7660FFAA2691}"/>
+                <a16:creationId xmlns:a16="http://schemas.microsoft.com/office/drawing/2014/main" xmlns="" id="{4A3CC275-B456-456A-AD7E-7660FFAA2691}"/>
               </a:ext>
             </a:extLst>
           </p:cNvPr>
@@ -6292,7 +6292,7 @@
           <p:cNvPr id="4" name="標題 3">
             <a:extLst>
               <a:ext uri="{FF2B5EF4-FFF2-40B4-BE49-F238E27FC236}">
-                <a16:creationId xmlns:a16="http://schemas.microsoft.com/office/drawing/2014/main" id="{69C28037-B303-4700-AFB1-E4CE617346DA}"/>
+                <a16:creationId xmlns:a16="http://schemas.microsoft.com/office/drawing/2014/main" xmlns="" id="{69C28037-B303-4700-AFB1-E4CE617346DA}"/>
               </a:ext>
             </a:extLst>
           </p:cNvPr>
@@ -6330,7 +6330,7 @@
           <p:cNvPr id="5" name="Google Shape;101;p14">
             <a:extLst>
               <a:ext uri="{FF2B5EF4-FFF2-40B4-BE49-F238E27FC236}">
-                <a16:creationId xmlns:a16="http://schemas.microsoft.com/office/drawing/2014/main" id="{3001ED66-359D-4D76-B389-FFAA87852486}"/>
+                <a16:creationId xmlns:a16="http://schemas.microsoft.com/office/drawing/2014/main" xmlns="" id="{3001ED66-359D-4D76-B389-FFAA87852486}"/>
               </a:ext>
             </a:extLst>
           </p:cNvPr>
@@ -6352,7 +6352,7 @@
             <p:cNvPr id="6" name="Google Shape;102;p14">
               <a:extLst>
                 <a:ext uri="{FF2B5EF4-FFF2-40B4-BE49-F238E27FC236}">
-                  <a16:creationId xmlns:a16="http://schemas.microsoft.com/office/drawing/2014/main" id="{C16B064E-47C1-4A17-A68C-9710329D274A}"/>
+                  <a16:creationId xmlns:a16="http://schemas.microsoft.com/office/drawing/2014/main" xmlns="" id="{C16B064E-47C1-4A17-A68C-9710329D274A}"/>
                 </a:ext>
               </a:extLst>
             </p:cNvPr>
@@ -6385,7 +6385,7 @@
             <p:cNvPr id="7" name="Google Shape;103;p14">
               <a:extLst>
                 <a:ext uri="{FF2B5EF4-FFF2-40B4-BE49-F238E27FC236}">
-                  <a16:creationId xmlns:a16="http://schemas.microsoft.com/office/drawing/2014/main" id="{810651BD-0709-4D21-8B8D-9C93CE9617C5}"/>
+                  <a16:creationId xmlns:a16="http://schemas.microsoft.com/office/drawing/2014/main" xmlns="" id="{810651BD-0709-4D21-8B8D-9C93CE9617C5}"/>
                 </a:ext>
               </a:extLst>
             </p:cNvPr>
@@ -6432,7 +6432,7 @@
           <p:cNvPr id="8" name="Google Shape;104;p14">
             <a:extLst>
               <a:ext uri="{FF2B5EF4-FFF2-40B4-BE49-F238E27FC236}">
-                <a16:creationId xmlns:a16="http://schemas.microsoft.com/office/drawing/2014/main" id="{03D294ED-61B5-4007-9221-514E71FED6AE}"/>
+                <a16:creationId xmlns:a16="http://schemas.microsoft.com/office/drawing/2014/main" xmlns="" id="{03D294ED-61B5-4007-9221-514E71FED6AE}"/>
               </a:ext>
             </a:extLst>
           </p:cNvPr>
@@ -6498,7 +6498,7 @@
           <p:cNvPr id="3" name="投影片編號版面配置區 2">
             <a:extLst>
               <a:ext uri="{FF2B5EF4-FFF2-40B4-BE49-F238E27FC236}">
-                <a16:creationId xmlns:a16="http://schemas.microsoft.com/office/drawing/2014/main" id="{7417B8A6-D48B-48EB-8FA6-B7713A64A6D4}"/>
+                <a16:creationId xmlns:a16="http://schemas.microsoft.com/office/drawing/2014/main" xmlns="" id="{7417B8A6-D48B-48EB-8FA6-B7713A64A6D4}"/>
               </a:ext>
             </a:extLst>
           </p:cNvPr>
@@ -6528,7 +6528,7 @@
           <p:cNvPr id="4" name="標題 3">
             <a:extLst>
               <a:ext uri="{FF2B5EF4-FFF2-40B4-BE49-F238E27FC236}">
-                <a16:creationId xmlns:a16="http://schemas.microsoft.com/office/drawing/2014/main" id="{DCEA1AF2-A972-4A95-990B-C1BEBFE1295D}"/>
+                <a16:creationId xmlns:a16="http://schemas.microsoft.com/office/drawing/2014/main" xmlns="" id="{DCEA1AF2-A972-4A95-990B-C1BEBFE1295D}"/>
               </a:ext>
             </a:extLst>
           </p:cNvPr>
@@ -6566,7 +6566,7 @@
           <p:cNvPr id="5" name="Google Shape;462;p39">
             <a:extLst>
               <a:ext uri="{FF2B5EF4-FFF2-40B4-BE49-F238E27FC236}">
-                <a16:creationId xmlns:a16="http://schemas.microsoft.com/office/drawing/2014/main" id="{6F9177BA-D420-4395-9E61-5E1DBF1501B1}"/>
+                <a16:creationId xmlns:a16="http://schemas.microsoft.com/office/drawing/2014/main" xmlns="" id="{6F9177BA-D420-4395-9E61-5E1DBF1501B1}"/>
               </a:ext>
             </a:extLst>
           </p:cNvPr>
@@ -6809,7 +6809,7 @@
           <p:cNvPr id="6" name="Google Shape;464;p39">
             <a:extLst>
               <a:ext uri="{FF2B5EF4-FFF2-40B4-BE49-F238E27FC236}">
-                <a16:creationId xmlns:a16="http://schemas.microsoft.com/office/drawing/2014/main" id="{B1A1F6E1-E848-4087-9383-808F6218AF7C}"/>
+                <a16:creationId xmlns:a16="http://schemas.microsoft.com/office/drawing/2014/main" xmlns="" id="{B1A1F6E1-E848-4087-9383-808F6218AF7C}"/>
               </a:ext>
             </a:extLst>
           </p:cNvPr>
@@ -6855,7 +6855,7 @@
           <p:cNvPr id="7" name="Google Shape;465;p39">
             <a:extLst>
               <a:ext uri="{FF2B5EF4-FFF2-40B4-BE49-F238E27FC236}">
-                <a16:creationId xmlns:a16="http://schemas.microsoft.com/office/drawing/2014/main" id="{A5937669-A01F-4789-9164-9FB573B65A56}"/>
+                <a16:creationId xmlns:a16="http://schemas.microsoft.com/office/drawing/2014/main" xmlns="" id="{A5937669-A01F-4789-9164-9FB573B65A56}"/>
               </a:ext>
             </a:extLst>
           </p:cNvPr>
@@ -6901,7 +6901,7 @@
           <p:cNvPr id="8" name="Google Shape;466;p39">
             <a:extLst>
               <a:ext uri="{FF2B5EF4-FFF2-40B4-BE49-F238E27FC236}">
-                <a16:creationId xmlns:a16="http://schemas.microsoft.com/office/drawing/2014/main" id="{6936DB68-2A34-4AFD-B4FC-375A7064100D}"/>
+                <a16:creationId xmlns:a16="http://schemas.microsoft.com/office/drawing/2014/main" xmlns="" id="{6936DB68-2A34-4AFD-B4FC-375A7064100D}"/>
               </a:ext>
             </a:extLst>
           </p:cNvPr>
@@ -6947,7 +6947,7 @@
           <p:cNvPr id="9" name="Google Shape;467;p39">
             <a:extLst>
               <a:ext uri="{FF2B5EF4-FFF2-40B4-BE49-F238E27FC236}">
-                <a16:creationId xmlns:a16="http://schemas.microsoft.com/office/drawing/2014/main" id="{E354B2B8-5153-4D89-995F-939BEB8D7361}"/>
+                <a16:creationId xmlns:a16="http://schemas.microsoft.com/office/drawing/2014/main" xmlns="" id="{E354B2B8-5153-4D89-995F-939BEB8D7361}"/>
               </a:ext>
             </a:extLst>
           </p:cNvPr>
@@ -7178,7 +7178,7 @@
           <p:cNvPr id="10" name="Google Shape;468;p39">
             <a:extLst>
               <a:ext uri="{FF2B5EF4-FFF2-40B4-BE49-F238E27FC236}">
-                <a16:creationId xmlns:a16="http://schemas.microsoft.com/office/drawing/2014/main" id="{23669E01-0918-4D2E-990C-2D662B422A4E}"/>
+                <a16:creationId xmlns:a16="http://schemas.microsoft.com/office/drawing/2014/main" xmlns="" id="{23669E01-0918-4D2E-990C-2D662B422A4E}"/>
               </a:ext>
             </a:extLst>
           </p:cNvPr>
@@ -7421,7 +7421,7 @@
           <p:cNvPr id="11" name="Google Shape;469;p39">
             <a:extLst>
               <a:ext uri="{FF2B5EF4-FFF2-40B4-BE49-F238E27FC236}">
-                <a16:creationId xmlns:a16="http://schemas.microsoft.com/office/drawing/2014/main" id="{E75E704B-1B39-45E2-8C58-3506A8CA14B6}"/>
+                <a16:creationId xmlns:a16="http://schemas.microsoft.com/office/drawing/2014/main" xmlns="" id="{E75E704B-1B39-45E2-8C58-3506A8CA14B6}"/>
               </a:ext>
             </a:extLst>
           </p:cNvPr>
@@ -7455,7 +7455,7 @@
           <p:cNvPr id="12" name="Google Shape;476;p40">
             <a:extLst>
               <a:ext uri="{FF2B5EF4-FFF2-40B4-BE49-F238E27FC236}">
-                <a16:creationId xmlns:a16="http://schemas.microsoft.com/office/drawing/2014/main" id="{25326D58-11E3-45C6-A39D-1FE197BE148D}"/>
+                <a16:creationId xmlns:a16="http://schemas.microsoft.com/office/drawing/2014/main" xmlns="" id="{25326D58-11E3-45C6-A39D-1FE197BE148D}"/>
               </a:ext>
             </a:extLst>
           </p:cNvPr>
@@ -7489,7 +7489,7 @@
           <p:cNvPr id="13" name="Google Shape;479;p40">
             <a:extLst>
               <a:ext uri="{FF2B5EF4-FFF2-40B4-BE49-F238E27FC236}">
-                <a16:creationId xmlns:a16="http://schemas.microsoft.com/office/drawing/2014/main" id="{DC1BF5DE-B7D6-4D94-BA77-795005A4809B}"/>
+                <a16:creationId xmlns:a16="http://schemas.microsoft.com/office/drawing/2014/main" xmlns="" id="{DC1BF5DE-B7D6-4D94-BA77-795005A4809B}"/>
               </a:ext>
             </a:extLst>
           </p:cNvPr>
@@ -7509,7 +7509,7 @@
             <p:cNvPr id="14" name="Google Shape;480;p40">
               <a:extLst>
                 <a:ext uri="{FF2B5EF4-FFF2-40B4-BE49-F238E27FC236}">
-                  <a16:creationId xmlns:a16="http://schemas.microsoft.com/office/drawing/2014/main" id="{48E88B19-464F-4716-A11A-252C1FB9F1B0}"/>
+                  <a16:creationId xmlns:a16="http://schemas.microsoft.com/office/drawing/2014/main" xmlns="" id="{48E88B19-464F-4716-A11A-252C1FB9F1B0}"/>
                 </a:ext>
               </a:extLst>
             </p:cNvPr>
@@ -7543,7 +7543,7 @@
             <p:cNvPr id="15" name="Google Shape;481;p40">
               <a:extLst>
                 <a:ext uri="{FF2B5EF4-FFF2-40B4-BE49-F238E27FC236}">
-                  <a16:creationId xmlns:a16="http://schemas.microsoft.com/office/drawing/2014/main" id="{4B4C7E7C-F3CC-49CD-907B-8F74BDA78B05}"/>
+                  <a16:creationId xmlns:a16="http://schemas.microsoft.com/office/drawing/2014/main" xmlns="" id="{4B4C7E7C-F3CC-49CD-907B-8F74BDA78B05}"/>
                 </a:ext>
               </a:extLst>
             </p:cNvPr>
@@ -7589,7 +7589,7 @@
             <p:cNvPr id="16" name="Google Shape;482;p40">
               <a:extLst>
                 <a:ext uri="{FF2B5EF4-FFF2-40B4-BE49-F238E27FC236}">
-                  <a16:creationId xmlns:a16="http://schemas.microsoft.com/office/drawing/2014/main" id="{7DC51492-8750-4149-A0D8-6310F2D72A7D}"/>
+                  <a16:creationId xmlns:a16="http://schemas.microsoft.com/office/drawing/2014/main" xmlns="" id="{7DC51492-8750-4149-A0D8-6310F2D72A7D}"/>
                 </a:ext>
               </a:extLst>
             </p:cNvPr>
@@ -7635,7 +7635,7 @@
             <p:cNvPr id="17" name="Google Shape;483;p40">
               <a:extLst>
                 <a:ext uri="{FF2B5EF4-FFF2-40B4-BE49-F238E27FC236}">
-                  <a16:creationId xmlns:a16="http://schemas.microsoft.com/office/drawing/2014/main" id="{539DDBF6-2421-4595-8A45-F745A4B4B419}"/>
+                  <a16:creationId xmlns:a16="http://schemas.microsoft.com/office/drawing/2014/main" xmlns="" id="{539DDBF6-2421-4595-8A45-F745A4B4B419}"/>
                 </a:ext>
               </a:extLst>
             </p:cNvPr>
@@ -7724,7 +7724,7 @@
           <p:cNvPr id="3" name="投影片編號版面配置區 2">
             <a:extLst>
               <a:ext uri="{FF2B5EF4-FFF2-40B4-BE49-F238E27FC236}">
-                <a16:creationId xmlns:a16="http://schemas.microsoft.com/office/drawing/2014/main" id="{3CF3FBB4-BC4C-4101-B774-2BF44860C0B0}"/>
+                <a16:creationId xmlns:a16="http://schemas.microsoft.com/office/drawing/2014/main" xmlns="" id="{3CF3FBB4-BC4C-4101-B774-2BF44860C0B0}"/>
               </a:ext>
             </a:extLst>
           </p:cNvPr>
@@ -7754,7 +7754,7 @@
           <p:cNvPr id="4" name="標題 3">
             <a:extLst>
               <a:ext uri="{FF2B5EF4-FFF2-40B4-BE49-F238E27FC236}">
-                <a16:creationId xmlns:a16="http://schemas.microsoft.com/office/drawing/2014/main" id="{EBC9B6AA-A60F-4641-86EA-C3C5EBB77E14}"/>
+                <a16:creationId xmlns:a16="http://schemas.microsoft.com/office/drawing/2014/main" xmlns="" id="{EBC9B6AA-A60F-4641-86EA-C3C5EBB77E14}"/>
               </a:ext>
             </a:extLst>
           </p:cNvPr>
@@ -7792,7 +7792,7 @@
           <p:cNvPr id="8" name="Google Shape;214;p27">
             <a:extLst>
               <a:ext uri="{FF2B5EF4-FFF2-40B4-BE49-F238E27FC236}">
-                <a16:creationId xmlns:a16="http://schemas.microsoft.com/office/drawing/2014/main" id="{52FBC134-1D65-42A5-B85B-7BCE3ADC34FB}"/>
+                <a16:creationId xmlns:a16="http://schemas.microsoft.com/office/drawing/2014/main" xmlns="" id="{52FBC134-1D65-42A5-B85B-7BCE3ADC34FB}"/>
               </a:ext>
             </a:extLst>
           </p:cNvPr>
@@ -7827,7 +7827,7 @@
           <p:cNvPr id="10" name="內容版面配置區 1">
             <a:extLst>
               <a:ext uri="{FF2B5EF4-FFF2-40B4-BE49-F238E27FC236}">
-                <a16:creationId xmlns:a16="http://schemas.microsoft.com/office/drawing/2014/main" id="{A63A7547-1B31-4DCA-B5F3-36083DF54640}"/>
+                <a16:creationId xmlns:a16="http://schemas.microsoft.com/office/drawing/2014/main" xmlns="" id="{A63A7547-1B31-4DCA-B5F3-36083DF54640}"/>
               </a:ext>
             </a:extLst>
           </p:cNvPr>
@@ -7880,7 +7880,7 @@
           <p:cNvPr id="11" name="Google Shape;220;p28">
             <a:extLst>
               <a:ext uri="{FF2B5EF4-FFF2-40B4-BE49-F238E27FC236}">
-                <a16:creationId xmlns:a16="http://schemas.microsoft.com/office/drawing/2014/main" id="{CD9AECCD-A98B-44F9-8D29-008470EAB05C}"/>
+                <a16:creationId xmlns:a16="http://schemas.microsoft.com/office/drawing/2014/main" xmlns="" id="{CD9AECCD-A98B-44F9-8D29-008470EAB05C}"/>
               </a:ext>
             </a:extLst>
           </p:cNvPr>
@@ -7946,7 +7946,7 @@
           <p:cNvPr id="3" name="投影片編號版面配置區 2">
             <a:extLst>
               <a:ext uri="{FF2B5EF4-FFF2-40B4-BE49-F238E27FC236}">
-                <a16:creationId xmlns:a16="http://schemas.microsoft.com/office/drawing/2014/main" id="{E7B727D5-A7BB-4048-9E78-B63D6BE6BAB9}"/>
+                <a16:creationId xmlns:a16="http://schemas.microsoft.com/office/drawing/2014/main" xmlns="" id="{E7B727D5-A7BB-4048-9E78-B63D6BE6BAB9}"/>
               </a:ext>
             </a:extLst>
           </p:cNvPr>
@@ -7976,7 +7976,7 @@
           <p:cNvPr id="4" name="標題 3">
             <a:extLst>
               <a:ext uri="{FF2B5EF4-FFF2-40B4-BE49-F238E27FC236}">
-                <a16:creationId xmlns:a16="http://schemas.microsoft.com/office/drawing/2014/main" id="{F8B49D56-374D-48D8-9D5A-33B0897A6918}"/>
+                <a16:creationId xmlns:a16="http://schemas.microsoft.com/office/drawing/2014/main" xmlns="" id="{F8B49D56-374D-48D8-9D5A-33B0897A6918}"/>
               </a:ext>
             </a:extLst>
           </p:cNvPr>
@@ -8004,7 +8004,7 @@
           <p:cNvPr id="6" name="Google Shape;226;p29">
             <a:extLst>
               <a:ext uri="{FF2B5EF4-FFF2-40B4-BE49-F238E27FC236}">
-                <a16:creationId xmlns:a16="http://schemas.microsoft.com/office/drawing/2014/main" id="{32DA7CFB-F076-4216-BA1E-AF286125EE93}"/>
+                <a16:creationId xmlns:a16="http://schemas.microsoft.com/office/drawing/2014/main" xmlns="" id="{32DA7CFB-F076-4216-BA1E-AF286125EE93}"/>
               </a:ext>
             </a:extLst>
           </p:cNvPr>
@@ -8044,7 +8044,7 @@
           <p:cNvPr id="7" name="Google Shape;227;p29">
             <a:extLst>
               <a:ext uri="{FF2B5EF4-FFF2-40B4-BE49-F238E27FC236}">
-                <a16:creationId xmlns:a16="http://schemas.microsoft.com/office/drawing/2014/main" id="{ABD942F0-409A-4639-8D7E-5283815E1B96}"/>
+                <a16:creationId xmlns:a16="http://schemas.microsoft.com/office/drawing/2014/main" xmlns="" id="{ABD942F0-409A-4639-8D7E-5283815E1B96}"/>
               </a:ext>
             </a:extLst>
           </p:cNvPr>
@@ -8078,7 +8078,7 @@
           <p:cNvPr id="8" name="Google Shape;229;p29">
             <a:extLst>
               <a:ext uri="{FF2B5EF4-FFF2-40B4-BE49-F238E27FC236}">
-                <a16:creationId xmlns:a16="http://schemas.microsoft.com/office/drawing/2014/main" id="{31774353-1FED-41D8-BBB3-9A68BA5E7DEF}"/>
+                <a16:creationId xmlns:a16="http://schemas.microsoft.com/office/drawing/2014/main" xmlns="" id="{31774353-1FED-41D8-BBB3-9A68BA5E7DEF}"/>
               </a:ext>
             </a:extLst>
           </p:cNvPr>
@@ -8118,7 +8118,7 @@
           <p:cNvPr id="9" name="Google Shape;230;p29">
             <a:extLst>
               <a:ext uri="{FF2B5EF4-FFF2-40B4-BE49-F238E27FC236}">
-                <a16:creationId xmlns:a16="http://schemas.microsoft.com/office/drawing/2014/main" id="{9C5DD997-D41B-4893-BD82-223261C3486E}"/>
+                <a16:creationId xmlns:a16="http://schemas.microsoft.com/office/drawing/2014/main" xmlns="" id="{9C5DD997-D41B-4893-BD82-223261C3486E}"/>
               </a:ext>
             </a:extLst>
           </p:cNvPr>
@@ -8158,7 +8158,7 @@
           <p:cNvPr id="10" name="Google Shape;231;p29">
             <a:extLst>
               <a:ext uri="{FF2B5EF4-FFF2-40B4-BE49-F238E27FC236}">
-                <a16:creationId xmlns:a16="http://schemas.microsoft.com/office/drawing/2014/main" id="{F6D62BC4-B142-4113-ADCE-C9DBC907D1C1}"/>
+                <a16:creationId xmlns:a16="http://schemas.microsoft.com/office/drawing/2014/main" xmlns="" id="{F6D62BC4-B142-4113-ADCE-C9DBC907D1C1}"/>
               </a:ext>
             </a:extLst>
           </p:cNvPr>
@@ -8199,7 +8199,7 @@
           <p:cNvPr id="11" name="Google Shape;232;p29">
             <a:extLst>
               <a:ext uri="{FF2B5EF4-FFF2-40B4-BE49-F238E27FC236}">
-                <a16:creationId xmlns:a16="http://schemas.microsoft.com/office/drawing/2014/main" id="{E6E8B209-DE04-47C4-AC09-1A1062230CFA}"/>
+                <a16:creationId xmlns:a16="http://schemas.microsoft.com/office/drawing/2014/main" xmlns="" id="{E6E8B209-DE04-47C4-AC09-1A1062230CFA}"/>
               </a:ext>
             </a:extLst>
           </p:cNvPr>
@@ -8240,7 +8240,7 @@
           <p:cNvPr id="12" name="Google Shape;233;p29">
             <a:extLst>
               <a:ext uri="{FF2B5EF4-FFF2-40B4-BE49-F238E27FC236}">
-                <a16:creationId xmlns:a16="http://schemas.microsoft.com/office/drawing/2014/main" id="{1F859F38-CDAD-4B2A-A4AF-9F0E590B34E8}"/>
+                <a16:creationId xmlns:a16="http://schemas.microsoft.com/office/drawing/2014/main" xmlns="" id="{1F859F38-CDAD-4B2A-A4AF-9F0E590B34E8}"/>
               </a:ext>
             </a:extLst>
           </p:cNvPr>
@@ -8283,7 +8283,7 @@
           <p:cNvPr id="13" name="Google Shape;234;p29">
             <a:extLst>
               <a:ext uri="{FF2B5EF4-FFF2-40B4-BE49-F238E27FC236}">
-                <a16:creationId xmlns:a16="http://schemas.microsoft.com/office/drawing/2014/main" id="{5D55D56A-CD2C-4FB2-9F4C-6B985FBC4FB7}"/>
+                <a16:creationId xmlns:a16="http://schemas.microsoft.com/office/drawing/2014/main" xmlns="" id="{5D55D56A-CD2C-4FB2-9F4C-6B985FBC4FB7}"/>
               </a:ext>
             </a:extLst>
           </p:cNvPr>
@@ -8326,7 +8326,7 @@
           <p:cNvPr id="14" name="Google Shape;235;p29">
             <a:extLst>
               <a:ext uri="{FF2B5EF4-FFF2-40B4-BE49-F238E27FC236}">
-                <a16:creationId xmlns:a16="http://schemas.microsoft.com/office/drawing/2014/main" id="{8DE0EE81-172D-46B6-99F8-31664B6A1D50}"/>
+                <a16:creationId xmlns:a16="http://schemas.microsoft.com/office/drawing/2014/main" xmlns="" id="{8DE0EE81-172D-46B6-99F8-31664B6A1D50}"/>
               </a:ext>
             </a:extLst>
           </p:cNvPr>
@@ -8399,7 +8399,7 @@
           <p:cNvPr id="3" name="投影片編號版面配置區 2">
             <a:extLst>
               <a:ext uri="{FF2B5EF4-FFF2-40B4-BE49-F238E27FC236}">
-                <a16:creationId xmlns:a16="http://schemas.microsoft.com/office/drawing/2014/main" id="{9275810A-3514-4659-9E26-63E804D450E1}"/>
+                <a16:creationId xmlns:a16="http://schemas.microsoft.com/office/drawing/2014/main" xmlns="" id="{9275810A-3514-4659-9E26-63E804D450E1}"/>
               </a:ext>
             </a:extLst>
           </p:cNvPr>
@@ -8429,7 +8429,7 @@
           <p:cNvPr id="4" name="標題 3">
             <a:extLst>
               <a:ext uri="{FF2B5EF4-FFF2-40B4-BE49-F238E27FC236}">
-                <a16:creationId xmlns:a16="http://schemas.microsoft.com/office/drawing/2014/main" id="{F93031F2-CCDE-4537-8AA9-4328819E9838}"/>
+                <a16:creationId xmlns:a16="http://schemas.microsoft.com/office/drawing/2014/main" xmlns="" id="{F93031F2-CCDE-4537-8AA9-4328819E9838}"/>
               </a:ext>
             </a:extLst>
           </p:cNvPr>
@@ -8457,7 +8457,7 @@
           <p:cNvPr id="5" name="Google Shape;125;p21">
             <a:extLst>
               <a:ext uri="{FF2B5EF4-FFF2-40B4-BE49-F238E27FC236}">
-                <a16:creationId xmlns:a16="http://schemas.microsoft.com/office/drawing/2014/main" id="{96916BB4-3A51-40CF-AFB7-C0E5EF96017B}"/>
+                <a16:creationId xmlns:a16="http://schemas.microsoft.com/office/drawing/2014/main" xmlns="" id="{96916BB4-3A51-40CF-AFB7-C0E5EF96017B}"/>
               </a:ext>
             </a:extLst>
           </p:cNvPr>
@@ -8513,7 +8513,7 @@
           <p:cNvPr id="6" name="Google Shape;126;p21">
             <a:extLst>
               <a:ext uri="{FF2B5EF4-FFF2-40B4-BE49-F238E27FC236}">
-                <a16:creationId xmlns:a16="http://schemas.microsoft.com/office/drawing/2014/main" id="{BAE76217-D433-4B24-9DD1-52FB77EB6E46}"/>
+                <a16:creationId xmlns:a16="http://schemas.microsoft.com/office/drawing/2014/main" xmlns="" id="{BAE76217-D433-4B24-9DD1-52FB77EB6E46}"/>
               </a:ext>
             </a:extLst>
           </p:cNvPr>
@@ -8569,7 +8569,7 @@
           <p:cNvPr id="7" name="Google Shape;127;p21">
             <a:extLst>
               <a:ext uri="{FF2B5EF4-FFF2-40B4-BE49-F238E27FC236}">
-                <a16:creationId xmlns:a16="http://schemas.microsoft.com/office/drawing/2014/main" id="{CD126C97-43CA-47FB-979D-7DCA9A96BA9A}"/>
+                <a16:creationId xmlns:a16="http://schemas.microsoft.com/office/drawing/2014/main" xmlns="" id="{CD126C97-43CA-47FB-979D-7DCA9A96BA9A}"/>
               </a:ext>
             </a:extLst>
           </p:cNvPr>
@@ -8625,7 +8625,7 @@
           <p:cNvPr id="8" name="Google Shape;128;p21">
             <a:extLst>
               <a:ext uri="{FF2B5EF4-FFF2-40B4-BE49-F238E27FC236}">
-                <a16:creationId xmlns:a16="http://schemas.microsoft.com/office/drawing/2014/main" id="{2A77D46C-B0FC-4364-AF36-1B02898A48A0}"/>
+                <a16:creationId xmlns:a16="http://schemas.microsoft.com/office/drawing/2014/main" xmlns="" id="{2A77D46C-B0FC-4364-AF36-1B02898A48A0}"/>
               </a:ext>
             </a:extLst>
           </p:cNvPr>
@@ -8686,7 +8686,7 @@
           <p:cNvPr id="9" name="Google Shape;129;p21">
             <a:extLst>
               <a:ext uri="{FF2B5EF4-FFF2-40B4-BE49-F238E27FC236}">
-                <a16:creationId xmlns:a16="http://schemas.microsoft.com/office/drawing/2014/main" id="{6D5A1A54-F2AE-4B85-8409-2D34613AD8B4}"/>
+                <a16:creationId xmlns:a16="http://schemas.microsoft.com/office/drawing/2014/main" xmlns="" id="{6D5A1A54-F2AE-4B85-8409-2D34613AD8B4}"/>
               </a:ext>
             </a:extLst>
           </p:cNvPr>
@@ -8742,7 +8742,7 @@
           <p:cNvPr id="10" name="Google Shape;130;p21">
             <a:extLst>
               <a:ext uri="{FF2B5EF4-FFF2-40B4-BE49-F238E27FC236}">
-                <a16:creationId xmlns:a16="http://schemas.microsoft.com/office/drawing/2014/main" id="{0184353D-DA85-41B9-A98A-C957F618DFE5}"/>
+                <a16:creationId xmlns:a16="http://schemas.microsoft.com/office/drawing/2014/main" xmlns="" id="{0184353D-DA85-41B9-A98A-C957F618DFE5}"/>
               </a:ext>
             </a:extLst>
           </p:cNvPr>
@@ -8798,7 +8798,7 @@
           <p:cNvPr id="11" name="Google Shape;131;p21">
             <a:extLst>
               <a:ext uri="{FF2B5EF4-FFF2-40B4-BE49-F238E27FC236}">
-                <a16:creationId xmlns:a16="http://schemas.microsoft.com/office/drawing/2014/main" id="{EDF45DC7-7D9E-44C6-AC98-180125ABF1D4}"/>
+                <a16:creationId xmlns:a16="http://schemas.microsoft.com/office/drawing/2014/main" xmlns="" id="{EDF45DC7-7D9E-44C6-AC98-180125ABF1D4}"/>
               </a:ext>
             </a:extLst>
           </p:cNvPr>
@@ -8833,7 +8833,7 @@
           <p:cNvPr id="12" name="Google Shape;132;p21">
             <a:extLst>
               <a:ext uri="{FF2B5EF4-FFF2-40B4-BE49-F238E27FC236}">
-                <a16:creationId xmlns:a16="http://schemas.microsoft.com/office/drawing/2014/main" id="{E917CFA6-8E71-4A88-902E-B16096FE25D3}"/>
+                <a16:creationId xmlns:a16="http://schemas.microsoft.com/office/drawing/2014/main" xmlns="" id="{E917CFA6-8E71-4A88-902E-B16096FE25D3}"/>
               </a:ext>
             </a:extLst>
           </p:cNvPr>
@@ -8868,7 +8868,7 @@
           <p:cNvPr id="13" name="Google Shape;133;p21">
             <a:extLst>
               <a:ext uri="{FF2B5EF4-FFF2-40B4-BE49-F238E27FC236}">
-                <a16:creationId xmlns:a16="http://schemas.microsoft.com/office/drawing/2014/main" id="{0743B549-DD88-439C-A299-22D9C822874D}"/>
+                <a16:creationId xmlns:a16="http://schemas.microsoft.com/office/drawing/2014/main" xmlns="" id="{0743B549-DD88-439C-A299-22D9C822874D}"/>
               </a:ext>
             </a:extLst>
           </p:cNvPr>
@@ -8903,7 +8903,7 @@
           <p:cNvPr id="14" name="Google Shape;134;p21">
             <a:extLst>
               <a:ext uri="{FF2B5EF4-FFF2-40B4-BE49-F238E27FC236}">
-                <a16:creationId xmlns:a16="http://schemas.microsoft.com/office/drawing/2014/main" id="{10EA0533-EDED-4C87-863F-B9FEFFBB8E78}"/>
+                <a16:creationId xmlns:a16="http://schemas.microsoft.com/office/drawing/2014/main" xmlns="" id="{10EA0533-EDED-4C87-863F-B9FEFFBB8E78}"/>
               </a:ext>
             </a:extLst>
           </p:cNvPr>
@@ -8938,7 +8938,7 @@
           <p:cNvPr id="15" name="Google Shape;135;p21">
             <a:extLst>
               <a:ext uri="{FF2B5EF4-FFF2-40B4-BE49-F238E27FC236}">
-                <a16:creationId xmlns:a16="http://schemas.microsoft.com/office/drawing/2014/main" id="{EE1FC82E-CF0E-4206-9D36-40BDF90986B3}"/>
+                <a16:creationId xmlns:a16="http://schemas.microsoft.com/office/drawing/2014/main" xmlns="" id="{EE1FC82E-CF0E-4206-9D36-40BDF90986B3}"/>
               </a:ext>
             </a:extLst>
           </p:cNvPr>
@@ -8983,7 +8983,7 @@
           <p:cNvPr id="16" name="Google Shape;136;p21">
             <a:extLst>
               <a:ext uri="{FF2B5EF4-FFF2-40B4-BE49-F238E27FC236}">
-                <a16:creationId xmlns:a16="http://schemas.microsoft.com/office/drawing/2014/main" id="{3A3D2994-DD9C-4D9B-A0A5-A6E5714E8C01}"/>
+                <a16:creationId xmlns:a16="http://schemas.microsoft.com/office/drawing/2014/main" xmlns="" id="{3A3D2994-DD9C-4D9B-A0A5-A6E5714E8C01}"/>
               </a:ext>
             </a:extLst>
           </p:cNvPr>
@@ -9047,7 +9047,7 @@
           <p:cNvPr id="17" name="Google Shape;137;p21">
             <a:extLst>
               <a:ext uri="{FF2B5EF4-FFF2-40B4-BE49-F238E27FC236}">
-                <a16:creationId xmlns:a16="http://schemas.microsoft.com/office/drawing/2014/main" id="{5F8B668C-4DD2-4C69-9A74-FE871CA8F7A1}"/>
+                <a16:creationId xmlns:a16="http://schemas.microsoft.com/office/drawing/2014/main" xmlns="" id="{5F8B668C-4DD2-4C69-9A74-FE871CA8F7A1}"/>
               </a:ext>
             </a:extLst>
           </p:cNvPr>
@@ -9095,7 +9095,7 @@
           <p:cNvPr id="18" name="Google Shape;138;p21">
             <a:extLst>
               <a:ext uri="{FF2B5EF4-FFF2-40B4-BE49-F238E27FC236}">
-                <a16:creationId xmlns:a16="http://schemas.microsoft.com/office/drawing/2014/main" id="{6BD2DB38-91F5-4BBE-8DCB-1EB26B8BA7B7}"/>
+                <a16:creationId xmlns:a16="http://schemas.microsoft.com/office/drawing/2014/main" xmlns="" id="{6BD2DB38-91F5-4BBE-8DCB-1EB26B8BA7B7}"/>
               </a:ext>
             </a:extLst>
           </p:cNvPr>
@@ -9151,7 +9151,7 @@
           <p:cNvPr id="19" name="Google Shape;139;p21">
             <a:extLst>
               <a:ext uri="{FF2B5EF4-FFF2-40B4-BE49-F238E27FC236}">
-                <a16:creationId xmlns:a16="http://schemas.microsoft.com/office/drawing/2014/main" id="{7FC224DE-B5C9-4E2B-B94A-160D9224782A}"/>
+                <a16:creationId xmlns:a16="http://schemas.microsoft.com/office/drawing/2014/main" xmlns="" id="{7FC224DE-B5C9-4E2B-B94A-160D9224782A}"/>
               </a:ext>
             </a:extLst>
           </p:cNvPr>
@@ -9186,7 +9186,7 @@
           <p:cNvPr id="20" name="Google Shape;140;p21">
             <a:extLst>
               <a:ext uri="{FF2B5EF4-FFF2-40B4-BE49-F238E27FC236}">
-                <a16:creationId xmlns:a16="http://schemas.microsoft.com/office/drawing/2014/main" id="{C9AD1505-78CE-4722-AFC5-63CAFC4693D2}"/>
+                <a16:creationId xmlns:a16="http://schemas.microsoft.com/office/drawing/2014/main" xmlns="" id="{C9AD1505-78CE-4722-AFC5-63CAFC4693D2}"/>
               </a:ext>
             </a:extLst>
           </p:cNvPr>
@@ -9242,7 +9242,7 @@
           <p:cNvPr id="21" name="Google Shape;141;p21">
             <a:extLst>
               <a:ext uri="{FF2B5EF4-FFF2-40B4-BE49-F238E27FC236}">
-                <a16:creationId xmlns:a16="http://schemas.microsoft.com/office/drawing/2014/main" id="{EC8245F3-AA29-41F3-8B86-A3E3DCD83A8E}"/>
+                <a16:creationId xmlns:a16="http://schemas.microsoft.com/office/drawing/2014/main" xmlns="" id="{EC8245F3-AA29-41F3-8B86-A3E3DCD83A8E}"/>
               </a:ext>
             </a:extLst>
           </p:cNvPr>
@@ -9307,7 +9307,7 @@
           <p:cNvPr id="2" name="內容版面配置區 1">
             <a:extLst>
               <a:ext uri="{FF2B5EF4-FFF2-40B4-BE49-F238E27FC236}">
-                <a16:creationId xmlns:a16="http://schemas.microsoft.com/office/drawing/2014/main" id="{FB6F9911-A672-4342-84A4-EC6B03013538}"/>
+                <a16:creationId xmlns:a16="http://schemas.microsoft.com/office/drawing/2014/main" xmlns="" id="{FB6F9911-A672-4342-84A4-EC6B03013538}"/>
               </a:ext>
             </a:extLst>
           </p:cNvPr>
@@ -9520,7 +9520,7 @@
           <p:cNvPr id="3" name="投影片編號版面配置區 2">
             <a:extLst>
               <a:ext uri="{FF2B5EF4-FFF2-40B4-BE49-F238E27FC236}">
-                <a16:creationId xmlns:a16="http://schemas.microsoft.com/office/drawing/2014/main" id="{C98A4689-5811-47DE-9CC8-72B66DE44212}"/>
+                <a16:creationId xmlns:a16="http://schemas.microsoft.com/office/drawing/2014/main" xmlns="" id="{C98A4689-5811-47DE-9CC8-72B66DE44212}"/>
               </a:ext>
             </a:extLst>
           </p:cNvPr>
@@ -9550,7 +9550,7 @@
           <p:cNvPr id="4" name="標題 3">
             <a:extLst>
               <a:ext uri="{FF2B5EF4-FFF2-40B4-BE49-F238E27FC236}">
-                <a16:creationId xmlns:a16="http://schemas.microsoft.com/office/drawing/2014/main" id="{1DABDE42-3038-4569-B558-703CE076CC94}"/>
+                <a16:creationId xmlns:a16="http://schemas.microsoft.com/office/drawing/2014/main" xmlns="" id="{1DABDE42-3038-4569-B558-703CE076CC94}"/>
               </a:ext>
             </a:extLst>
           </p:cNvPr>
@@ -9608,7 +9608,7 @@
           <p:cNvPr id="2" name="內容版面配置區 1">
             <a:extLst>
               <a:ext uri="{FF2B5EF4-FFF2-40B4-BE49-F238E27FC236}">
-                <a16:creationId xmlns:a16="http://schemas.microsoft.com/office/drawing/2014/main" id="{D7776256-E407-4CB9-8746-467118CF0D41}"/>
+                <a16:creationId xmlns:a16="http://schemas.microsoft.com/office/drawing/2014/main" xmlns="" id="{D7776256-E407-4CB9-8746-467118CF0D41}"/>
               </a:ext>
             </a:extLst>
           </p:cNvPr>
@@ -9704,7 +9704,7 @@
           <p:cNvPr id="3" name="投影片編號版面配置區 2">
             <a:extLst>
               <a:ext uri="{FF2B5EF4-FFF2-40B4-BE49-F238E27FC236}">
-                <a16:creationId xmlns:a16="http://schemas.microsoft.com/office/drawing/2014/main" id="{928E6B69-8259-4276-ACC3-1F1CEFA4606A}"/>
+                <a16:creationId xmlns:a16="http://schemas.microsoft.com/office/drawing/2014/main" xmlns="" id="{928E6B69-8259-4276-ACC3-1F1CEFA4606A}"/>
               </a:ext>
             </a:extLst>
           </p:cNvPr>
@@ -9734,7 +9734,7 @@
           <p:cNvPr id="4" name="標題 3">
             <a:extLst>
               <a:ext uri="{FF2B5EF4-FFF2-40B4-BE49-F238E27FC236}">
-                <a16:creationId xmlns:a16="http://schemas.microsoft.com/office/drawing/2014/main" id="{AB7013AE-5B56-4D15-88A6-1B71BA79B180}"/>
+                <a16:creationId xmlns:a16="http://schemas.microsoft.com/office/drawing/2014/main" xmlns="" id="{AB7013AE-5B56-4D15-88A6-1B71BA79B180}"/>
               </a:ext>
             </a:extLst>
           </p:cNvPr>
@@ -9792,7 +9792,7 @@
           <p:cNvPr id="2" name="內容版面配置區 1">
             <a:extLst>
               <a:ext uri="{FF2B5EF4-FFF2-40B4-BE49-F238E27FC236}">
-                <a16:creationId xmlns:a16="http://schemas.microsoft.com/office/drawing/2014/main" id="{D7776256-E407-4CB9-8746-467118CF0D41}"/>
+                <a16:creationId xmlns:a16="http://schemas.microsoft.com/office/drawing/2014/main" xmlns="" id="{D7776256-E407-4CB9-8746-467118CF0D41}"/>
               </a:ext>
             </a:extLst>
           </p:cNvPr>
@@ -9900,7 +9900,7 @@
           <p:cNvPr id="3" name="投影片編號版面配置區 2">
             <a:extLst>
               <a:ext uri="{FF2B5EF4-FFF2-40B4-BE49-F238E27FC236}">
-                <a16:creationId xmlns:a16="http://schemas.microsoft.com/office/drawing/2014/main" id="{928E6B69-8259-4276-ACC3-1F1CEFA4606A}"/>
+                <a16:creationId xmlns:a16="http://schemas.microsoft.com/office/drawing/2014/main" xmlns="" id="{928E6B69-8259-4276-ACC3-1F1CEFA4606A}"/>
               </a:ext>
             </a:extLst>
           </p:cNvPr>
@@ -9930,7 +9930,7 @@
           <p:cNvPr id="4" name="標題 3">
             <a:extLst>
               <a:ext uri="{FF2B5EF4-FFF2-40B4-BE49-F238E27FC236}">
-                <a16:creationId xmlns:a16="http://schemas.microsoft.com/office/drawing/2014/main" id="{AB7013AE-5B56-4D15-88A6-1B71BA79B180}"/>
+                <a16:creationId xmlns:a16="http://schemas.microsoft.com/office/drawing/2014/main" xmlns="" id="{AB7013AE-5B56-4D15-88A6-1B71BA79B180}"/>
               </a:ext>
             </a:extLst>
           </p:cNvPr>
@@ -9993,7 +9993,7 @@
           <p:cNvPr id="3" name="投影片編號版面配置區 2">
             <a:extLst>
               <a:ext uri="{FF2B5EF4-FFF2-40B4-BE49-F238E27FC236}">
-                <a16:creationId xmlns:a16="http://schemas.microsoft.com/office/drawing/2014/main" id="{F8A3BA2F-FAFA-4F09-B572-81FD917DAF71}"/>
+                <a16:creationId xmlns:a16="http://schemas.microsoft.com/office/drawing/2014/main" xmlns="" id="{F8A3BA2F-FAFA-4F09-B572-81FD917DAF71}"/>
               </a:ext>
             </a:extLst>
           </p:cNvPr>
@@ -10023,7 +10023,7 @@
           <p:cNvPr id="4" name="標題 3">
             <a:extLst>
               <a:ext uri="{FF2B5EF4-FFF2-40B4-BE49-F238E27FC236}">
-                <a16:creationId xmlns:a16="http://schemas.microsoft.com/office/drawing/2014/main" id="{60B962F1-A4A3-4E38-A1D7-EC1A71AA6F31}"/>
+                <a16:creationId xmlns:a16="http://schemas.microsoft.com/office/drawing/2014/main" xmlns="" id="{60B962F1-A4A3-4E38-A1D7-EC1A71AA6F31}"/>
               </a:ext>
             </a:extLst>
           </p:cNvPr>
@@ -10051,7 +10051,7 @@
           <p:cNvPr id="5" name="Google Shape;87;p18">
             <a:extLst>
               <a:ext uri="{FF2B5EF4-FFF2-40B4-BE49-F238E27FC236}">
-                <a16:creationId xmlns:a16="http://schemas.microsoft.com/office/drawing/2014/main" id="{EB9416A2-CB9E-40F0-AC36-869DD09337E8}"/>
+                <a16:creationId xmlns:a16="http://schemas.microsoft.com/office/drawing/2014/main" xmlns="" id="{EB9416A2-CB9E-40F0-AC36-869DD09337E8}"/>
               </a:ext>
             </a:extLst>
           </p:cNvPr>
@@ -10094,7 +10094,7 @@
           <p:cNvPr id="6" name="Google Shape;88;p18">
             <a:extLst>
               <a:ext uri="{FF2B5EF4-FFF2-40B4-BE49-F238E27FC236}">
-                <a16:creationId xmlns:a16="http://schemas.microsoft.com/office/drawing/2014/main" id="{35C9EA12-A525-4C36-8337-8C8D370A6234}"/>
+                <a16:creationId xmlns:a16="http://schemas.microsoft.com/office/drawing/2014/main" xmlns="" id="{35C9EA12-A525-4C36-8337-8C8D370A6234}"/>
               </a:ext>
             </a:extLst>
           </p:cNvPr>
@@ -10137,7 +10137,7 @@
           <p:cNvPr id="7" name="Google Shape;89;p18">
             <a:extLst>
               <a:ext uri="{FF2B5EF4-FFF2-40B4-BE49-F238E27FC236}">
-                <a16:creationId xmlns:a16="http://schemas.microsoft.com/office/drawing/2014/main" id="{F6C1B9EF-E8D7-499A-B8D5-B01E098E783E}"/>
+                <a16:creationId xmlns:a16="http://schemas.microsoft.com/office/drawing/2014/main" xmlns="" id="{F6C1B9EF-E8D7-499A-B8D5-B01E098E783E}"/>
               </a:ext>
             </a:extLst>
           </p:cNvPr>
@@ -10180,7 +10180,7 @@
           <p:cNvPr id="8" name="Google Shape;90;p18">
             <a:extLst>
               <a:ext uri="{FF2B5EF4-FFF2-40B4-BE49-F238E27FC236}">
-                <a16:creationId xmlns:a16="http://schemas.microsoft.com/office/drawing/2014/main" id="{A17854BD-2322-45B6-9AF4-929DD7422D78}"/>
+                <a16:creationId xmlns:a16="http://schemas.microsoft.com/office/drawing/2014/main" xmlns="" id="{A17854BD-2322-45B6-9AF4-929DD7422D78}"/>
               </a:ext>
             </a:extLst>
           </p:cNvPr>
@@ -10220,7 +10220,7 @@
           <p:cNvPr id="9" name="Google Shape;91;p18">
             <a:extLst>
               <a:ext uri="{FF2B5EF4-FFF2-40B4-BE49-F238E27FC236}">
-                <a16:creationId xmlns:a16="http://schemas.microsoft.com/office/drawing/2014/main" id="{FCE4F444-C656-4B82-A97D-C117A26F41A0}"/>
+                <a16:creationId xmlns:a16="http://schemas.microsoft.com/office/drawing/2014/main" xmlns="" id="{FCE4F444-C656-4B82-A97D-C117A26F41A0}"/>
               </a:ext>
             </a:extLst>
           </p:cNvPr>
@@ -10263,7 +10263,7 @@
           <p:cNvPr id="10" name="Google Shape;92;p18">
             <a:extLst>
               <a:ext uri="{FF2B5EF4-FFF2-40B4-BE49-F238E27FC236}">
-                <a16:creationId xmlns:a16="http://schemas.microsoft.com/office/drawing/2014/main" id="{8DD23432-1322-43E5-8C12-D47A62458AA8}"/>
+                <a16:creationId xmlns:a16="http://schemas.microsoft.com/office/drawing/2014/main" xmlns="" id="{8DD23432-1322-43E5-8C12-D47A62458AA8}"/>
               </a:ext>
             </a:extLst>
           </p:cNvPr>
@@ -10303,7 +10303,7 @@
           <p:cNvPr id="11" name="Google Shape;93;p18">
             <a:extLst>
               <a:ext uri="{FF2B5EF4-FFF2-40B4-BE49-F238E27FC236}">
-                <a16:creationId xmlns:a16="http://schemas.microsoft.com/office/drawing/2014/main" id="{E520AF2A-5749-46B1-9235-2CC275E40EAD}"/>
+                <a16:creationId xmlns:a16="http://schemas.microsoft.com/office/drawing/2014/main" xmlns="" id="{E520AF2A-5749-46B1-9235-2CC275E40EAD}"/>
               </a:ext>
             </a:extLst>
           </p:cNvPr>
@@ -10343,7 +10343,7 @@
           <p:cNvPr id="12" name="Google Shape;94;p18">
             <a:extLst>
               <a:ext uri="{FF2B5EF4-FFF2-40B4-BE49-F238E27FC236}">
-                <a16:creationId xmlns:a16="http://schemas.microsoft.com/office/drawing/2014/main" id="{D146F6A6-E71A-4893-AC71-E6E3C30BB127}"/>
+                <a16:creationId xmlns:a16="http://schemas.microsoft.com/office/drawing/2014/main" xmlns="" id="{D146F6A6-E71A-4893-AC71-E6E3C30BB127}"/>
               </a:ext>
             </a:extLst>
           </p:cNvPr>
@@ -10413,7 +10413,7 @@
           <p:cNvPr id="3" name="投影片編號版面配置區 2">
             <a:extLst>
               <a:ext uri="{FF2B5EF4-FFF2-40B4-BE49-F238E27FC236}">
-                <a16:creationId xmlns:a16="http://schemas.microsoft.com/office/drawing/2014/main" id="{EEB00B6B-188B-4BDF-B3E3-0671D2CC1B1C}"/>
+                <a16:creationId xmlns:a16="http://schemas.microsoft.com/office/drawing/2014/main" xmlns="" id="{EEB00B6B-188B-4BDF-B3E3-0671D2CC1B1C}"/>
               </a:ext>
             </a:extLst>
           </p:cNvPr>
@@ -10443,7 +10443,7 @@
           <p:cNvPr id="4" name="標題 3">
             <a:extLst>
               <a:ext uri="{FF2B5EF4-FFF2-40B4-BE49-F238E27FC236}">
-                <a16:creationId xmlns:a16="http://schemas.microsoft.com/office/drawing/2014/main" id="{27FD7A23-8A6D-442D-8FFD-D24D5E6CF3D3}"/>
+                <a16:creationId xmlns:a16="http://schemas.microsoft.com/office/drawing/2014/main" xmlns="" id="{27FD7A23-8A6D-442D-8FFD-D24D5E6CF3D3}"/>
               </a:ext>
             </a:extLst>
           </p:cNvPr>
@@ -10476,7 +10476,7 @@
           <p:cNvPr id="1026" name="Picture 2" descr="Using 3D visualizations to tune hyperparameters in ML models">
             <a:extLst>
               <a:ext uri="{FF2B5EF4-FFF2-40B4-BE49-F238E27FC236}">
-                <a16:creationId xmlns:a16="http://schemas.microsoft.com/office/drawing/2014/main" id="{DDE0BFE2-DDBC-4E83-9299-A2640FF73FAD}"/>
+                <a16:creationId xmlns:a16="http://schemas.microsoft.com/office/drawing/2014/main" xmlns="" id="{DDE0BFE2-DDBC-4E83-9299-A2640FF73FAD}"/>
               </a:ext>
             </a:extLst>
           </p:cNvPr>
@@ -10553,7 +10553,7 @@
           <p:cNvPr id="2" name="內容版面配置區 1">
             <a:extLst>
               <a:ext uri="{FF2B5EF4-FFF2-40B4-BE49-F238E27FC236}">
-                <a16:creationId xmlns:a16="http://schemas.microsoft.com/office/drawing/2014/main" id="{4D308327-A129-48EE-94EF-6B74666B2744}"/>
+                <a16:creationId xmlns:a16="http://schemas.microsoft.com/office/drawing/2014/main" xmlns="" id="{4D308327-A129-48EE-94EF-6B74666B2744}"/>
               </a:ext>
             </a:extLst>
           </p:cNvPr>
@@ -10652,7 +10652,7 @@
           <p:cNvPr id="3" name="投影片編號版面配置區 2">
             <a:extLst>
               <a:ext uri="{FF2B5EF4-FFF2-40B4-BE49-F238E27FC236}">
-                <a16:creationId xmlns:a16="http://schemas.microsoft.com/office/drawing/2014/main" id="{82ED3DEA-7008-450C-815A-CD20FE52C48E}"/>
+                <a16:creationId xmlns:a16="http://schemas.microsoft.com/office/drawing/2014/main" xmlns="" id="{82ED3DEA-7008-450C-815A-CD20FE52C48E}"/>
               </a:ext>
             </a:extLst>
           </p:cNvPr>
@@ -10682,7 +10682,7 @@
           <p:cNvPr id="4" name="標題 3">
             <a:extLst>
               <a:ext uri="{FF2B5EF4-FFF2-40B4-BE49-F238E27FC236}">
-                <a16:creationId xmlns:a16="http://schemas.microsoft.com/office/drawing/2014/main" id="{1C0CCDEF-5627-4478-B61F-8D82400D252C}"/>
+                <a16:creationId xmlns:a16="http://schemas.microsoft.com/office/drawing/2014/main" xmlns="" id="{1C0CCDEF-5627-4478-B61F-8D82400D252C}"/>
               </a:ext>
             </a:extLst>
           </p:cNvPr>
@@ -10714,7 +10714,7 @@
           <p:cNvPr id="6" name="內容版面配置區 1">
             <a:extLst>
               <a:ext uri="{FF2B5EF4-FFF2-40B4-BE49-F238E27FC236}">
-                <a16:creationId xmlns:a16="http://schemas.microsoft.com/office/drawing/2014/main" id="{A08D7970-9E63-4BD5-B0D6-8AD1FED4BB9C}"/>
+                <a16:creationId xmlns:a16="http://schemas.microsoft.com/office/drawing/2014/main" xmlns="" id="{A08D7970-9E63-4BD5-B0D6-8AD1FED4BB9C}"/>
               </a:ext>
             </a:extLst>
           </p:cNvPr>
@@ -11154,7 +11154,7 @@
           <p:cNvPr id="3" name="投影片編號版面配置區 2">
             <a:extLst>
               <a:ext uri="{FF2B5EF4-FFF2-40B4-BE49-F238E27FC236}">
-                <a16:creationId xmlns:a16="http://schemas.microsoft.com/office/drawing/2014/main" id="{0EB6899C-2B6D-442D-8D03-B0F4A6AEBBBF}"/>
+                <a16:creationId xmlns:a16="http://schemas.microsoft.com/office/drawing/2014/main" xmlns="" id="{0EB6899C-2B6D-442D-8D03-B0F4A6AEBBBF}"/>
               </a:ext>
             </a:extLst>
           </p:cNvPr>
@@ -11184,7 +11184,7 @@
           <p:cNvPr id="4" name="標題 3">
             <a:extLst>
               <a:ext uri="{FF2B5EF4-FFF2-40B4-BE49-F238E27FC236}">
-                <a16:creationId xmlns:a16="http://schemas.microsoft.com/office/drawing/2014/main" id="{17460FE7-6787-4031-A75D-B09144A38E6C}"/>
+                <a16:creationId xmlns:a16="http://schemas.microsoft.com/office/drawing/2014/main" xmlns="" id="{17460FE7-6787-4031-A75D-B09144A38E6C}"/>
               </a:ext>
             </a:extLst>
           </p:cNvPr>
@@ -11212,7 +11212,7 @@
           <p:cNvPr id="5" name="Google Shape;100;p19">
             <a:extLst>
               <a:ext uri="{FF2B5EF4-FFF2-40B4-BE49-F238E27FC236}">
-                <a16:creationId xmlns:a16="http://schemas.microsoft.com/office/drawing/2014/main" id="{D90A5202-23E1-469E-A8F3-6B6426928D7A}"/>
+                <a16:creationId xmlns:a16="http://schemas.microsoft.com/office/drawing/2014/main" xmlns="" id="{D90A5202-23E1-469E-A8F3-6B6426928D7A}"/>
               </a:ext>
             </a:extLst>
           </p:cNvPr>
@@ -11262,7 +11262,7 @@
           <p:cNvPr id="6" name="Google Shape;101;p19">
             <a:extLst>
               <a:ext uri="{FF2B5EF4-FFF2-40B4-BE49-F238E27FC236}">
-                <a16:creationId xmlns:a16="http://schemas.microsoft.com/office/drawing/2014/main" id="{A31AD558-1991-420F-B53C-DCB17DEA21BA}"/>
+                <a16:creationId xmlns:a16="http://schemas.microsoft.com/office/drawing/2014/main" xmlns="" id="{A31AD558-1991-420F-B53C-DCB17DEA21BA}"/>
               </a:ext>
             </a:extLst>
           </p:cNvPr>
@@ -11312,7 +11312,7 @@
           <p:cNvPr id="7" name="Google Shape;102;p19">
             <a:extLst>
               <a:ext uri="{FF2B5EF4-FFF2-40B4-BE49-F238E27FC236}">
-                <a16:creationId xmlns:a16="http://schemas.microsoft.com/office/drawing/2014/main" id="{91A4ED35-E0F1-4AB9-A54D-D2737769BAB3}"/>
+                <a16:creationId xmlns:a16="http://schemas.microsoft.com/office/drawing/2014/main" xmlns="" id="{91A4ED35-E0F1-4AB9-A54D-D2737769BAB3}"/>
               </a:ext>
             </a:extLst>
           </p:cNvPr>
@@ -11362,7 +11362,7 @@
           <p:cNvPr id="8" name="Google Shape;103;p19">
             <a:extLst>
               <a:ext uri="{FF2B5EF4-FFF2-40B4-BE49-F238E27FC236}">
-                <a16:creationId xmlns:a16="http://schemas.microsoft.com/office/drawing/2014/main" id="{E3B17131-CD73-453E-BE53-221A3577EDB4}"/>
+                <a16:creationId xmlns:a16="http://schemas.microsoft.com/office/drawing/2014/main" xmlns="" id="{E3B17131-CD73-453E-BE53-221A3577EDB4}"/>
               </a:ext>
             </a:extLst>
           </p:cNvPr>
@@ -11412,7 +11412,7 @@
           <p:cNvPr id="9" name="Google Shape;104;p19">
             <a:extLst>
               <a:ext uri="{FF2B5EF4-FFF2-40B4-BE49-F238E27FC236}">
-                <a16:creationId xmlns:a16="http://schemas.microsoft.com/office/drawing/2014/main" id="{E134EEAC-C357-4E8E-9370-4B2D1AFDDA26}"/>
+                <a16:creationId xmlns:a16="http://schemas.microsoft.com/office/drawing/2014/main" xmlns="" id="{E134EEAC-C357-4E8E-9370-4B2D1AFDDA26}"/>
               </a:ext>
             </a:extLst>
           </p:cNvPr>
@@ -11462,7 +11462,7 @@
           <p:cNvPr id="10" name="Google Shape;105;p19">
             <a:extLst>
               <a:ext uri="{FF2B5EF4-FFF2-40B4-BE49-F238E27FC236}">
-                <a16:creationId xmlns:a16="http://schemas.microsoft.com/office/drawing/2014/main" id="{06E9E348-F15B-4A5F-BB1A-D46885F2AC01}"/>
+                <a16:creationId xmlns:a16="http://schemas.microsoft.com/office/drawing/2014/main" xmlns="" id="{06E9E348-F15B-4A5F-BB1A-D46885F2AC01}"/>
               </a:ext>
             </a:extLst>
           </p:cNvPr>
@@ -11512,7 +11512,7 @@
           <p:cNvPr id="11" name="Google Shape;106;p19">
             <a:extLst>
               <a:ext uri="{FF2B5EF4-FFF2-40B4-BE49-F238E27FC236}">
-                <a16:creationId xmlns:a16="http://schemas.microsoft.com/office/drawing/2014/main" id="{9CBF18FB-35A7-4694-87E9-E8AAD9DDFDF1}"/>
+                <a16:creationId xmlns:a16="http://schemas.microsoft.com/office/drawing/2014/main" xmlns="" id="{9CBF18FB-35A7-4694-87E9-E8AAD9DDFDF1}"/>
               </a:ext>
             </a:extLst>
           </p:cNvPr>
@@ -11562,7 +11562,7 @@
           <p:cNvPr id="12" name="Google Shape;107;p19">
             <a:extLst>
               <a:ext uri="{FF2B5EF4-FFF2-40B4-BE49-F238E27FC236}">
-                <a16:creationId xmlns:a16="http://schemas.microsoft.com/office/drawing/2014/main" id="{3FD23F59-C6D4-4E19-9646-9C6F0CCA4186}"/>
+                <a16:creationId xmlns:a16="http://schemas.microsoft.com/office/drawing/2014/main" xmlns="" id="{3FD23F59-C6D4-4E19-9646-9C6F0CCA4186}"/>
               </a:ext>
             </a:extLst>
           </p:cNvPr>
@@ -11612,7 +11612,7 @@
           <p:cNvPr id="13" name="Google Shape;108;p19">
             <a:extLst>
               <a:ext uri="{FF2B5EF4-FFF2-40B4-BE49-F238E27FC236}">
-                <a16:creationId xmlns:a16="http://schemas.microsoft.com/office/drawing/2014/main" id="{8163BCDB-203B-41C2-9908-B46E25EE746C}"/>
+                <a16:creationId xmlns:a16="http://schemas.microsoft.com/office/drawing/2014/main" xmlns="" id="{8163BCDB-203B-41C2-9908-B46E25EE746C}"/>
               </a:ext>
             </a:extLst>
           </p:cNvPr>
@@ -11662,7 +11662,7 @@
           <p:cNvPr id="14" name="Google Shape;109;p19">
             <a:extLst>
               <a:ext uri="{FF2B5EF4-FFF2-40B4-BE49-F238E27FC236}">
-                <a16:creationId xmlns:a16="http://schemas.microsoft.com/office/drawing/2014/main" id="{E948E2B3-6C48-43BC-8757-357BA48C285C}"/>
+                <a16:creationId xmlns:a16="http://schemas.microsoft.com/office/drawing/2014/main" xmlns="" id="{E948E2B3-6C48-43BC-8757-357BA48C285C}"/>
               </a:ext>
             </a:extLst>
           </p:cNvPr>
@@ -11712,7 +11712,7 @@
           <p:cNvPr id="15" name="Google Shape;110;p19">
             <a:extLst>
               <a:ext uri="{FF2B5EF4-FFF2-40B4-BE49-F238E27FC236}">
-                <a16:creationId xmlns:a16="http://schemas.microsoft.com/office/drawing/2014/main" id="{2A94F3DA-5D5A-4563-917A-35DE8CA8FB88}"/>
+                <a16:creationId xmlns:a16="http://schemas.microsoft.com/office/drawing/2014/main" xmlns="" id="{2A94F3DA-5D5A-4563-917A-35DE8CA8FB88}"/>
               </a:ext>
             </a:extLst>
           </p:cNvPr>
@@ -11762,7 +11762,7 @@
           <p:cNvPr id="16" name="Google Shape;111;p19">
             <a:extLst>
               <a:ext uri="{FF2B5EF4-FFF2-40B4-BE49-F238E27FC236}">
-                <a16:creationId xmlns:a16="http://schemas.microsoft.com/office/drawing/2014/main" id="{2C94B287-EF17-4CC5-91B6-E385CD380C80}"/>
+                <a16:creationId xmlns:a16="http://schemas.microsoft.com/office/drawing/2014/main" xmlns="" id="{2C94B287-EF17-4CC5-91B6-E385CD380C80}"/>
               </a:ext>
             </a:extLst>
           </p:cNvPr>
@@ -11802,7 +11802,7 @@
           <p:cNvPr id="17" name="Google Shape;112;p19">
             <a:extLst>
               <a:ext uri="{FF2B5EF4-FFF2-40B4-BE49-F238E27FC236}">
-                <a16:creationId xmlns:a16="http://schemas.microsoft.com/office/drawing/2014/main" id="{B65D0F7C-0FDC-48B6-A3F7-AC4562F1F969}"/>
+                <a16:creationId xmlns:a16="http://schemas.microsoft.com/office/drawing/2014/main" xmlns="" id="{B65D0F7C-0FDC-48B6-A3F7-AC4562F1F969}"/>
               </a:ext>
             </a:extLst>
           </p:cNvPr>
@@ -11842,7 +11842,7 @@
           <p:cNvPr id="18" name="Google Shape;113;p19">
             <a:extLst>
               <a:ext uri="{FF2B5EF4-FFF2-40B4-BE49-F238E27FC236}">
-                <a16:creationId xmlns:a16="http://schemas.microsoft.com/office/drawing/2014/main" id="{D1AEA08C-49CA-4E61-8CBD-46475D2839AD}"/>
+                <a16:creationId xmlns:a16="http://schemas.microsoft.com/office/drawing/2014/main" xmlns="" id="{D1AEA08C-49CA-4E61-8CBD-46475D2839AD}"/>
               </a:ext>
             </a:extLst>
           </p:cNvPr>
@@ -11912,7 +11912,7 @@
           <p:cNvPr id="3" name="投影片編號版面配置區 2">
             <a:extLst>
               <a:ext uri="{FF2B5EF4-FFF2-40B4-BE49-F238E27FC236}">
-                <a16:creationId xmlns:a16="http://schemas.microsoft.com/office/drawing/2014/main" id="{0EB6899C-2B6D-442D-8D03-B0F4A6AEBBBF}"/>
+                <a16:creationId xmlns:a16="http://schemas.microsoft.com/office/drawing/2014/main" xmlns="" id="{0EB6899C-2B6D-442D-8D03-B0F4A6AEBBBF}"/>
               </a:ext>
             </a:extLst>
           </p:cNvPr>
@@ -11942,7 +11942,7 @@
           <p:cNvPr id="4" name="標題 3">
             <a:extLst>
               <a:ext uri="{FF2B5EF4-FFF2-40B4-BE49-F238E27FC236}">
-                <a16:creationId xmlns:a16="http://schemas.microsoft.com/office/drawing/2014/main" id="{17460FE7-6787-4031-A75D-B09144A38E6C}"/>
+                <a16:creationId xmlns:a16="http://schemas.microsoft.com/office/drawing/2014/main" xmlns="" id="{17460FE7-6787-4031-A75D-B09144A38E6C}"/>
               </a:ext>
             </a:extLst>
           </p:cNvPr>
@@ -11970,7 +11970,7 @@
           <p:cNvPr id="19" name="Google Shape;119;p20">
             <a:extLst>
               <a:ext uri="{FF2B5EF4-FFF2-40B4-BE49-F238E27FC236}">
-                <a16:creationId xmlns:a16="http://schemas.microsoft.com/office/drawing/2014/main" id="{B16AEE6B-8094-4717-8F9F-17219F8485CC}"/>
+                <a16:creationId xmlns:a16="http://schemas.microsoft.com/office/drawing/2014/main" xmlns="" id="{B16AEE6B-8094-4717-8F9F-17219F8485CC}"/>
               </a:ext>
             </a:extLst>
           </p:cNvPr>
@@ -11997,28 +11997,28 @@
                 <a:gridCol w="1960562">
                   <a:extLst>
                     <a:ext uri="{9D8B030D-6E8A-4147-A177-3AD203B41FA5}">
-                      <a16:colId xmlns:a16="http://schemas.microsoft.com/office/drawing/2014/main" val="20000"/>
+                      <a16:colId xmlns:a16="http://schemas.microsoft.com/office/drawing/2014/main" xmlns="" val="20000"/>
                     </a:ext>
                   </a:extLst>
                 </a:gridCol>
                 <a:gridCol w="1960562">
                   <a:extLst>
                     <a:ext uri="{9D8B030D-6E8A-4147-A177-3AD203B41FA5}">
-                      <a16:colId xmlns:a16="http://schemas.microsoft.com/office/drawing/2014/main" val="20001"/>
+                      <a16:colId xmlns:a16="http://schemas.microsoft.com/office/drawing/2014/main" xmlns="" val="20001"/>
                     </a:ext>
                   </a:extLst>
                 </a:gridCol>
                 <a:gridCol w="1960562">
                   <a:extLst>
                     <a:ext uri="{9D8B030D-6E8A-4147-A177-3AD203B41FA5}">
-                      <a16:colId xmlns:a16="http://schemas.microsoft.com/office/drawing/2014/main" val="20002"/>
+                      <a16:colId xmlns:a16="http://schemas.microsoft.com/office/drawing/2014/main" xmlns="" val="20002"/>
                     </a:ext>
                   </a:extLst>
                 </a:gridCol>
                 <a:gridCol w="1960562">
                   <a:extLst>
                     <a:ext uri="{9D8B030D-6E8A-4147-A177-3AD203B41FA5}">
-                      <a16:colId xmlns:a16="http://schemas.microsoft.com/office/drawing/2014/main" val="20003"/>
+                      <a16:colId xmlns:a16="http://schemas.microsoft.com/office/drawing/2014/main" xmlns="" val="20003"/>
                     </a:ext>
                   </a:extLst>
                 </a:gridCol>
@@ -12143,7 +12143,7 @@
                 </a:tc>
                 <a:extLst>
                   <a:ext uri="{0D108BD9-81ED-4DB2-BD59-A6C34878D82A}">
-                    <a16:rowId xmlns:a16="http://schemas.microsoft.com/office/drawing/2014/main" val="10000"/>
+                    <a16:rowId xmlns:a16="http://schemas.microsoft.com/office/drawing/2014/main" xmlns="" val="10000"/>
                   </a:ext>
                 </a:extLst>
               </a:tr>
@@ -12303,7 +12303,7 @@
                 </a:tc>
                 <a:extLst>
                   <a:ext uri="{0D108BD9-81ED-4DB2-BD59-A6C34878D82A}">
-                    <a16:rowId xmlns:a16="http://schemas.microsoft.com/office/drawing/2014/main" val="10001"/>
+                    <a16:rowId xmlns:a16="http://schemas.microsoft.com/office/drawing/2014/main" xmlns="" val="10001"/>
                   </a:ext>
                 </a:extLst>
               </a:tr>
@@ -12455,7 +12455,7 @@
                 </a:tc>
                 <a:extLst>
                   <a:ext uri="{0D108BD9-81ED-4DB2-BD59-A6C34878D82A}">
-                    <a16:rowId xmlns:a16="http://schemas.microsoft.com/office/drawing/2014/main" val="10002"/>
+                    <a16:rowId xmlns:a16="http://schemas.microsoft.com/office/drawing/2014/main" xmlns="" val="10002"/>
                   </a:ext>
                 </a:extLst>
               </a:tr>
@@ -12498,7 +12498,7 @@
           <p:cNvPr id="3" name="投影片編號版面配置區 2">
             <a:extLst>
               <a:ext uri="{FF2B5EF4-FFF2-40B4-BE49-F238E27FC236}">
-                <a16:creationId xmlns:a16="http://schemas.microsoft.com/office/drawing/2014/main" id="{9275810A-3514-4659-9E26-63E804D450E1}"/>
+                <a16:creationId xmlns:a16="http://schemas.microsoft.com/office/drawing/2014/main" xmlns="" id="{9275810A-3514-4659-9E26-63E804D450E1}"/>
               </a:ext>
             </a:extLst>
           </p:cNvPr>
@@ -12528,7 +12528,7 @@
           <p:cNvPr id="4" name="標題 3">
             <a:extLst>
               <a:ext uri="{FF2B5EF4-FFF2-40B4-BE49-F238E27FC236}">
-                <a16:creationId xmlns:a16="http://schemas.microsoft.com/office/drawing/2014/main" id="{F93031F2-CCDE-4537-8AA9-4328819E9838}"/>
+                <a16:creationId xmlns:a16="http://schemas.microsoft.com/office/drawing/2014/main" xmlns="" id="{F93031F2-CCDE-4537-8AA9-4328819E9838}"/>
               </a:ext>
             </a:extLst>
           </p:cNvPr>
@@ -12556,7 +12556,7 @@
           <p:cNvPr id="5" name="Google Shape;125;p21">
             <a:extLst>
               <a:ext uri="{FF2B5EF4-FFF2-40B4-BE49-F238E27FC236}">
-                <a16:creationId xmlns:a16="http://schemas.microsoft.com/office/drawing/2014/main" id="{96916BB4-3A51-40CF-AFB7-C0E5EF96017B}"/>
+                <a16:creationId xmlns:a16="http://schemas.microsoft.com/office/drawing/2014/main" xmlns="" id="{96916BB4-3A51-40CF-AFB7-C0E5EF96017B}"/>
               </a:ext>
             </a:extLst>
           </p:cNvPr>
@@ -12612,7 +12612,7 @@
           <p:cNvPr id="6" name="Google Shape;126;p21">
             <a:extLst>
               <a:ext uri="{FF2B5EF4-FFF2-40B4-BE49-F238E27FC236}">
-                <a16:creationId xmlns:a16="http://schemas.microsoft.com/office/drawing/2014/main" id="{BAE76217-D433-4B24-9DD1-52FB77EB6E46}"/>
+                <a16:creationId xmlns:a16="http://schemas.microsoft.com/office/drawing/2014/main" xmlns="" id="{BAE76217-D433-4B24-9DD1-52FB77EB6E46}"/>
               </a:ext>
             </a:extLst>
           </p:cNvPr>
@@ -12668,7 +12668,7 @@
           <p:cNvPr id="7" name="Google Shape;127;p21">
             <a:extLst>
               <a:ext uri="{FF2B5EF4-FFF2-40B4-BE49-F238E27FC236}">
-                <a16:creationId xmlns:a16="http://schemas.microsoft.com/office/drawing/2014/main" id="{CD126C97-43CA-47FB-979D-7DCA9A96BA9A}"/>
+                <a16:creationId xmlns:a16="http://schemas.microsoft.com/office/drawing/2014/main" xmlns="" id="{CD126C97-43CA-47FB-979D-7DCA9A96BA9A}"/>
               </a:ext>
             </a:extLst>
           </p:cNvPr>
@@ -12724,7 +12724,7 @@
           <p:cNvPr id="8" name="Google Shape;128;p21">
             <a:extLst>
               <a:ext uri="{FF2B5EF4-FFF2-40B4-BE49-F238E27FC236}">
-                <a16:creationId xmlns:a16="http://schemas.microsoft.com/office/drawing/2014/main" id="{2A77D46C-B0FC-4364-AF36-1B02898A48A0}"/>
+                <a16:creationId xmlns:a16="http://schemas.microsoft.com/office/drawing/2014/main" xmlns="" id="{2A77D46C-B0FC-4364-AF36-1B02898A48A0}"/>
               </a:ext>
             </a:extLst>
           </p:cNvPr>
@@ -12785,7 +12785,7 @@
           <p:cNvPr id="9" name="Google Shape;129;p21">
             <a:extLst>
               <a:ext uri="{FF2B5EF4-FFF2-40B4-BE49-F238E27FC236}">
-                <a16:creationId xmlns:a16="http://schemas.microsoft.com/office/drawing/2014/main" id="{6D5A1A54-F2AE-4B85-8409-2D34613AD8B4}"/>
+                <a16:creationId xmlns:a16="http://schemas.microsoft.com/office/drawing/2014/main" xmlns="" id="{6D5A1A54-F2AE-4B85-8409-2D34613AD8B4}"/>
               </a:ext>
             </a:extLst>
           </p:cNvPr>
@@ -12841,7 +12841,7 @@
           <p:cNvPr id="10" name="Google Shape;130;p21">
             <a:extLst>
               <a:ext uri="{FF2B5EF4-FFF2-40B4-BE49-F238E27FC236}">
-                <a16:creationId xmlns:a16="http://schemas.microsoft.com/office/drawing/2014/main" id="{0184353D-DA85-41B9-A98A-C957F618DFE5}"/>
+                <a16:creationId xmlns:a16="http://schemas.microsoft.com/office/drawing/2014/main" xmlns="" id="{0184353D-DA85-41B9-A98A-C957F618DFE5}"/>
               </a:ext>
             </a:extLst>
           </p:cNvPr>
@@ -12897,7 +12897,7 @@
           <p:cNvPr id="11" name="Google Shape;131;p21">
             <a:extLst>
               <a:ext uri="{FF2B5EF4-FFF2-40B4-BE49-F238E27FC236}">
-                <a16:creationId xmlns:a16="http://schemas.microsoft.com/office/drawing/2014/main" id="{EDF45DC7-7D9E-44C6-AC98-180125ABF1D4}"/>
+                <a16:creationId xmlns:a16="http://schemas.microsoft.com/office/drawing/2014/main" xmlns="" id="{EDF45DC7-7D9E-44C6-AC98-180125ABF1D4}"/>
               </a:ext>
             </a:extLst>
           </p:cNvPr>
@@ -12932,7 +12932,7 @@
           <p:cNvPr id="12" name="Google Shape;132;p21">
             <a:extLst>
               <a:ext uri="{FF2B5EF4-FFF2-40B4-BE49-F238E27FC236}">
-                <a16:creationId xmlns:a16="http://schemas.microsoft.com/office/drawing/2014/main" id="{E917CFA6-8E71-4A88-902E-B16096FE25D3}"/>
+                <a16:creationId xmlns:a16="http://schemas.microsoft.com/office/drawing/2014/main" xmlns="" id="{E917CFA6-8E71-4A88-902E-B16096FE25D3}"/>
               </a:ext>
             </a:extLst>
           </p:cNvPr>
@@ -12967,7 +12967,7 @@
           <p:cNvPr id="13" name="Google Shape;133;p21">
             <a:extLst>
               <a:ext uri="{FF2B5EF4-FFF2-40B4-BE49-F238E27FC236}">
-                <a16:creationId xmlns:a16="http://schemas.microsoft.com/office/drawing/2014/main" id="{0743B549-DD88-439C-A299-22D9C822874D}"/>
+                <a16:creationId xmlns:a16="http://schemas.microsoft.com/office/drawing/2014/main" xmlns="" id="{0743B549-DD88-439C-A299-22D9C822874D}"/>
               </a:ext>
             </a:extLst>
           </p:cNvPr>
@@ -13002,7 +13002,7 @@
           <p:cNvPr id="14" name="Google Shape;134;p21">
             <a:extLst>
               <a:ext uri="{FF2B5EF4-FFF2-40B4-BE49-F238E27FC236}">
-                <a16:creationId xmlns:a16="http://schemas.microsoft.com/office/drawing/2014/main" id="{10EA0533-EDED-4C87-863F-B9FEFFBB8E78}"/>
+                <a16:creationId xmlns:a16="http://schemas.microsoft.com/office/drawing/2014/main" xmlns="" id="{10EA0533-EDED-4C87-863F-B9FEFFBB8E78}"/>
               </a:ext>
             </a:extLst>
           </p:cNvPr>
@@ -13037,7 +13037,7 @@
           <p:cNvPr id="15" name="Google Shape;135;p21">
             <a:extLst>
               <a:ext uri="{FF2B5EF4-FFF2-40B4-BE49-F238E27FC236}">
-                <a16:creationId xmlns:a16="http://schemas.microsoft.com/office/drawing/2014/main" id="{EE1FC82E-CF0E-4206-9D36-40BDF90986B3}"/>
+                <a16:creationId xmlns:a16="http://schemas.microsoft.com/office/drawing/2014/main" xmlns="" id="{EE1FC82E-CF0E-4206-9D36-40BDF90986B3}"/>
               </a:ext>
             </a:extLst>
           </p:cNvPr>
@@ -13082,7 +13082,7 @@
           <p:cNvPr id="16" name="Google Shape;136;p21">
             <a:extLst>
               <a:ext uri="{FF2B5EF4-FFF2-40B4-BE49-F238E27FC236}">
-                <a16:creationId xmlns:a16="http://schemas.microsoft.com/office/drawing/2014/main" id="{3A3D2994-DD9C-4D9B-A0A5-A6E5714E8C01}"/>
+                <a16:creationId xmlns:a16="http://schemas.microsoft.com/office/drawing/2014/main" xmlns="" id="{3A3D2994-DD9C-4D9B-A0A5-A6E5714E8C01}"/>
               </a:ext>
             </a:extLst>
           </p:cNvPr>
@@ -13146,7 +13146,7 @@
           <p:cNvPr id="17" name="Google Shape;137;p21">
             <a:extLst>
               <a:ext uri="{FF2B5EF4-FFF2-40B4-BE49-F238E27FC236}">
-                <a16:creationId xmlns:a16="http://schemas.microsoft.com/office/drawing/2014/main" id="{5F8B668C-4DD2-4C69-9A74-FE871CA8F7A1}"/>
+                <a16:creationId xmlns:a16="http://schemas.microsoft.com/office/drawing/2014/main" xmlns="" id="{5F8B668C-4DD2-4C69-9A74-FE871CA8F7A1}"/>
               </a:ext>
             </a:extLst>
           </p:cNvPr>
@@ -13194,7 +13194,7 @@
           <p:cNvPr id="18" name="Google Shape;138;p21">
             <a:extLst>
               <a:ext uri="{FF2B5EF4-FFF2-40B4-BE49-F238E27FC236}">
-                <a16:creationId xmlns:a16="http://schemas.microsoft.com/office/drawing/2014/main" id="{6BD2DB38-91F5-4BBE-8DCB-1EB26B8BA7B7}"/>
+                <a16:creationId xmlns:a16="http://schemas.microsoft.com/office/drawing/2014/main" xmlns="" id="{6BD2DB38-91F5-4BBE-8DCB-1EB26B8BA7B7}"/>
               </a:ext>
             </a:extLst>
           </p:cNvPr>
@@ -13250,7 +13250,7 @@
           <p:cNvPr id="19" name="Google Shape;139;p21">
             <a:extLst>
               <a:ext uri="{FF2B5EF4-FFF2-40B4-BE49-F238E27FC236}">
-                <a16:creationId xmlns:a16="http://schemas.microsoft.com/office/drawing/2014/main" id="{7FC224DE-B5C9-4E2B-B94A-160D9224782A}"/>
+                <a16:creationId xmlns:a16="http://schemas.microsoft.com/office/drawing/2014/main" xmlns="" id="{7FC224DE-B5C9-4E2B-B94A-160D9224782A}"/>
               </a:ext>
             </a:extLst>
           </p:cNvPr>
@@ -13285,7 +13285,7 @@
           <p:cNvPr id="20" name="Google Shape;140;p21">
             <a:extLst>
               <a:ext uri="{FF2B5EF4-FFF2-40B4-BE49-F238E27FC236}">
-                <a16:creationId xmlns:a16="http://schemas.microsoft.com/office/drawing/2014/main" id="{C9AD1505-78CE-4722-AFC5-63CAFC4693D2}"/>
+                <a16:creationId xmlns:a16="http://schemas.microsoft.com/office/drawing/2014/main" xmlns="" id="{C9AD1505-78CE-4722-AFC5-63CAFC4693D2}"/>
               </a:ext>
             </a:extLst>
           </p:cNvPr>
@@ -13341,7 +13341,7 @@
           <p:cNvPr id="21" name="Google Shape;141;p21">
             <a:extLst>
               <a:ext uri="{FF2B5EF4-FFF2-40B4-BE49-F238E27FC236}">
-                <a16:creationId xmlns:a16="http://schemas.microsoft.com/office/drawing/2014/main" id="{EC8245F3-AA29-41F3-8B86-A3E3DCD83A8E}"/>
+                <a16:creationId xmlns:a16="http://schemas.microsoft.com/office/drawing/2014/main" xmlns="" id="{EC8245F3-AA29-41F3-8B86-A3E3DCD83A8E}"/>
               </a:ext>
             </a:extLst>
           </p:cNvPr>
@@ -13406,7 +13406,7 @@
           <p:cNvPr id="2" name="內容版面配置區 1">
             <a:extLst>
               <a:ext uri="{FF2B5EF4-FFF2-40B4-BE49-F238E27FC236}">
-                <a16:creationId xmlns:a16="http://schemas.microsoft.com/office/drawing/2014/main" id="{4C21C9DF-1F15-412C-B3B8-04F05770C92C}"/>
+                <a16:creationId xmlns:a16="http://schemas.microsoft.com/office/drawing/2014/main" xmlns="" id="{4C21C9DF-1F15-412C-B3B8-04F05770C92C}"/>
               </a:ext>
             </a:extLst>
           </p:cNvPr>
@@ -13500,7 +13500,7 @@
           <p:cNvPr id="3" name="投影片編號版面配置區 2">
             <a:extLst>
               <a:ext uri="{FF2B5EF4-FFF2-40B4-BE49-F238E27FC236}">
-                <a16:creationId xmlns:a16="http://schemas.microsoft.com/office/drawing/2014/main" id="{4CA5973D-F66B-4F2E-8C31-EE3A593D76EF}"/>
+                <a16:creationId xmlns:a16="http://schemas.microsoft.com/office/drawing/2014/main" xmlns="" id="{4CA5973D-F66B-4F2E-8C31-EE3A593D76EF}"/>
               </a:ext>
             </a:extLst>
           </p:cNvPr>
@@ -13530,7 +13530,7 @@
           <p:cNvPr id="4" name="標題 3">
             <a:extLst>
               <a:ext uri="{FF2B5EF4-FFF2-40B4-BE49-F238E27FC236}">
-                <a16:creationId xmlns:a16="http://schemas.microsoft.com/office/drawing/2014/main" id="{A431D156-D721-4C6B-BF37-9ADC4EC37B5D}"/>
+                <a16:creationId xmlns:a16="http://schemas.microsoft.com/office/drawing/2014/main" xmlns="" id="{A431D156-D721-4C6B-BF37-9ADC4EC37B5D}"/>
               </a:ext>
             </a:extLst>
           </p:cNvPr>
@@ -13563,7 +13563,7 @@
           <p:cNvPr id="5" name="內容版面配置區 4">
             <a:extLst>
               <a:ext uri="{FF2B5EF4-FFF2-40B4-BE49-F238E27FC236}">
-                <a16:creationId xmlns:a16="http://schemas.microsoft.com/office/drawing/2014/main" id="{C33F594D-36E4-4C16-B1CC-51ECDF27BECE}"/>
+                <a16:creationId xmlns:a16="http://schemas.microsoft.com/office/drawing/2014/main" xmlns="" id="{C33F594D-36E4-4C16-B1CC-51ECDF27BECE}"/>
               </a:ext>
             </a:extLst>
           </p:cNvPr>
@@ -13592,21 +13592,21 @@
                 <a:gridCol w="641600">
                   <a:extLst>
                     <a:ext uri="{9D8B030D-6E8A-4147-A177-3AD203B41FA5}">
-                      <a16:colId xmlns:a16="http://schemas.microsoft.com/office/drawing/2014/main" val="3476581576"/>
+                      <a16:colId xmlns:a16="http://schemas.microsoft.com/office/drawing/2014/main" xmlns="" val="3476581576"/>
                     </a:ext>
                   </a:extLst>
                 </a:gridCol>
                 <a:gridCol w="2079500">
                   <a:extLst>
                     <a:ext uri="{9D8B030D-6E8A-4147-A177-3AD203B41FA5}">
-                      <a16:colId xmlns:a16="http://schemas.microsoft.com/office/drawing/2014/main" val="2430877685"/>
+                      <a16:colId xmlns:a16="http://schemas.microsoft.com/office/drawing/2014/main" xmlns="" val="2430877685"/>
                     </a:ext>
                   </a:extLst>
                 </a:gridCol>
                 <a:gridCol w="2079500">
                   <a:extLst>
                     <a:ext uri="{9D8B030D-6E8A-4147-A177-3AD203B41FA5}">
-                      <a16:colId xmlns:a16="http://schemas.microsoft.com/office/drawing/2014/main" val="3294346800"/>
+                      <a16:colId xmlns:a16="http://schemas.microsoft.com/office/drawing/2014/main" xmlns="" val="3294346800"/>
                     </a:ext>
                   </a:extLst>
                 </a:gridCol>
@@ -13705,7 +13705,7 @@
                 </a:tc>
                 <a:extLst>
                   <a:ext uri="{0D108BD9-81ED-4DB2-BD59-A6C34878D82A}">
-                    <a16:rowId xmlns:a16="http://schemas.microsoft.com/office/drawing/2014/main" val="734538874"/>
+                    <a16:rowId xmlns:a16="http://schemas.microsoft.com/office/drawing/2014/main" xmlns="" val="734538874"/>
                   </a:ext>
                 </a:extLst>
               </a:tr>
@@ -13766,7 +13766,7 @@
                 </a:tc>
                 <a:extLst>
                   <a:ext uri="{0D108BD9-81ED-4DB2-BD59-A6C34878D82A}">
-                    <a16:rowId xmlns:a16="http://schemas.microsoft.com/office/drawing/2014/main" val="2919696868"/>
+                    <a16:rowId xmlns:a16="http://schemas.microsoft.com/office/drawing/2014/main" xmlns="" val="2919696868"/>
                   </a:ext>
                 </a:extLst>
               </a:tr>
@@ -13815,6 +13815,12 @@
                         </a:rPr>
                         <a:t>物件關聯簡單</a:t>
                       </a:r>
+                      <a:r>
+                        <a:rPr lang="en-US" altLang="zh-TW" dirty="0">
+                          <a:effectLst/>
+                        </a:rPr>
+                        <a:t/>
+                      </a:r>
                       <a:br>
                         <a:rPr lang="en-US" altLang="zh-TW" dirty="0">
                           <a:effectLst/>
@@ -13856,7 +13862,7 @@
                 </a:tc>
                 <a:extLst>
                   <a:ext uri="{0D108BD9-81ED-4DB2-BD59-A6C34878D82A}">
-                    <a16:rowId xmlns:a16="http://schemas.microsoft.com/office/drawing/2014/main" val="3045372377"/>
+                    <a16:rowId xmlns:a16="http://schemas.microsoft.com/office/drawing/2014/main" xmlns="" val="3045372377"/>
                   </a:ext>
                 </a:extLst>
               </a:tr>
@@ -13956,7 +13962,7 @@
                 </a:tc>
                 <a:extLst>
                   <a:ext uri="{0D108BD9-81ED-4DB2-BD59-A6C34878D82A}">
-                    <a16:rowId xmlns:a16="http://schemas.microsoft.com/office/drawing/2014/main" val="2859791817"/>
+                    <a16:rowId xmlns:a16="http://schemas.microsoft.com/office/drawing/2014/main" xmlns="" val="2859791817"/>
                   </a:ext>
                 </a:extLst>
               </a:tr>
@@ -14023,7 +14029,7 @@
                 </a:tc>
                 <a:extLst>
                   <a:ext uri="{0D108BD9-81ED-4DB2-BD59-A6C34878D82A}">
-                    <a16:rowId xmlns:a16="http://schemas.microsoft.com/office/drawing/2014/main" val="891433798"/>
+                    <a16:rowId xmlns:a16="http://schemas.microsoft.com/office/drawing/2014/main" xmlns="" val="891433798"/>
                   </a:ext>
                 </a:extLst>
               </a:tr>
@@ -14036,7 +14042,7 @@
           <p:cNvPr id="7" name="內容版面配置區 1">
             <a:extLst>
               <a:ext uri="{FF2B5EF4-FFF2-40B4-BE49-F238E27FC236}">
-                <a16:creationId xmlns:a16="http://schemas.microsoft.com/office/drawing/2014/main" id="{C84222C1-1433-4423-B572-88F3E157B19A}"/>
+                <a16:creationId xmlns:a16="http://schemas.microsoft.com/office/drawing/2014/main" xmlns="" id="{C84222C1-1433-4423-B572-88F3E157B19A}"/>
               </a:ext>
             </a:extLst>
           </p:cNvPr>
@@ -14286,7 +14292,7 @@
           <p:cNvPr id="3" name="投影片編號版面配置區 2">
             <a:extLst>
               <a:ext uri="{FF2B5EF4-FFF2-40B4-BE49-F238E27FC236}">
-                <a16:creationId xmlns:a16="http://schemas.microsoft.com/office/drawing/2014/main" id="{07798214-7CF0-4FDD-8BC8-DBFFB66678F4}"/>
+                <a16:creationId xmlns:a16="http://schemas.microsoft.com/office/drawing/2014/main" xmlns="" id="{07798214-7CF0-4FDD-8BC8-DBFFB66678F4}"/>
               </a:ext>
             </a:extLst>
           </p:cNvPr>
@@ -14316,7 +14322,7 @@
           <p:cNvPr id="4" name="標題 3">
             <a:extLst>
               <a:ext uri="{FF2B5EF4-FFF2-40B4-BE49-F238E27FC236}">
-                <a16:creationId xmlns:a16="http://schemas.microsoft.com/office/drawing/2014/main" id="{DDBC52FB-3A27-4F7E-B48F-8504E72729DB}"/>
+                <a16:creationId xmlns:a16="http://schemas.microsoft.com/office/drawing/2014/main" xmlns="" id="{DDBC52FB-3A27-4F7E-B48F-8504E72729DB}"/>
               </a:ext>
             </a:extLst>
           </p:cNvPr>
@@ -14344,7 +14350,7 @@
           <p:cNvPr id="5" name="Google Shape;187;p24">
             <a:extLst>
               <a:ext uri="{FF2B5EF4-FFF2-40B4-BE49-F238E27FC236}">
-                <a16:creationId xmlns:a16="http://schemas.microsoft.com/office/drawing/2014/main" id="{AAE1C860-3DF0-429E-A35A-02869AAB473C}"/>
+                <a16:creationId xmlns:a16="http://schemas.microsoft.com/office/drawing/2014/main" xmlns="" id="{AAE1C860-3DF0-429E-A35A-02869AAB473C}"/>
               </a:ext>
             </a:extLst>
           </p:cNvPr>
@@ -14364,7 +14370,7 @@
             <p:cNvPr id="6" name="Google Shape;188;p24">
               <a:extLst>
                 <a:ext uri="{FF2B5EF4-FFF2-40B4-BE49-F238E27FC236}">
-                  <a16:creationId xmlns:a16="http://schemas.microsoft.com/office/drawing/2014/main" id="{713E3DCC-1625-499C-836E-4E505BB9E56E}"/>
+                  <a16:creationId xmlns:a16="http://schemas.microsoft.com/office/drawing/2014/main" xmlns="" id="{713E3DCC-1625-499C-836E-4E505BB9E56E}"/>
                 </a:ext>
               </a:extLst>
             </p:cNvPr>
@@ -14423,7 +14429,7 @@
             <p:cNvPr id="7" name="Google Shape;189;p24">
               <a:extLst>
                 <a:ext uri="{FF2B5EF4-FFF2-40B4-BE49-F238E27FC236}">
-                  <a16:creationId xmlns:a16="http://schemas.microsoft.com/office/drawing/2014/main" id="{A888EF92-D0A0-434A-9C05-796ED68004B9}"/>
+                  <a16:creationId xmlns:a16="http://schemas.microsoft.com/office/drawing/2014/main" xmlns="" id="{A888EF92-D0A0-434A-9C05-796ED68004B9}"/>
                 </a:ext>
               </a:extLst>
             </p:cNvPr>
@@ -14482,7 +14488,7 @@
             <p:cNvPr id="8" name="Google Shape;190;p24">
               <a:extLst>
                 <a:ext uri="{FF2B5EF4-FFF2-40B4-BE49-F238E27FC236}">
-                  <a16:creationId xmlns:a16="http://schemas.microsoft.com/office/drawing/2014/main" id="{0D00349C-E564-40D4-AF54-69B34BE00982}"/>
+                  <a16:creationId xmlns:a16="http://schemas.microsoft.com/office/drawing/2014/main" xmlns="" id="{0D00349C-E564-40D4-AF54-69B34BE00982}"/>
                 </a:ext>
               </a:extLst>
             </p:cNvPr>
@@ -14541,7 +14547,7 @@
             <p:cNvPr id="9" name="Google Shape;191;p24">
               <a:extLst>
                 <a:ext uri="{FF2B5EF4-FFF2-40B4-BE49-F238E27FC236}">
-                  <a16:creationId xmlns:a16="http://schemas.microsoft.com/office/drawing/2014/main" id="{713530F4-D4A1-4CAC-AC78-E9F95D915EE0}"/>
+                  <a16:creationId xmlns:a16="http://schemas.microsoft.com/office/drawing/2014/main" xmlns="" id="{713530F4-D4A1-4CAC-AC78-E9F95D915EE0}"/>
                 </a:ext>
               </a:extLst>
             </p:cNvPr>
@@ -14600,7 +14606,7 @@
             <p:cNvPr id="10" name="Google Shape;192;p24">
               <a:extLst>
                 <a:ext uri="{FF2B5EF4-FFF2-40B4-BE49-F238E27FC236}">
-                  <a16:creationId xmlns:a16="http://schemas.microsoft.com/office/drawing/2014/main" id="{362FA256-846D-4C00-A2B8-E529EE379A22}"/>
+                  <a16:creationId xmlns:a16="http://schemas.microsoft.com/office/drawing/2014/main" xmlns="" id="{362FA256-846D-4C00-A2B8-E529EE379A22}"/>
                 </a:ext>
               </a:extLst>
             </p:cNvPr>
@@ -14660,7 +14666,7 @@
           <p:cNvPr id="11" name="Google Shape;193;p24">
             <a:extLst>
               <a:ext uri="{FF2B5EF4-FFF2-40B4-BE49-F238E27FC236}">
-                <a16:creationId xmlns:a16="http://schemas.microsoft.com/office/drawing/2014/main" id="{C8DB8ACB-4F92-41BD-B60E-2E3A8FB1D788}"/>
+                <a16:creationId xmlns:a16="http://schemas.microsoft.com/office/drawing/2014/main" xmlns="" id="{C8DB8ACB-4F92-41BD-B60E-2E3A8FB1D788}"/>
               </a:ext>
             </a:extLst>
           </p:cNvPr>
@@ -14778,7 +14784,7 @@
           <p:cNvPr id="12" name="Google Shape;194;p24">
             <a:extLst>
               <a:ext uri="{FF2B5EF4-FFF2-40B4-BE49-F238E27FC236}">
-                <a16:creationId xmlns:a16="http://schemas.microsoft.com/office/drawing/2014/main" id="{74401BAC-BCFC-4E86-9FA9-179CB7A5F232}"/>
+                <a16:creationId xmlns:a16="http://schemas.microsoft.com/office/drawing/2014/main" xmlns="" id="{74401BAC-BCFC-4E86-9FA9-179CB7A5F232}"/>
               </a:ext>
             </a:extLst>
           </p:cNvPr>
@@ -14926,7 +14932,7 @@
           <p:cNvPr id="3" name="投影片編號版面配置區 2">
             <a:extLst>
               <a:ext uri="{FF2B5EF4-FFF2-40B4-BE49-F238E27FC236}">
-                <a16:creationId xmlns:a16="http://schemas.microsoft.com/office/drawing/2014/main" id="{218B718F-8482-48BC-A72E-94FDC7EC9CEB}"/>
+                <a16:creationId xmlns:a16="http://schemas.microsoft.com/office/drawing/2014/main" xmlns="" id="{218B718F-8482-48BC-A72E-94FDC7EC9CEB}"/>
               </a:ext>
             </a:extLst>
           </p:cNvPr>
@@ -14956,7 +14962,7 @@
           <p:cNvPr id="4" name="標題 3">
             <a:extLst>
               <a:ext uri="{FF2B5EF4-FFF2-40B4-BE49-F238E27FC236}">
-                <a16:creationId xmlns:a16="http://schemas.microsoft.com/office/drawing/2014/main" id="{037FB070-BB1F-47FC-97A4-46CE521E6A0F}"/>
+                <a16:creationId xmlns:a16="http://schemas.microsoft.com/office/drawing/2014/main" xmlns="" id="{037FB070-BB1F-47FC-97A4-46CE521E6A0F}"/>
               </a:ext>
             </a:extLst>
           </p:cNvPr>
@@ -14984,7 +14990,7 @@
           <p:cNvPr id="17" name="群組 16">
             <a:extLst>
               <a:ext uri="{FF2B5EF4-FFF2-40B4-BE49-F238E27FC236}">
-                <a16:creationId xmlns:a16="http://schemas.microsoft.com/office/drawing/2014/main" id="{97946D57-AF3A-4129-BD70-A89A7459D88D}"/>
+                <a16:creationId xmlns:a16="http://schemas.microsoft.com/office/drawing/2014/main" xmlns="" id="{97946D57-AF3A-4129-BD70-A89A7459D88D}"/>
               </a:ext>
             </a:extLst>
           </p:cNvPr>
@@ -15004,7 +15010,7 @@
             <p:cNvPr id="5" name="Google Shape;170;p23">
               <a:extLst>
                 <a:ext uri="{FF2B5EF4-FFF2-40B4-BE49-F238E27FC236}">
-                  <a16:creationId xmlns:a16="http://schemas.microsoft.com/office/drawing/2014/main" id="{5E427F58-5C6C-45BA-9CEC-A7D365F147E6}"/>
+                  <a16:creationId xmlns:a16="http://schemas.microsoft.com/office/drawing/2014/main" xmlns="" id="{5E427F58-5C6C-45BA-9CEC-A7D365F147E6}"/>
                 </a:ext>
               </a:extLst>
             </p:cNvPr>
@@ -15060,7 +15066,7 @@
             <p:cNvPr id="6" name="Google Shape;171;p23">
               <a:extLst>
                 <a:ext uri="{FF2B5EF4-FFF2-40B4-BE49-F238E27FC236}">
-                  <a16:creationId xmlns:a16="http://schemas.microsoft.com/office/drawing/2014/main" id="{918C41D1-7901-424A-95B6-596B3D0A42A4}"/>
+                  <a16:creationId xmlns:a16="http://schemas.microsoft.com/office/drawing/2014/main" xmlns="" id="{918C41D1-7901-424A-95B6-596B3D0A42A4}"/>
                 </a:ext>
               </a:extLst>
             </p:cNvPr>
@@ -15116,7 +15122,7 @@
             <p:cNvPr id="7" name="Google Shape;172;p23">
               <a:extLst>
                 <a:ext uri="{FF2B5EF4-FFF2-40B4-BE49-F238E27FC236}">
-                  <a16:creationId xmlns:a16="http://schemas.microsoft.com/office/drawing/2014/main" id="{0A1D48A0-ED72-479A-B590-3CCB8D127D5A}"/>
+                  <a16:creationId xmlns:a16="http://schemas.microsoft.com/office/drawing/2014/main" xmlns="" id="{0A1D48A0-ED72-479A-B590-3CCB8D127D5A}"/>
                 </a:ext>
               </a:extLst>
             </p:cNvPr>
@@ -15271,6 +15277,18 @@
                   <a:sym typeface="Microsoft JhengHei"/>
                 </a:rPr>
                 <a:t>Autoencoder</a:t>
+              </a:r>
+              <a:r>
+                <a:rPr lang="zh-TW" altLang="en-US" sz="1950" dirty="0">
+                  <a:solidFill>
+                    <a:srgbClr val="FF0000"/>
+                  </a:solidFill>
+                  <a:latin typeface="Microsoft JhengHei"/>
+                  <a:ea typeface="Microsoft JhengHei"/>
+                  <a:cs typeface="Microsoft JhengHei"/>
+                  <a:sym typeface="Microsoft JhengHei"/>
+                </a:rPr>
+                <a:t/>
               </a:r>
               <a:br>
                 <a:rPr lang="zh-TW" altLang="en-US" sz="1950" dirty="0">
@@ -15389,7 +15407,7 @@
             <p:cNvPr id="8" name="Google Shape;173;p23">
               <a:extLst>
                 <a:ext uri="{FF2B5EF4-FFF2-40B4-BE49-F238E27FC236}">
-                  <a16:creationId xmlns:a16="http://schemas.microsoft.com/office/drawing/2014/main" id="{855DAC32-6B60-40AC-9320-7182DD1424BB}"/>
+                  <a16:creationId xmlns:a16="http://schemas.microsoft.com/office/drawing/2014/main" xmlns="" id="{855DAC32-6B60-40AC-9320-7182DD1424BB}"/>
                 </a:ext>
               </a:extLst>
             </p:cNvPr>
@@ -15424,7 +15442,7 @@
             <p:cNvPr id="9" name="Google Shape;174;p23">
               <a:extLst>
                 <a:ext uri="{FF2B5EF4-FFF2-40B4-BE49-F238E27FC236}">
-                  <a16:creationId xmlns:a16="http://schemas.microsoft.com/office/drawing/2014/main" id="{F148AA38-77AB-4E44-B9FB-1052A469F91A}"/>
+                  <a16:creationId xmlns:a16="http://schemas.microsoft.com/office/drawing/2014/main" xmlns="" id="{F148AA38-77AB-4E44-B9FB-1052A469F91A}"/>
                 </a:ext>
               </a:extLst>
             </p:cNvPr>
@@ -15459,7 +15477,7 @@
             <p:cNvPr id="10" name="Google Shape;175;p23">
               <a:extLst>
                 <a:ext uri="{FF2B5EF4-FFF2-40B4-BE49-F238E27FC236}">
-                  <a16:creationId xmlns:a16="http://schemas.microsoft.com/office/drawing/2014/main" id="{FEE3FA10-2FAD-46E1-9FA0-AEAE518CF9EF}"/>
+                  <a16:creationId xmlns:a16="http://schemas.microsoft.com/office/drawing/2014/main" xmlns="" id="{FEE3FA10-2FAD-46E1-9FA0-AEAE518CF9EF}"/>
                 </a:ext>
               </a:extLst>
             </p:cNvPr>
@@ -15495,7 +15513,7 @@
             <p:cNvPr id="11" name="Google Shape;176;p23">
               <a:extLst>
                 <a:ext uri="{FF2B5EF4-FFF2-40B4-BE49-F238E27FC236}">
-                  <a16:creationId xmlns:a16="http://schemas.microsoft.com/office/drawing/2014/main" id="{C814542D-A129-4B02-A1CB-F1FFF80895E0}"/>
+                  <a16:creationId xmlns:a16="http://schemas.microsoft.com/office/drawing/2014/main" xmlns="" id="{C814542D-A129-4B02-A1CB-F1FFF80895E0}"/>
                 </a:ext>
               </a:extLst>
             </p:cNvPr>
@@ -15617,7 +15635,7 @@
             <p:cNvPr id="12" name="Google Shape;177;p23">
               <a:extLst>
                 <a:ext uri="{FF2B5EF4-FFF2-40B4-BE49-F238E27FC236}">
-                  <a16:creationId xmlns:a16="http://schemas.microsoft.com/office/drawing/2014/main" id="{9FC81EBE-B14D-48C6-9C7D-837F5358DC0F}"/>
+                  <a16:creationId xmlns:a16="http://schemas.microsoft.com/office/drawing/2014/main" xmlns="" id="{9FC81EBE-B14D-48C6-9C7D-837F5358DC0F}"/>
                 </a:ext>
               </a:extLst>
             </p:cNvPr>
@@ -15852,7 +15870,7 @@
             <p:cNvPr id="13" name="Google Shape;178;p23">
               <a:extLst>
                 <a:ext uri="{FF2B5EF4-FFF2-40B4-BE49-F238E27FC236}">
-                  <a16:creationId xmlns:a16="http://schemas.microsoft.com/office/drawing/2014/main" id="{904790E5-36DF-40D5-9378-7AF1128327CD}"/>
+                  <a16:creationId xmlns:a16="http://schemas.microsoft.com/office/drawing/2014/main" xmlns="" id="{904790E5-36DF-40D5-9378-7AF1128327CD}"/>
                 </a:ext>
               </a:extLst>
             </p:cNvPr>
@@ -15972,6 +15990,15 @@
             </a:p>
             <a:p>
               <a:pPr algn="ctr"/>
+              <a:r>
+                <a:rPr lang="zh-TW" altLang="en-US" sz="1950" b="1" dirty="0">
+                  <a:latin typeface="Microsoft JhengHei"/>
+                  <a:ea typeface="Microsoft JhengHei"/>
+                  <a:cs typeface="Microsoft JhengHei"/>
+                  <a:sym typeface="Microsoft JhengHei"/>
+                </a:rPr>
+                <a:t/>
+              </a:r>
               <a:br>
                 <a:rPr lang="zh-TW" altLang="en-US" sz="1950" b="1" dirty="0">
                   <a:latin typeface="Microsoft JhengHei"/>
@@ -15994,7 +16021,7 @@
             <p:cNvPr id="14" name="Google Shape;179;p23">
               <a:extLst>
                 <a:ext uri="{FF2B5EF4-FFF2-40B4-BE49-F238E27FC236}">
-                  <a16:creationId xmlns:a16="http://schemas.microsoft.com/office/drawing/2014/main" id="{43851C44-65A4-468C-9717-0C091B9EA2A8}"/>
+                  <a16:creationId xmlns:a16="http://schemas.microsoft.com/office/drawing/2014/main" xmlns="" id="{43851C44-65A4-468C-9717-0C091B9EA2A8}"/>
                 </a:ext>
               </a:extLst>
             </p:cNvPr>
@@ -16030,7 +16057,7 @@
             <p:cNvPr id="15" name="Google Shape;180;p23">
               <a:extLst>
                 <a:ext uri="{FF2B5EF4-FFF2-40B4-BE49-F238E27FC236}">
-                  <a16:creationId xmlns:a16="http://schemas.microsoft.com/office/drawing/2014/main" id="{B2AA341C-E18A-4271-9A33-50C76D4B6376}"/>
+                  <a16:creationId xmlns:a16="http://schemas.microsoft.com/office/drawing/2014/main" xmlns="" id="{B2AA341C-E18A-4271-9A33-50C76D4B6376}"/>
                 </a:ext>
               </a:extLst>
             </p:cNvPr>
@@ -16066,7 +16093,7 @@
             <p:cNvPr id="16" name="Google Shape;181;p23">
               <a:extLst>
                 <a:ext uri="{FF2B5EF4-FFF2-40B4-BE49-F238E27FC236}">
-                  <a16:creationId xmlns:a16="http://schemas.microsoft.com/office/drawing/2014/main" id="{F23B655A-40CA-409E-A625-7FDDD9E52395}"/>
+                  <a16:creationId xmlns:a16="http://schemas.microsoft.com/office/drawing/2014/main" xmlns="" id="{F23B655A-40CA-409E-A625-7FDDD9E52395}"/>
                 </a:ext>
               </a:extLst>
             </p:cNvPr>
@@ -16108,6 +16135,14 @@
   <p:clrMapOvr>
     <a:masterClrMapping/>
   </p:clrMapOvr>
+  <mc:AlternateContent xmlns:mc="http://schemas.openxmlformats.org/markup-compatibility/2006">
+    <mc:Choice xmlns:p14="http://schemas.microsoft.com/office/powerpoint/2010/main" Requires="p14">
+      <p:transition spd="slow" p14:dur="2000"/>
+    </mc:Choice>
+    <mc:Fallback>
+      <p:transition spd="slow"/>
+    </mc:Fallback>
+  </mc:AlternateContent>
 </p:sld>
 </file>
 
@@ -16133,7 +16168,7 @@
           <p:cNvPr id="2" name="內容版面配置區 1">
             <a:extLst>
               <a:ext uri="{FF2B5EF4-FFF2-40B4-BE49-F238E27FC236}">
-                <a16:creationId xmlns:a16="http://schemas.microsoft.com/office/drawing/2014/main" id="{C32AFD1F-2E4B-4849-BE1A-F3608F1EB714}"/>
+                <a16:creationId xmlns:a16="http://schemas.microsoft.com/office/drawing/2014/main" xmlns="" id="{C32AFD1F-2E4B-4849-BE1A-F3608F1EB714}"/>
               </a:ext>
             </a:extLst>
           </p:cNvPr>
@@ -16307,7 +16342,7 @@
           <p:cNvPr id="3" name="投影片編號版面配置區 2">
             <a:extLst>
               <a:ext uri="{FF2B5EF4-FFF2-40B4-BE49-F238E27FC236}">
-                <a16:creationId xmlns:a16="http://schemas.microsoft.com/office/drawing/2014/main" id="{E3C37B76-70FB-4900-9BD5-F67B2AD8D97B}"/>
+                <a16:creationId xmlns:a16="http://schemas.microsoft.com/office/drawing/2014/main" xmlns="" id="{E3C37B76-70FB-4900-9BD5-F67B2AD8D97B}"/>
               </a:ext>
             </a:extLst>
           </p:cNvPr>
@@ -16337,7 +16372,7 @@
           <p:cNvPr id="4" name="標題 3">
             <a:extLst>
               <a:ext uri="{FF2B5EF4-FFF2-40B4-BE49-F238E27FC236}">
-                <a16:creationId xmlns:a16="http://schemas.microsoft.com/office/drawing/2014/main" id="{72658D49-53F4-4BC7-AE41-30E52EC1ED6A}"/>
+                <a16:creationId xmlns:a16="http://schemas.microsoft.com/office/drawing/2014/main" xmlns="" id="{72658D49-53F4-4BC7-AE41-30E52EC1ED6A}"/>
               </a:ext>
             </a:extLst>
           </p:cNvPr>
@@ -16365,7 +16400,7 @@
           <p:cNvPr id="5" name="內容版面配置區 1">
             <a:extLst>
               <a:ext uri="{FF2B5EF4-FFF2-40B4-BE49-F238E27FC236}">
-                <a16:creationId xmlns:a16="http://schemas.microsoft.com/office/drawing/2014/main" id="{629B81EB-41A1-4938-9A19-05C328FD8B9C}"/>
+                <a16:creationId xmlns:a16="http://schemas.microsoft.com/office/drawing/2014/main" xmlns="" id="{629B81EB-41A1-4938-9A19-05C328FD8B9C}"/>
               </a:ext>
             </a:extLst>
           </p:cNvPr>
@@ -16984,7 +17019,7 @@
   <a:extraClrSchemeLst/>
   <a:extLst>
     <a:ext uri="{05A4C25C-085E-4340-85A3-A5531E510DB2}">
-      <thm15:themeFamily xmlns:thm15="http://schemas.microsoft.com/office/thememl/2012/main" name="簡報1" id="{9F657D65-ACA1-4C9A-A249-42B91234B9AD}" vid="{DF6CEEC3-935B-462F-971D-61A2C59E3EC3}"/>
+      <thm15:themeFamily xmlns:thm15="http://schemas.microsoft.com/office/thememl/2012/main" xmlns="" name="簡報1" id="{9F657D65-ACA1-4C9A-A249-42B91234B9AD}" vid="{DF6CEEC3-935B-462F-971D-61A2C59E3EC3}"/>
     </a:ext>
   </a:extLst>
 </a:theme>
